--- a/Pesquisadores Petrobrás.pptx
+++ b/Pesquisadores Petrobrás.pptx
@@ -8,16 +8,15 @@
     <p:sldId id="256" r:id="rId2"/>
     <p:sldId id="257" r:id="rId3"/>
     <p:sldId id="291" r:id="rId4"/>
-    <p:sldId id="292" r:id="rId5"/>
-    <p:sldId id="295" r:id="rId6"/>
-    <p:sldId id="289" r:id="rId7"/>
-    <p:sldId id="296" r:id="rId8"/>
-    <p:sldId id="293" r:id="rId9"/>
-    <p:sldId id="290" r:id="rId10"/>
-    <p:sldId id="297" r:id="rId11"/>
-    <p:sldId id="302" r:id="rId12"/>
-    <p:sldId id="275" r:id="rId13"/>
-    <p:sldId id="299" r:id="rId14"/>
+    <p:sldId id="295" r:id="rId5"/>
+    <p:sldId id="289" r:id="rId6"/>
+    <p:sldId id="296" r:id="rId7"/>
+    <p:sldId id="293" r:id="rId8"/>
+    <p:sldId id="290" r:id="rId9"/>
+    <p:sldId id="297" r:id="rId10"/>
+    <p:sldId id="302" r:id="rId11"/>
+    <p:sldId id="275" r:id="rId12"/>
+    <p:sldId id="299" r:id="rId13"/>
   </p:sldIdLst>
   <p:sldSz cx="12192000" cy="6858000"/>
   <p:notesSz cx="6858000" cy="9144000"/>
@@ -271,7 +270,7 @@
           <a:p>
             <a:fld id="{D962C49F-8192-4F2A-91CB-2005319D6BB4}" type="datetimeFigureOut">
               <a:rPr lang="pt-BR" smtClean="0"/>
-              <a:t>19/01/2021</a:t>
+              <a:t>20/01/2021</a:t>
             </a:fld>
             <a:endParaRPr lang="pt-BR"/>
           </a:p>
@@ -469,7 +468,7 @@
           <a:p>
             <a:fld id="{D962C49F-8192-4F2A-91CB-2005319D6BB4}" type="datetimeFigureOut">
               <a:rPr lang="pt-BR" smtClean="0"/>
-              <a:t>19/01/2021</a:t>
+              <a:t>20/01/2021</a:t>
             </a:fld>
             <a:endParaRPr lang="pt-BR"/>
           </a:p>
@@ -677,7 +676,7 @@
           <a:p>
             <a:fld id="{D962C49F-8192-4F2A-91CB-2005319D6BB4}" type="datetimeFigureOut">
               <a:rPr lang="pt-BR" smtClean="0"/>
-              <a:t>19/01/2021</a:t>
+              <a:t>20/01/2021</a:t>
             </a:fld>
             <a:endParaRPr lang="pt-BR"/>
           </a:p>
@@ -875,7 +874,7 @@
           <a:p>
             <a:fld id="{D962C49F-8192-4F2A-91CB-2005319D6BB4}" type="datetimeFigureOut">
               <a:rPr lang="pt-BR" smtClean="0"/>
-              <a:t>19/01/2021</a:t>
+              <a:t>20/01/2021</a:t>
             </a:fld>
             <a:endParaRPr lang="pt-BR"/>
           </a:p>
@@ -1150,7 +1149,7 @@
           <a:p>
             <a:fld id="{D962C49F-8192-4F2A-91CB-2005319D6BB4}" type="datetimeFigureOut">
               <a:rPr lang="pt-BR" smtClean="0"/>
-              <a:t>19/01/2021</a:t>
+              <a:t>20/01/2021</a:t>
             </a:fld>
             <a:endParaRPr lang="pt-BR"/>
           </a:p>
@@ -1415,7 +1414,7 @@
           <a:p>
             <a:fld id="{D962C49F-8192-4F2A-91CB-2005319D6BB4}" type="datetimeFigureOut">
               <a:rPr lang="pt-BR" smtClean="0"/>
-              <a:t>19/01/2021</a:t>
+              <a:t>20/01/2021</a:t>
             </a:fld>
             <a:endParaRPr lang="pt-BR"/>
           </a:p>
@@ -1827,7 +1826,7 @@
           <a:p>
             <a:fld id="{D962C49F-8192-4F2A-91CB-2005319D6BB4}" type="datetimeFigureOut">
               <a:rPr lang="pt-BR" smtClean="0"/>
-              <a:t>19/01/2021</a:t>
+              <a:t>20/01/2021</a:t>
             </a:fld>
             <a:endParaRPr lang="pt-BR"/>
           </a:p>
@@ -1968,7 +1967,7 @@
           <a:p>
             <a:fld id="{D962C49F-8192-4F2A-91CB-2005319D6BB4}" type="datetimeFigureOut">
               <a:rPr lang="pt-BR" smtClean="0"/>
-              <a:t>19/01/2021</a:t>
+              <a:t>20/01/2021</a:t>
             </a:fld>
             <a:endParaRPr lang="pt-BR"/>
           </a:p>
@@ -2081,7 +2080,7 @@
           <a:p>
             <a:fld id="{D962C49F-8192-4F2A-91CB-2005319D6BB4}" type="datetimeFigureOut">
               <a:rPr lang="pt-BR" smtClean="0"/>
-              <a:t>19/01/2021</a:t>
+              <a:t>20/01/2021</a:t>
             </a:fld>
             <a:endParaRPr lang="pt-BR"/>
           </a:p>
@@ -2392,7 +2391,7 @@
           <a:p>
             <a:fld id="{D962C49F-8192-4F2A-91CB-2005319D6BB4}" type="datetimeFigureOut">
               <a:rPr lang="pt-BR" smtClean="0"/>
-              <a:t>19/01/2021</a:t>
+              <a:t>20/01/2021</a:t>
             </a:fld>
             <a:endParaRPr lang="pt-BR"/>
           </a:p>
@@ -2680,7 +2679,7 @@
           <a:p>
             <a:fld id="{D962C49F-8192-4F2A-91CB-2005319D6BB4}" type="datetimeFigureOut">
               <a:rPr lang="pt-BR" smtClean="0"/>
-              <a:t>19/01/2021</a:t>
+              <a:t>20/01/2021</a:t>
             </a:fld>
             <a:endParaRPr lang="pt-BR"/>
           </a:p>
@@ -2921,7 +2920,7 @@
           <a:p>
             <a:fld id="{D962C49F-8192-4F2A-91CB-2005319D6BB4}" type="datetimeFigureOut">
               <a:rPr lang="pt-BR" smtClean="0"/>
-              <a:t>19/01/2021</a:t>
+              <a:t>20/01/2021</a:t>
             </a:fld>
             <a:endParaRPr lang="pt-BR"/>
           </a:p>
@@ -4168,7 +4167,12 @@
             <p:ph type="title"/>
           </p:nvPr>
         </p:nvSpPr>
-        <p:spPr/>
+        <p:spPr>
+          <a:xfrm>
+            <a:off x="838200" y="492499"/>
+            <a:ext cx="10515600" cy="1325563"/>
+          </a:xfrm>
+        </p:spPr>
         <p:txBody>
           <a:bodyPr>
             <a:normAutofit fontScale="90000"/>
@@ -4177,7 +4181,7 @@
           <a:p>
             <a:r>
               <a:rPr lang="pt-BR" dirty="0"/>
-              <a:t>Relatório 4: Topografia das Redes de Pesquisa Petrobras</a:t>
+              <a:t>Relatório 5: Análise Descritiva do questionário Fernanda: Laboratórios Petrobras </a:t>
             </a:r>
             <a:br>
               <a:rPr lang="pt-BR" dirty="0"/>
@@ -4186,374 +4190,1762 @@
           </a:p>
         </p:txBody>
       </p:sp>
-      <mc:AlternateContent xmlns:mc="http://schemas.openxmlformats.org/markup-compatibility/2006">
-        <mc:Choice xmlns:a14="http://schemas.microsoft.com/office/drawing/2010/main" Requires="a14">
-          <p:sp>
-            <p:nvSpPr>
-              <p:cNvPr id="10" name="CaixaDeTexto 9">
-                <a:extLst>
-                  <a:ext uri="{FF2B5EF4-FFF2-40B4-BE49-F238E27FC236}">
-                    <a16:creationId xmlns:a16="http://schemas.microsoft.com/office/drawing/2014/main" id="{92BBEFE4-6343-4C98-B5CE-0C78808F705C}"/>
-                  </a:ext>
-                </a:extLst>
-              </p:cNvPr>
-              <p:cNvSpPr txBox="1"/>
-              <p:nvPr/>
-            </p:nvSpPr>
-            <p:spPr>
-              <a:xfrm>
-                <a:off x="1101489" y="5495786"/>
-                <a:ext cx="10191564" cy="430887"/>
-              </a:xfrm>
-              <a:prstGeom prst="rect">
-                <a:avLst/>
-              </a:prstGeom>
-              <a:noFill/>
-            </p:spPr>
-            <p:txBody>
-              <a:bodyPr wrap="square">
-                <a:spAutoFit/>
-              </a:bodyPr>
-              <a:lstStyle/>
-              <a:p>
-                <a:pPr/>
-                <a14:m>
-                  <m:oMathPara xmlns:m="http://schemas.openxmlformats.org/officeDocument/2006/math">
-                    <m:oMathParaPr>
-                      <m:jc m:val="centerGroup"/>
-                    </m:oMathParaPr>
-                    <m:oMath xmlns:m="http://schemas.openxmlformats.org/officeDocument/2006/math">
-                      <m:sSub>
-                        <m:sSubPr>
-                          <m:ctrlPr>
-                            <a:rPr lang="pt-BR" sz="2200" i="1" smtClean="0">
-                              <a:latin typeface="Cambria Math" panose="02040503050406030204" pitchFamily="18" charset="0"/>
-                            </a:rPr>
-                          </m:ctrlPr>
-                        </m:sSubPr>
-                        <m:e>
-                          <m:r>
-                            <a:rPr lang="pt-BR" sz="2200" b="0" i="1" smtClean="0">
-                              <a:latin typeface="Cambria Math" panose="02040503050406030204" pitchFamily="18" charset="0"/>
-                            </a:rPr>
-                            <m:t>𝑦</m:t>
-                          </m:r>
-                        </m:e>
-                        <m:sub>
-                          <m:r>
-                            <a:rPr lang="pt-BR" sz="2200" b="0" i="1" smtClean="0">
-                              <a:latin typeface="Cambria Math" panose="02040503050406030204" pitchFamily="18" charset="0"/>
-                            </a:rPr>
-                            <m:t>𝑖𝑡</m:t>
-                          </m:r>
-                        </m:sub>
-                      </m:sSub>
-                      <m:r>
-                        <a:rPr lang="pt-BR" sz="2200" b="0" i="1" smtClean="0">
-                          <a:latin typeface="Cambria Math" panose="02040503050406030204" pitchFamily="18" charset="0"/>
-                        </a:rPr>
-                        <m:t>=</m:t>
-                      </m:r>
-                      <m:sSub>
-                        <m:sSubPr>
-                          <m:ctrlPr>
-                            <a:rPr lang="pt-BR" sz="2200" b="0" i="1" smtClean="0">
-                              <a:latin typeface="Cambria Math" panose="02040503050406030204" pitchFamily="18" charset="0"/>
-                            </a:rPr>
-                          </m:ctrlPr>
-                        </m:sSubPr>
-                        <m:e>
-                          <m:r>
-                            <a:rPr lang="pt-BR" sz="2200" b="0" i="1" smtClean="0">
-                              <a:latin typeface="Cambria Math" panose="02040503050406030204" pitchFamily="18" charset="0"/>
-                              <a:ea typeface="Cambria Math" panose="02040503050406030204" pitchFamily="18" charset="0"/>
-                            </a:rPr>
-                            <m:t>𝛽</m:t>
-                          </m:r>
-                        </m:e>
-                        <m:sub>
-                          <m:r>
-                            <a:rPr lang="pt-BR" sz="2200" b="0" i="1" smtClean="0">
-                              <a:latin typeface="Cambria Math" panose="02040503050406030204" pitchFamily="18" charset="0"/>
-                            </a:rPr>
-                            <m:t>0</m:t>
-                          </m:r>
-                        </m:sub>
-                      </m:sSub>
-                      <m:r>
-                        <a:rPr lang="pt-BR" sz="2200" b="0" i="1" smtClean="0">
-                          <a:latin typeface="Cambria Math" panose="02040503050406030204" pitchFamily="18" charset="0"/>
-                        </a:rPr>
-                        <m:t>+</m:t>
-                      </m:r>
-                      <m:sSub>
-                        <m:sSubPr>
-                          <m:ctrlPr>
-                            <a:rPr lang="pt-BR" sz="2200" b="0" i="1" smtClean="0">
-                              <a:latin typeface="Cambria Math" panose="02040503050406030204" pitchFamily="18" charset="0"/>
-                            </a:rPr>
-                          </m:ctrlPr>
-                        </m:sSubPr>
-                        <m:e>
-                          <m:r>
-                            <a:rPr lang="pt-BR" sz="2200" i="1">
-                              <a:latin typeface="Cambria Math" panose="02040503050406030204" pitchFamily="18" charset="0"/>
-                              <a:ea typeface="Cambria Math" panose="02040503050406030204" pitchFamily="18" charset="0"/>
-                            </a:rPr>
-                            <m:t>𝛾</m:t>
-                          </m:r>
-                        </m:e>
-                        <m:sub>
-                          <m:r>
-                            <a:rPr lang="pt-BR" sz="2200" b="0" i="1" smtClean="0">
-                              <a:latin typeface="Cambria Math" panose="02040503050406030204" pitchFamily="18" charset="0"/>
-                            </a:rPr>
-                            <m:t>1</m:t>
-                          </m:r>
-                        </m:sub>
-                      </m:sSub>
-                      <m:r>
-                        <a:rPr lang="pt-BR" sz="2200" b="0" i="1" smtClean="0">
-                          <a:latin typeface="Cambria Math" panose="02040503050406030204" pitchFamily="18" charset="0"/>
-                        </a:rPr>
-                        <m:t>𝑆h𝑜𝑟𝑡𝑒𝑠𝑡</m:t>
-                      </m:r>
-                      <m:r>
-                        <a:rPr lang="pt-BR" sz="2200" b="0" i="1" smtClean="0">
-                          <a:latin typeface="Cambria Math" panose="02040503050406030204" pitchFamily="18" charset="0"/>
-                        </a:rPr>
-                        <m:t>(</m:t>
-                      </m:r>
-                      <m:r>
-                        <m:rPr>
-                          <m:nor/>
-                        </m:rPr>
-                        <a:rPr lang="pt-BR" sz="2200" dirty="0"/>
-                        <m:t>PETRO</m:t>
-                      </m:r>
-                      <m:r>
-                        <m:rPr>
-                          <m:nor/>
-                        </m:rPr>
-                        <a:rPr lang="pt-BR" sz="2200" dirty="0"/>
-                        <m:t>_</m:t>
-                      </m:r>
-                      <m:r>
-                        <m:rPr>
-                          <m:nor/>
-                        </m:rPr>
-                        <a:rPr lang="pt-BR" sz="2200" dirty="0"/>
-                        <m:t>PETRO</m:t>
-                      </m:r>
-                      <m:r>
-                        <m:rPr>
-                          <m:nor/>
-                        </m:rPr>
-                        <a:rPr lang="pt-BR" sz="2200" b="0" i="0" dirty="0" smtClean="0"/>
-                        <m:t>)+</m:t>
-                      </m:r>
-                      <m:r>
-                        <a:rPr lang="pt-BR" sz="2200" b="0" i="1" dirty="0" smtClean="0">
-                          <a:latin typeface="Cambria Math" panose="02040503050406030204" pitchFamily="18" charset="0"/>
-                        </a:rPr>
-                        <m:t> </m:t>
-                      </m:r>
-                      <m:sSub>
-                        <m:sSubPr>
-                          <m:ctrlPr>
-                            <a:rPr lang="pt-BR" sz="2200" i="1">
-                              <a:latin typeface="Cambria Math" panose="02040503050406030204" pitchFamily="18" charset="0"/>
-                            </a:rPr>
-                          </m:ctrlPr>
-                        </m:sSubPr>
-                        <m:e>
-                          <m:r>
-                            <a:rPr lang="pt-BR" sz="2200" i="1">
-                              <a:latin typeface="Cambria Math" panose="02040503050406030204" pitchFamily="18" charset="0"/>
-                              <a:ea typeface="Cambria Math" panose="02040503050406030204" pitchFamily="18" charset="0"/>
-                            </a:rPr>
-                            <m:t>𝛾</m:t>
-                          </m:r>
-                        </m:e>
-                        <m:sub>
-                          <m:r>
-                            <a:rPr lang="pt-BR" sz="2200" b="0" i="1" smtClean="0">
-                              <a:latin typeface="Cambria Math" panose="02040503050406030204" pitchFamily="18" charset="0"/>
-                            </a:rPr>
-                            <m:t>2</m:t>
-                          </m:r>
-                        </m:sub>
-                      </m:sSub>
-                      <m:r>
-                        <a:rPr lang="pt-BR" sz="2200" b="0" i="1" smtClean="0">
-                          <a:latin typeface="Cambria Math" panose="02040503050406030204" pitchFamily="18" charset="0"/>
-                        </a:rPr>
-                        <m:t>𝐵𝑒𝑡𝑤𝑒𝑒𝑛𝑒𝑠</m:t>
-                      </m:r>
-                      <m:r>
-                        <a:rPr lang="pt-BR" sz="2200" i="1" smtClean="0">
-                          <a:latin typeface="Cambria Math" panose="02040503050406030204" pitchFamily="18" charset="0"/>
-                        </a:rPr>
-                        <m:t> </m:t>
-                      </m:r>
-                      <m:r>
-                        <a:rPr lang="pt-BR" sz="2200" i="1">
-                          <a:latin typeface="Cambria Math" panose="02040503050406030204" pitchFamily="18" charset="0"/>
-                        </a:rPr>
-                        <m:t>(</m:t>
-                      </m:r>
-                      <m:r>
-                        <m:rPr>
-                          <m:nor/>
-                        </m:rPr>
-                        <a:rPr lang="pt-BR" sz="2200" dirty="0"/>
-                        <m:t>PETRO</m:t>
-                      </m:r>
-                      <m:r>
-                        <m:rPr>
-                          <m:nor/>
-                        </m:rPr>
-                        <a:rPr lang="pt-BR" sz="2200" dirty="0"/>
-                        <m:t>_</m:t>
-                      </m:r>
-                      <m:r>
-                        <m:rPr>
-                          <m:nor/>
-                        </m:rPr>
-                        <a:rPr lang="pt-BR" sz="2200" dirty="0"/>
-                        <m:t>PETRO</m:t>
-                      </m:r>
-                      <m:r>
-                        <m:rPr>
-                          <m:nor/>
-                        </m:rPr>
-                        <a:rPr lang="pt-BR" sz="2200" dirty="0"/>
-                        <m:t>)</m:t>
-                      </m:r>
-                      <m:r>
-                        <a:rPr lang="pt-BR" sz="2200" b="0" i="1" smtClean="0">
-                          <a:latin typeface="Cambria Math" panose="02040503050406030204" pitchFamily="18" charset="0"/>
-                          <a:ea typeface="Cambria Math" panose="02040503050406030204" pitchFamily="18" charset="0"/>
-                        </a:rPr>
-                        <m:t>+</m:t>
-                      </m:r>
-                      <m:sSub>
-                        <m:sSubPr>
-                          <m:ctrlPr>
-                            <a:rPr lang="pt-BR" sz="2200" i="1">
-                              <a:latin typeface="Cambria Math" panose="02040503050406030204" pitchFamily="18" charset="0"/>
-                              <a:ea typeface="Cambria Math" panose="02040503050406030204" pitchFamily="18" charset="0"/>
-                            </a:rPr>
-                          </m:ctrlPr>
-                        </m:sSubPr>
-                        <m:e>
-                          <m:r>
-                            <a:rPr lang="pt-BR" sz="2200" i="1">
-                              <a:latin typeface="Cambria Math" panose="02040503050406030204" pitchFamily="18" charset="0"/>
-                              <a:ea typeface="Cambria Math" panose="02040503050406030204" pitchFamily="18" charset="0"/>
-                            </a:rPr>
-                            <m:t>𝜀</m:t>
-                          </m:r>
-                        </m:e>
-                        <m:sub>
-                          <m:r>
-                            <a:rPr lang="pt-BR" sz="2200" b="0" i="1" smtClean="0">
-                              <a:latin typeface="Cambria Math" panose="02040503050406030204" pitchFamily="18" charset="0"/>
-                              <a:ea typeface="Cambria Math" panose="02040503050406030204" pitchFamily="18" charset="0"/>
-                            </a:rPr>
-                            <m:t>𝑖𝑡</m:t>
-                          </m:r>
-                        </m:sub>
-                      </m:sSub>
-                    </m:oMath>
-                  </m:oMathPara>
-                </a14:m>
-                <a:endParaRPr lang="pt-BR" sz="2200" dirty="0"/>
-              </a:p>
-            </p:txBody>
-          </p:sp>
-        </mc:Choice>
-        <mc:Fallback>
-          <p:sp>
-            <p:nvSpPr>
-              <p:cNvPr id="10" name="CaixaDeTexto 9">
-                <a:extLst>
-                  <a:ext uri="{FF2B5EF4-FFF2-40B4-BE49-F238E27FC236}">
-                    <a16:creationId xmlns:a16="http://schemas.microsoft.com/office/drawing/2014/main" id="{92BBEFE4-6343-4C98-B5CE-0C78808F705C}"/>
-                  </a:ext>
-                </a:extLst>
-              </p:cNvPr>
-              <p:cNvSpPr txBox="1">
-                <a:spLocks noRot="1" noChangeAspect="1" noMove="1" noResize="1" noEditPoints="1" noAdjustHandles="1" noChangeArrowheads="1" noChangeShapeType="1" noTextEdit="1"/>
-              </p:cNvSpPr>
-              <p:nvPr/>
-            </p:nvSpPr>
-            <p:spPr>
-              <a:xfrm>
-                <a:off x="1101489" y="5495786"/>
-                <a:ext cx="10191564" cy="430887"/>
-              </a:xfrm>
-              <a:prstGeom prst="rect">
-                <a:avLst/>
-              </a:prstGeom>
-              <a:blipFill>
-                <a:blip r:embed="rId2"/>
-                <a:stretch>
-                  <a:fillRect b="-17143"/>
-                </a:stretch>
-              </a:blipFill>
-            </p:spPr>
-            <p:txBody>
-              <a:bodyPr/>
-              <a:lstStyle/>
-              <a:p>
-                <a:r>
-                  <a:rPr lang="pt-BR">
-                    <a:noFill/>
-                  </a:rPr>
-                  <a:t> </a:t>
-                </a:r>
-              </a:p>
-            </p:txBody>
-          </p:sp>
-        </mc:Fallback>
-      </mc:AlternateContent>
-      <p:pic>
-        <p:nvPicPr>
-          <p:cNvPr id="16" name="Imagem 15">
-            <a:extLst>
-              <a:ext uri="{FF2B5EF4-FFF2-40B4-BE49-F238E27FC236}">
-                <a16:creationId xmlns:a16="http://schemas.microsoft.com/office/drawing/2014/main" id="{26A64CBA-96A0-4D30-821C-EB03BED6B9E2}"/>
-              </a:ext>
-            </a:extLst>
-          </p:cNvPr>
-          <p:cNvPicPr>
-            <a:picLocks noChangeAspect="1"/>
-          </p:cNvPicPr>
+      <p:sp>
+        <p:nvSpPr>
+          <p:cNvPr id="17" name="Espaço Reservado para Conteúdo 4">
+            <a:extLst>
+              <a:ext uri="{FF2B5EF4-FFF2-40B4-BE49-F238E27FC236}">
+                <a16:creationId xmlns:a16="http://schemas.microsoft.com/office/drawing/2014/main" id="{DFE42DE6-5929-4B64-8100-95C6A7C6E26A}"/>
+              </a:ext>
+            </a:extLst>
+          </p:cNvPr>
+          <p:cNvSpPr txBox="1">
+            <a:spLocks/>
+          </p:cNvSpPr>
           <p:nvPr/>
-        </p:nvPicPr>
-        <p:blipFill>
-          <a:blip r:embed="rId3"/>
-          <a:stretch>
-            <a:fillRect/>
-          </a:stretch>
-        </p:blipFill>
+        </p:nvSpPr>
         <p:spPr>
           <a:xfrm>
-            <a:off x="832659" y="1509382"/>
-            <a:ext cx="10623631" cy="2734144"/>
+            <a:off x="643547" y="1774604"/>
+            <a:ext cx="7639319" cy="1172782"/>
           </a:xfrm>
           <a:prstGeom prst="rect">
             <a:avLst/>
           </a:prstGeom>
         </p:spPr>
-      </p:pic>
-      <p:sp>
-        <p:nvSpPr>
-          <p:cNvPr id="17" name="Espaço Reservado para Conteúdo 4">
-            <a:extLst>
-              <a:ext uri="{FF2B5EF4-FFF2-40B4-BE49-F238E27FC236}">
-                <a16:creationId xmlns:a16="http://schemas.microsoft.com/office/drawing/2014/main" id="{DFE42DE6-5929-4B64-8100-95C6A7C6E26A}"/>
+        <p:txBody>
+          <a:bodyPr vert="horz" lIns="91440" tIns="45720" rIns="91440" bIns="45720" rtlCol="0">
+            <a:normAutofit fontScale="55000" lnSpcReduction="20000"/>
+          </a:bodyPr>
+          <a:lstStyle>
+            <a:lvl1pPr marL="228600" indent="-228600" algn="l" defTabSz="914400" rtl="0" eaLnBrk="1" latinLnBrk="0" hangingPunct="1">
+              <a:lnSpc>
+                <a:spcPct val="90000"/>
+              </a:lnSpc>
+              <a:spcBef>
+                <a:spcPts val="1000"/>
+              </a:spcBef>
+              <a:buFont typeface="Arial" panose="020B0604020202020204" pitchFamily="34" charset="0"/>
+              <a:buChar char="•"/>
+              <a:defRPr sz="2800" kern="1200">
+                <a:solidFill>
+                  <a:schemeClr val="tx1"/>
+                </a:solidFill>
+                <a:latin typeface="+mn-lt"/>
+                <a:ea typeface="+mn-ea"/>
+                <a:cs typeface="+mn-cs"/>
+              </a:defRPr>
+            </a:lvl1pPr>
+            <a:lvl2pPr marL="685800" indent="-228600" algn="l" defTabSz="914400" rtl="0" eaLnBrk="1" latinLnBrk="0" hangingPunct="1">
+              <a:lnSpc>
+                <a:spcPct val="90000"/>
+              </a:lnSpc>
+              <a:spcBef>
+                <a:spcPts val="500"/>
+              </a:spcBef>
+              <a:buFont typeface="Arial" panose="020B0604020202020204" pitchFamily="34" charset="0"/>
+              <a:buChar char="•"/>
+              <a:defRPr sz="2400" kern="1200">
+                <a:solidFill>
+                  <a:schemeClr val="tx1"/>
+                </a:solidFill>
+                <a:latin typeface="+mn-lt"/>
+                <a:ea typeface="+mn-ea"/>
+                <a:cs typeface="+mn-cs"/>
+              </a:defRPr>
+            </a:lvl2pPr>
+            <a:lvl3pPr marL="1143000" indent="-228600" algn="l" defTabSz="914400" rtl="0" eaLnBrk="1" latinLnBrk="0" hangingPunct="1">
+              <a:lnSpc>
+                <a:spcPct val="90000"/>
+              </a:lnSpc>
+              <a:spcBef>
+                <a:spcPts val="500"/>
+              </a:spcBef>
+              <a:buFont typeface="Arial" panose="020B0604020202020204" pitchFamily="34" charset="0"/>
+              <a:buChar char="•"/>
+              <a:defRPr sz="2000" kern="1200">
+                <a:solidFill>
+                  <a:schemeClr val="tx1"/>
+                </a:solidFill>
+                <a:latin typeface="+mn-lt"/>
+                <a:ea typeface="+mn-ea"/>
+                <a:cs typeface="+mn-cs"/>
+              </a:defRPr>
+            </a:lvl3pPr>
+            <a:lvl4pPr marL="1600200" indent="-228600" algn="l" defTabSz="914400" rtl="0" eaLnBrk="1" latinLnBrk="0" hangingPunct="1">
+              <a:lnSpc>
+                <a:spcPct val="90000"/>
+              </a:lnSpc>
+              <a:spcBef>
+                <a:spcPts val="500"/>
+              </a:spcBef>
+              <a:buFont typeface="Arial" panose="020B0604020202020204" pitchFamily="34" charset="0"/>
+              <a:buChar char="•"/>
+              <a:defRPr sz="1800" kern="1200">
+                <a:solidFill>
+                  <a:schemeClr val="tx1"/>
+                </a:solidFill>
+                <a:latin typeface="+mn-lt"/>
+                <a:ea typeface="+mn-ea"/>
+                <a:cs typeface="+mn-cs"/>
+              </a:defRPr>
+            </a:lvl4pPr>
+            <a:lvl5pPr marL="2057400" indent="-228600" algn="l" defTabSz="914400" rtl="0" eaLnBrk="1" latinLnBrk="0" hangingPunct="1">
+              <a:lnSpc>
+                <a:spcPct val="90000"/>
+              </a:lnSpc>
+              <a:spcBef>
+                <a:spcPts val="500"/>
+              </a:spcBef>
+              <a:buFont typeface="Arial" panose="020B0604020202020204" pitchFamily="34" charset="0"/>
+              <a:buChar char="•"/>
+              <a:defRPr sz="1800" kern="1200">
+                <a:solidFill>
+                  <a:schemeClr val="tx1"/>
+                </a:solidFill>
+                <a:latin typeface="+mn-lt"/>
+                <a:ea typeface="+mn-ea"/>
+                <a:cs typeface="+mn-cs"/>
+              </a:defRPr>
+            </a:lvl5pPr>
+            <a:lvl6pPr marL="2514600" indent="-228600" algn="l" defTabSz="914400" rtl="0" eaLnBrk="1" latinLnBrk="0" hangingPunct="1">
+              <a:lnSpc>
+                <a:spcPct val="90000"/>
+              </a:lnSpc>
+              <a:spcBef>
+                <a:spcPts val="500"/>
+              </a:spcBef>
+              <a:buFont typeface="Arial" panose="020B0604020202020204" pitchFamily="34" charset="0"/>
+              <a:buChar char="•"/>
+              <a:defRPr sz="1800" kern="1200">
+                <a:solidFill>
+                  <a:schemeClr val="tx1"/>
+                </a:solidFill>
+                <a:latin typeface="+mn-lt"/>
+                <a:ea typeface="+mn-ea"/>
+                <a:cs typeface="+mn-cs"/>
+              </a:defRPr>
+            </a:lvl6pPr>
+            <a:lvl7pPr marL="2971800" indent="-228600" algn="l" defTabSz="914400" rtl="0" eaLnBrk="1" latinLnBrk="0" hangingPunct="1">
+              <a:lnSpc>
+                <a:spcPct val="90000"/>
+              </a:lnSpc>
+              <a:spcBef>
+                <a:spcPts val="500"/>
+              </a:spcBef>
+              <a:buFont typeface="Arial" panose="020B0604020202020204" pitchFamily="34" charset="0"/>
+              <a:buChar char="•"/>
+              <a:defRPr sz="1800" kern="1200">
+                <a:solidFill>
+                  <a:schemeClr val="tx1"/>
+                </a:solidFill>
+                <a:latin typeface="+mn-lt"/>
+                <a:ea typeface="+mn-ea"/>
+                <a:cs typeface="+mn-cs"/>
+              </a:defRPr>
+            </a:lvl7pPr>
+            <a:lvl8pPr marL="3429000" indent="-228600" algn="l" defTabSz="914400" rtl="0" eaLnBrk="1" latinLnBrk="0" hangingPunct="1">
+              <a:lnSpc>
+                <a:spcPct val="90000"/>
+              </a:lnSpc>
+              <a:spcBef>
+                <a:spcPts val="500"/>
+              </a:spcBef>
+              <a:buFont typeface="Arial" panose="020B0604020202020204" pitchFamily="34" charset="0"/>
+              <a:buChar char="•"/>
+              <a:defRPr sz="1800" kern="1200">
+                <a:solidFill>
+                  <a:schemeClr val="tx1"/>
+                </a:solidFill>
+                <a:latin typeface="+mn-lt"/>
+                <a:ea typeface="+mn-ea"/>
+                <a:cs typeface="+mn-cs"/>
+              </a:defRPr>
+            </a:lvl8pPr>
+            <a:lvl9pPr marL="3886200" indent="-228600" algn="l" defTabSz="914400" rtl="0" eaLnBrk="1" latinLnBrk="0" hangingPunct="1">
+              <a:lnSpc>
+                <a:spcPct val="90000"/>
+              </a:lnSpc>
+              <a:spcBef>
+                <a:spcPts val="500"/>
+              </a:spcBef>
+              <a:buFont typeface="Arial" panose="020B0604020202020204" pitchFamily="34" charset="0"/>
+              <a:buChar char="•"/>
+              <a:defRPr sz="1800" kern="1200">
+                <a:solidFill>
+                  <a:schemeClr val="tx1"/>
+                </a:solidFill>
+                <a:latin typeface="+mn-lt"/>
+                <a:ea typeface="+mn-ea"/>
+                <a:cs typeface="+mn-cs"/>
+              </a:defRPr>
+            </a:lvl9pPr>
+          </a:lstStyle>
+          <a:p>
+            <a:pPr lvl="1"/>
+            <a:endParaRPr lang="pt-BR" dirty="0"/>
+          </a:p>
+          <a:p>
+            <a:pPr lvl="1"/>
+            <a:r>
+              <a:rPr lang="pt-BR" sz="4800" dirty="0"/>
+              <a:t>Tabelas Descritivas</a:t>
+            </a:r>
+          </a:p>
+          <a:p>
+            <a:pPr lvl="1"/>
+            <a:r>
+              <a:rPr lang="pt-BR" sz="4800" dirty="0"/>
+              <a:t>Representação do laboratórios através de mapas</a:t>
+            </a:r>
+          </a:p>
+          <a:p>
+            <a:pPr lvl="1"/>
+            <a:endParaRPr lang="pt-BR" dirty="0"/>
+          </a:p>
+          <a:p>
+            <a:pPr marL="457200" lvl="1" indent="0">
+              <a:buNone/>
+            </a:pPr>
+            <a:endParaRPr lang="pt-BR" dirty="0"/>
+          </a:p>
+          <a:p>
+            <a:pPr marL="457200" lvl="1" indent="0">
+              <a:buNone/>
+            </a:pPr>
+            <a:endParaRPr lang="pt-BR" dirty="0"/>
+          </a:p>
+          <a:p>
+            <a:pPr marL="457200" lvl="1" indent="0">
+              <a:buNone/>
+            </a:pPr>
+            <a:endParaRPr lang="pt-BR" dirty="0"/>
+          </a:p>
+          <a:p>
+            <a:pPr marL="457200" lvl="1" indent="0">
+              <a:buNone/>
+            </a:pPr>
+            <a:endParaRPr lang="pt-BR" dirty="0"/>
+          </a:p>
+          <a:p>
+            <a:pPr marL="457200" lvl="1" indent="0">
+              <a:buNone/>
+            </a:pPr>
+            <a:endParaRPr lang="pt-BR" sz="2400" dirty="0"/>
+          </a:p>
+        </p:txBody>
+      </p:sp>
+    </p:spTree>
+    <p:extLst>
+      <p:ext uri="{BB962C8B-B14F-4D97-AF65-F5344CB8AC3E}">
+        <p14:creationId xmlns:p14="http://schemas.microsoft.com/office/powerpoint/2010/main" val="1421340670"/>
+      </p:ext>
+    </p:extLst>
+  </p:cSld>
+  <p:clrMapOvr>
+    <a:overrideClrMapping bg1="dk1" tx1="lt1" bg2="dk2" tx2="lt2" accent1="accent1" accent2="accent2" accent3="accent3" accent4="accent4" accent5="accent5" accent6="accent6" hlink="hlink" folHlink="folHlink"/>
+  </p:clrMapOvr>
+</p:sld>
+</file>
+
+<file path=ppt/slides/slide11.xml><?xml version="1.0" encoding="utf-8"?>
+<p:sld xmlns:a="http://schemas.openxmlformats.org/drawingml/2006/main" xmlns:r="http://schemas.openxmlformats.org/officeDocument/2006/relationships" xmlns:p="http://schemas.openxmlformats.org/presentationml/2006/main">
+  <p:cSld>
+    <p:bg>
+      <p:bgPr>
+        <a:solidFill>
+          <a:schemeClr val="bg1"/>
+        </a:solidFill>
+        <a:effectLst/>
+      </p:bgPr>
+    </p:bg>
+    <p:spTree>
+      <p:nvGrpSpPr>
+        <p:cNvPr id="1" name=""/>
+        <p:cNvGrpSpPr/>
+        <p:nvPr/>
+      </p:nvGrpSpPr>
+      <p:grpSpPr>
+        <a:xfrm>
+          <a:off x="0" y="0"/>
+          <a:ext cx="0" cy="0"/>
+          <a:chOff x="0" y="0"/>
+          <a:chExt cx="0" cy="0"/>
+        </a:xfrm>
+      </p:grpSpPr>
+      <p:sp>
+        <p:nvSpPr>
+          <p:cNvPr id="8" name="Rectangle 7">
+            <a:extLst>
+              <a:ext uri="{FF2B5EF4-FFF2-40B4-BE49-F238E27FC236}">
+                <a16:creationId xmlns:a16="http://schemas.microsoft.com/office/drawing/2014/main" id="{C7FA33FF-088D-4F16-95A2-2C64D353DEA8}"/>
+              </a:ext>
+              <a:ext uri="{C183D7F6-B498-43B3-948B-1728B52AA6E4}">
+                <adec:decorative xmlns:adec="http://schemas.microsoft.com/office/drawing/2017/decorative" val="1"/>
+              </a:ext>
+            </a:extLst>
+          </p:cNvPr>
+          <p:cNvSpPr>
+            <a:spLocks noGrp="1" noRot="1" noChangeAspect="1" noMove="1" noResize="1" noEditPoints="1" noAdjustHandles="1" noChangeArrowheads="1" noChangeShapeType="1" noTextEdit="1"/>
+          </p:cNvSpPr>
+          <p:nvPr>
+            <p:extLst>
+              <p:ext uri="{386F3935-93C4-4BCD-93E2-E3B085C9AB24}">
+                <p16:designElem xmlns:p16="http://schemas.microsoft.com/office/powerpoint/2015/main" val="1"/>
+              </p:ext>
+            </p:extLst>
+          </p:nvPr>
+        </p:nvSpPr>
+        <p:spPr>
+          <a:xfrm>
+            <a:off x="1524" y="0"/>
+            <a:ext cx="12188952" cy="6858000"/>
+          </a:xfrm>
+          <a:prstGeom prst="rect">
+            <a:avLst/>
+          </a:prstGeom>
+          <a:solidFill>
+            <a:schemeClr val="tx1"/>
+          </a:solidFill>
+          <a:ln>
+            <a:noFill/>
+          </a:ln>
+        </p:spPr>
+        <p:style>
+          <a:lnRef idx="2">
+            <a:schemeClr val="accent1">
+              <a:shade val="50000"/>
+            </a:schemeClr>
+          </a:lnRef>
+          <a:fillRef idx="1">
+            <a:schemeClr val="accent1"/>
+          </a:fillRef>
+          <a:effectRef idx="0">
+            <a:schemeClr val="accent1"/>
+          </a:effectRef>
+          <a:fontRef idx="minor">
+            <a:schemeClr val="lt1"/>
+          </a:fontRef>
+        </p:style>
+        <p:txBody>
+          <a:bodyPr rtlCol="0" anchor="ctr"/>
+          <a:lstStyle/>
+          <a:p>
+            <a:pPr marL="0" marR="0" lvl="0" indent="0" algn="ctr" defTabSz="914400" rtl="0" eaLnBrk="1" fontAlgn="auto" latinLnBrk="0" hangingPunct="1">
+              <a:lnSpc>
+                <a:spcPct val="100000"/>
+              </a:lnSpc>
+              <a:spcBef>
+                <a:spcPts val="0"/>
+              </a:spcBef>
+              <a:spcAft>
+                <a:spcPts val="0"/>
+              </a:spcAft>
+              <a:buClrTx/>
+              <a:buSzTx/>
+              <a:buFontTx/>
+              <a:buNone/>
+              <a:tabLst/>
+              <a:defRPr/>
+            </a:pPr>
+            <a:endParaRPr kumimoji="0" lang="en-US" sz="1800" b="0" i="0" u="none" strike="noStrike" kern="1200" cap="none" spc="0" normalizeH="0" baseline="0" noProof="0">
+              <a:ln>
+                <a:noFill/>
+              </a:ln>
+              <a:solidFill>
+                <a:prstClr val="white"/>
+              </a:solidFill>
+              <a:effectLst/>
+              <a:uLnTx/>
+              <a:uFillTx/>
+              <a:latin typeface="Calibri" panose="020F0502020204030204"/>
+              <a:ea typeface="+mn-ea"/>
+              <a:cs typeface="+mn-cs"/>
+            </a:endParaRPr>
+          </a:p>
+        </p:txBody>
+      </p:sp>
+      <p:sp>
+        <p:nvSpPr>
+          <p:cNvPr id="10" name="Rectangle 9">
+            <a:extLst>
+              <a:ext uri="{FF2B5EF4-FFF2-40B4-BE49-F238E27FC236}">
+                <a16:creationId xmlns:a16="http://schemas.microsoft.com/office/drawing/2014/main" id="{A376EFB1-01CF-419F-ABF1-2AF02BBFCBD1}"/>
+              </a:ext>
+              <a:ext uri="{C183D7F6-B498-43B3-948B-1728B52AA6E4}">
+                <adec:decorative xmlns:adec="http://schemas.microsoft.com/office/drawing/2017/decorative" val="1"/>
+              </a:ext>
+            </a:extLst>
+          </p:cNvPr>
+          <p:cNvSpPr>
+            <a:spLocks noGrp="1" noRot="1" noChangeAspect="1" noMove="1" noResize="1" noEditPoints="1" noAdjustHandles="1" noChangeArrowheads="1" noChangeShapeType="1" noTextEdit="1"/>
+          </p:cNvSpPr>
+          <p:nvPr>
+            <p:extLst>
+              <p:ext uri="{386F3935-93C4-4BCD-93E2-E3B085C9AB24}">
+                <p16:designElem xmlns:p16="http://schemas.microsoft.com/office/powerpoint/2015/main" val="1"/>
+              </p:ext>
+            </p:extLst>
+          </p:nvPr>
+        </p:nvSpPr>
+        <p:spPr>
+          <a:xfrm>
+            <a:off x="0" y="0"/>
+            <a:ext cx="4709160" cy="6858000"/>
+          </a:xfrm>
+          <a:prstGeom prst="rect">
+            <a:avLst/>
+          </a:prstGeom>
+          <a:solidFill>
+            <a:schemeClr val="bg1">
+              <a:alpha val="81000"/>
+            </a:schemeClr>
+          </a:solidFill>
+          <a:ln>
+            <a:noFill/>
+          </a:ln>
+        </p:spPr>
+        <p:style>
+          <a:lnRef idx="2">
+            <a:schemeClr val="accent1">
+              <a:shade val="50000"/>
+            </a:schemeClr>
+          </a:lnRef>
+          <a:fillRef idx="1">
+            <a:schemeClr val="accent1"/>
+          </a:fillRef>
+          <a:effectRef idx="0">
+            <a:schemeClr val="accent1"/>
+          </a:effectRef>
+          <a:fontRef idx="minor">
+            <a:schemeClr val="lt1"/>
+          </a:fontRef>
+        </p:style>
+        <p:txBody>
+          <a:bodyPr rtlCol="0" anchor="ctr"/>
+          <a:lstStyle/>
+          <a:p>
+            <a:pPr marL="0" marR="0" lvl="0" indent="0" algn="ctr" defTabSz="914400" rtl="0" eaLnBrk="1" fontAlgn="auto" latinLnBrk="0" hangingPunct="1">
+              <a:lnSpc>
+                <a:spcPct val="100000"/>
+              </a:lnSpc>
+              <a:spcBef>
+                <a:spcPts val="0"/>
+              </a:spcBef>
+              <a:spcAft>
+                <a:spcPts val="0"/>
+              </a:spcAft>
+              <a:buClrTx/>
+              <a:buSzTx/>
+              <a:buFontTx/>
+              <a:buNone/>
+              <a:tabLst/>
+              <a:defRPr/>
+            </a:pPr>
+            <a:endParaRPr kumimoji="0" lang="en-US" sz="1800" b="0" i="0" u="none" strike="noStrike" kern="1200" cap="none" spc="0" normalizeH="0" baseline="0" noProof="0">
+              <a:ln>
+                <a:noFill/>
+              </a:ln>
+              <a:solidFill>
+                <a:prstClr val="white"/>
+              </a:solidFill>
+              <a:effectLst/>
+              <a:uLnTx/>
+              <a:uFillTx/>
+              <a:latin typeface="Calibri" panose="020F0502020204030204"/>
+              <a:ea typeface="+mn-ea"/>
+              <a:cs typeface="+mn-cs"/>
+            </a:endParaRPr>
+          </a:p>
+        </p:txBody>
+      </p:sp>
+      <p:sp>
+        <p:nvSpPr>
+          <p:cNvPr id="12" name="Freeform: Shape 11">
+            <a:extLst>
+              <a:ext uri="{FF2B5EF4-FFF2-40B4-BE49-F238E27FC236}">
+                <a16:creationId xmlns:a16="http://schemas.microsoft.com/office/drawing/2014/main" id="{FF9DEA15-78BD-4750-AA18-B9F28A6D5AB8}"/>
+              </a:ext>
+              <a:ext uri="{C183D7F6-B498-43B3-948B-1728B52AA6E4}">
+                <adec:decorative xmlns:adec="http://schemas.microsoft.com/office/drawing/2017/decorative" val="1"/>
+              </a:ext>
+            </a:extLst>
+          </p:cNvPr>
+          <p:cNvSpPr>
+            <a:spLocks noGrp="1" noRot="1" noChangeAspect="1" noMove="1" noResize="1" noEditPoints="1" noAdjustHandles="1" noChangeArrowheads="1" noChangeShapeType="1" noTextEdit="1"/>
+          </p:cNvSpPr>
+          <p:nvPr>
+            <p:extLst>
+              <p:ext uri="{386F3935-93C4-4BCD-93E2-E3B085C9AB24}">
+                <p16:designElem xmlns:p16="http://schemas.microsoft.com/office/powerpoint/2015/main" val="1"/>
+              </p:ext>
+            </p:extLst>
+          </p:nvPr>
+        </p:nvSpPr>
+        <p:spPr>
+          <a:xfrm>
+            <a:off x="0" y="0"/>
+            <a:ext cx="3284331" cy="6858000"/>
+          </a:xfrm>
+          <a:custGeom>
+            <a:avLst/>
+            <a:gdLst>
+              <a:gd name="connsiteX0" fmla="*/ 0 w 4319042"/>
+              <a:gd name="connsiteY0" fmla="*/ 0 h 6858000"/>
+              <a:gd name="connsiteX1" fmla="*/ 1142888 w 4319042"/>
+              <a:gd name="connsiteY1" fmla="*/ 0 h 6858000"/>
+              <a:gd name="connsiteX2" fmla="*/ 4319042 w 4319042"/>
+              <a:gd name="connsiteY2" fmla="*/ 6858000 h 6858000"/>
+              <a:gd name="connsiteX3" fmla="*/ 0 w 4319042"/>
+              <a:gd name="connsiteY3" fmla="*/ 6858000 h 6858000"/>
+            </a:gdLst>
+            <a:ahLst/>
+            <a:cxnLst>
+              <a:cxn ang="0">
+                <a:pos x="connsiteX0" y="connsiteY0"/>
+              </a:cxn>
+              <a:cxn ang="0">
+                <a:pos x="connsiteX1" y="connsiteY1"/>
+              </a:cxn>
+              <a:cxn ang="0">
+                <a:pos x="connsiteX2" y="connsiteY2"/>
+              </a:cxn>
+              <a:cxn ang="0">
+                <a:pos x="connsiteX3" y="connsiteY3"/>
+              </a:cxn>
+            </a:cxnLst>
+            <a:rect l="l" t="t" r="r" b="b"/>
+            <a:pathLst>
+              <a:path w="4319042" h="6858000">
+                <a:moveTo>
+                  <a:pt x="0" y="0"/>
+                </a:moveTo>
+                <a:lnTo>
+                  <a:pt x="1142888" y="0"/>
+                </a:lnTo>
+                <a:lnTo>
+                  <a:pt x="4319042" y="6858000"/>
+                </a:lnTo>
+                <a:lnTo>
+                  <a:pt x="0" y="6858000"/>
+                </a:lnTo>
+                <a:close/>
+              </a:path>
+            </a:pathLst>
+          </a:custGeom>
+          <a:solidFill>
+            <a:schemeClr val="bg1">
+              <a:alpha val="35000"/>
+            </a:schemeClr>
+          </a:solidFill>
+          <a:ln>
+            <a:noFill/>
+          </a:ln>
+        </p:spPr>
+        <p:style>
+          <a:lnRef idx="2">
+            <a:schemeClr val="accent1">
+              <a:shade val="50000"/>
+            </a:schemeClr>
+          </a:lnRef>
+          <a:fillRef idx="1">
+            <a:schemeClr val="accent1"/>
+          </a:fillRef>
+          <a:effectRef idx="0">
+            <a:schemeClr val="accent1"/>
+          </a:effectRef>
+          <a:fontRef idx="minor">
+            <a:schemeClr val="lt1"/>
+          </a:fontRef>
+        </p:style>
+        <p:txBody>
+          <a:bodyPr wrap="square" rtlCol="0" anchor="ctr">
+            <a:noAutofit/>
+          </a:bodyPr>
+          <a:lstStyle/>
+          <a:p>
+            <a:pPr marL="0" marR="0" lvl="0" indent="0" algn="ctr" defTabSz="914400" rtl="0" eaLnBrk="1" fontAlgn="auto" latinLnBrk="0" hangingPunct="1">
+              <a:lnSpc>
+                <a:spcPct val="100000"/>
+              </a:lnSpc>
+              <a:spcBef>
+                <a:spcPts val="0"/>
+              </a:spcBef>
+              <a:spcAft>
+                <a:spcPts val="0"/>
+              </a:spcAft>
+              <a:buClrTx/>
+              <a:buSzTx/>
+              <a:buFontTx/>
+              <a:buNone/>
+              <a:tabLst/>
+              <a:defRPr/>
+            </a:pPr>
+            <a:endParaRPr kumimoji="0" lang="en-US" sz="1800" b="0" i="0" u="none" strike="noStrike" kern="1200" cap="none" spc="0" normalizeH="0" baseline="0" noProof="0">
+              <a:ln>
+                <a:noFill/>
+              </a:ln>
+              <a:solidFill>
+                <a:prstClr val="white"/>
+              </a:solidFill>
+              <a:effectLst/>
+              <a:uLnTx/>
+              <a:uFillTx/>
+              <a:latin typeface="Calibri" panose="020F0502020204030204"/>
+              <a:ea typeface="+mn-ea"/>
+              <a:cs typeface="+mn-cs"/>
+            </a:endParaRPr>
+          </a:p>
+        </p:txBody>
+      </p:sp>
+      <p:sp>
+        <p:nvSpPr>
+          <p:cNvPr id="2" name="Título 1">
+            <a:extLst>
+              <a:ext uri="{FF2B5EF4-FFF2-40B4-BE49-F238E27FC236}">
+                <a16:creationId xmlns:a16="http://schemas.microsoft.com/office/drawing/2014/main" id="{B69ED422-45D1-48F6-AE68-70DE081E1CBA}"/>
+              </a:ext>
+            </a:extLst>
+          </p:cNvPr>
+          <p:cNvSpPr>
+            <a:spLocks noGrp="1"/>
+          </p:cNvSpPr>
+          <p:nvPr>
+            <p:ph type="title"/>
+          </p:nvPr>
+        </p:nvSpPr>
+        <p:spPr>
+          <a:xfrm>
+            <a:off x="541539" y="640263"/>
+            <a:ext cx="3547464" cy="5254510"/>
+          </a:xfrm>
+        </p:spPr>
+        <p:txBody>
+          <a:bodyPr>
+            <a:normAutofit/>
+          </a:bodyPr>
+          <a:lstStyle/>
+          <a:p>
+            <a:r>
+              <a:rPr lang="pt-BR" dirty="0"/>
+              <a:t>Finalizados:</a:t>
+            </a:r>
+            <a:br>
+              <a:rPr lang="pt-BR" dirty="0"/>
+            </a:br>
+            <a:r>
+              <a:rPr lang="pt-BR" dirty="0"/>
+              <a:t>Base de Dados e Descritiva</a:t>
+            </a:r>
+          </a:p>
+        </p:txBody>
+      </p:sp>
+      <p:sp>
+        <p:nvSpPr>
+          <p:cNvPr id="3" name="Espaço Reservado para Conteúdo 2">
+            <a:extLst>
+              <a:ext uri="{FF2B5EF4-FFF2-40B4-BE49-F238E27FC236}">
+                <a16:creationId xmlns:a16="http://schemas.microsoft.com/office/drawing/2014/main" id="{E6EFF467-B63B-49BD-9FF9-DBBF4384BF7A}"/>
+              </a:ext>
+            </a:extLst>
+          </p:cNvPr>
+          <p:cNvSpPr>
+            <a:spLocks noGrp="1"/>
+          </p:cNvSpPr>
+          <p:nvPr>
+            <p:ph idx="1"/>
+          </p:nvPr>
+        </p:nvSpPr>
+        <p:spPr>
+          <a:xfrm>
+            <a:off x="5042518" y="879961"/>
+            <a:ext cx="6418554" cy="5254510"/>
+          </a:xfrm>
+        </p:spPr>
+        <p:txBody>
+          <a:bodyPr anchor="ctr">
+            <a:normAutofit/>
+          </a:bodyPr>
+          <a:lstStyle/>
+          <a:p>
+            <a:pPr algn="just"/>
+            <a:r>
+              <a:rPr lang="pt-BR" sz="2200" dirty="0">
+                <a:solidFill>
+                  <a:schemeClr val="bg1"/>
+                </a:solidFill>
+              </a:rPr>
+              <a:t>Relatório 1: Impacto da Petrobrás sobre a Produtividade Acadêmica dos Pesquisadores</a:t>
+            </a:r>
+          </a:p>
+          <a:p>
+            <a:pPr algn="just"/>
+            <a:endParaRPr lang="pt-BR" sz="2200" dirty="0">
+              <a:solidFill>
+                <a:schemeClr val="bg1"/>
+              </a:solidFill>
+            </a:endParaRPr>
+          </a:p>
+          <a:p>
+            <a:pPr algn="just"/>
+            <a:r>
+              <a:rPr lang="pt-BR" sz="2200" dirty="0">
+                <a:solidFill>
+                  <a:schemeClr val="bg1"/>
+                </a:solidFill>
+              </a:rPr>
+              <a:t>Relatório 2: Impacto da ANP sobre a Produtividade Acadêmica dos Pesquisadores</a:t>
+            </a:r>
+          </a:p>
+          <a:p>
+            <a:pPr algn="just"/>
+            <a:endParaRPr lang="pt-BR" sz="2200" dirty="0">
+              <a:solidFill>
+                <a:schemeClr val="bg1"/>
+              </a:solidFill>
+            </a:endParaRPr>
+          </a:p>
+          <a:p>
+            <a:pPr algn="just"/>
+            <a:r>
+              <a:rPr lang="pt-BR" sz="2200" dirty="0">
+                <a:solidFill>
+                  <a:schemeClr val="bg1"/>
+                </a:solidFill>
+              </a:rPr>
+              <a:t>Relatório 3: Produção Acadêmica em Tecnologia AI</a:t>
+            </a:r>
+          </a:p>
+          <a:p>
+            <a:pPr algn="just"/>
+            <a:endParaRPr lang="pt-BR" sz="2200" dirty="0">
+              <a:solidFill>
+                <a:schemeClr val="bg1"/>
+              </a:solidFill>
+            </a:endParaRPr>
+          </a:p>
+          <a:p>
+            <a:pPr algn="just"/>
+            <a:r>
+              <a:rPr lang="pt-BR" sz="2200" dirty="0">
+                <a:solidFill>
+                  <a:schemeClr val="bg1"/>
+                </a:solidFill>
+              </a:rPr>
+              <a:t>Relatório 4: Topografia das Redes de Pesquisa Petrobras</a:t>
+            </a:r>
+          </a:p>
+          <a:p>
+            <a:pPr algn="just"/>
+            <a:endParaRPr lang="pt-BR" sz="2200" dirty="0">
+              <a:solidFill>
+                <a:schemeClr val="bg1"/>
+              </a:solidFill>
+            </a:endParaRPr>
+          </a:p>
+          <a:p>
+            <a:pPr algn="just"/>
+            <a:r>
+              <a:rPr lang="pt-BR" sz="2200" dirty="0">
+                <a:solidFill>
+                  <a:schemeClr val="bg1"/>
+                </a:solidFill>
+              </a:rPr>
+              <a:t>Relatório 5: Dados precisam de tratamentos adicionais (em andamento)</a:t>
+            </a:r>
+          </a:p>
+          <a:p>
+            <a:endParaRPr lang="pt-BR" sz="2200" dirty="0">
+              <a:solidFill>
+                <a:schemeClr val="bg1"/>
+              </a:solidFill>
+            </a:endParaRPr>
+          </a:p>
+        </p:txBody>
+      </p:sp>
+    </p:spTree>
+    <p:extLst>
+      <p:ext uri="{BB962C8B-B14F-4D97-AF65-F5344CB8AC3E}">
+        <p14:creationId xmlns:p14="http://schemas.microsoft.com/office/powerpoint/2010/main" val="3112092327"/>
+      </p:ext>
+    </p:extLst>
+  </p:cSld>
+  <p:clrMapOvr>
+    <a:overrideClrMapping bg1="dk1" tx1="lt1" bg2="dk2" tx2="lt2" accent1="accent1" accent2="accent2" accent3="accent3" accent4="accent4" accent5="accent5" accent6="accent6" hlink="hlink" folHlink="folHlink"/>
+  </p:clrMapOvr>
+</p:sld>
+</file>
+
+<file path=ppt/slides/slide12.xml><?xml version="1.0" encoding="utf-8"?>
+<p:sld xmlns:a="http://schemas.openxmlformats.org/drawingml/2006/main" xmlns:r="http://schemas.openxmlformats.org/officeDocument/2006/relationships" xmlns:p="http://schemas.openxmlformats.org/presentationml/2006/main">
+  <p:cSld>
+    <p:bg>
+      <p:bgPr>
+        <a:solidFill>
+          <a:schemeClr val="bg1"/>
+        </a:solidFill>
+        <a:effectLst/>
+      </p:bgPr>
+    </p:bg>
+    <p:spTree>
+      <p:nvGrpSpPr>
+        <p:cNvPr id="1" name=""/>
+        <p:cNvGrpSpPr/>
+        <p:nvPr/>
+      </p:nvGrpSpPr>
+      <p:grpSpPr>
+        <a:xfrm>
+          <a:off x="0" y="0"/>
+          <a:ext cx="0" cy="0"/>
+          <a:chOff x="0" y="0"/>
+          <a:chExt cx="0" cy="0"/>
+        </a:xfrm>
+      </p:grpSpPr>
+      <p:sp>
+        <p:nvSpPr>
+          <p:cNvPr id="8" name="Rectangle 7">
+            <a:extLst>
+              <a:ext uri="{FF2B5EF4-FFF2-40B4-BE49-F238E27FC236}">
+                <a16:creationId xmlns:a16="http://schemas.microsoft.com/office/drawing/2014/main" id="{C7FA33FF-088D-4F16-95A2-2C64D353DEA8}"/>
+              </a:ext>
+              <a:ext uri="{C183D7F6-B498-43B3-948B-1728B52AA6E4}">
+                <adec:decorative xmlns:adec="http://schemas.microsoft.com/office/drawing/2017/decorative" val="1"/>
+              </a:ext>
+            </a:extLst>
+          </p:cNvPr>
+          <p:cNvSpPr>
+            <a:spLocks noGrp="1" noRot="1" noChangeAspect="1" noMove="1" noResize="1" noEditPoints="1" noAdjustHandles="1" noChangeArrowheads="1" noChangeShapeType="1" noTextEdit="1"/>
+          </p:cNvSpPr>
+          <p:nvPr>
+            <p:extLst>
+              <p:ext uri="{386F3935-93C4-4BCD-93E2-E3B085C9AB24}">
+                <p16:designElem xmlns:p16="http://schemas.microsoft.com/office/powerpoint/2015/main" val="1"/>
+              </p:ext>
+            </p:extLst>
+          </p:nvPr>
+        </p:nvSpPr>
+        <p:spPr>
+          <a:xfrm>
+            <a:off x="1524" y="0"/>
+            <a:ext cx="12188952" cy="6858000"/>
+          </a:xfrm>
+          <a:prstGeom prst="rect">
+            <a:avLst/>
+          </a:prstGeom>
+          <a:solidFill>
+            <a:schemeClr val="tx1"/>
+          </a:solidFill>
+          <a:ln>
+            <a:noFill/>
+          </a:ln>
+        </p:spPr>
+        <p:style>
+          <a:lnRef idx="2">
+            <a:schemeClr val="accent1">
+              <a:shade val="50000"/>
+            </a:schemeClr>
+          </a:lnRef>
+          <a:fillRef idx="1">
+            <a:schemeClr val="accent1"/>
+          </a:fillRef>
+          <a:effectRef idx="0">
+            <a:schemeClr val="accent1"/>
+          </a:effectRef>
+          <a:fontRef idx="minor">
+            <a:schemeClr val="lt1"/>
+          </a:fontRef>
+        </p:style>
+        <p:txBody>
+          <a:bodyPr rtlCol="0" anchor="ctr"/>
+          <a:lstStyle/>
+          <a:p>
+            <a:pPr marL="0" marR="0" lvl="0" indent="0" algn="ctr" defTabSz="914400" rtl="0" eaLnBrk="1" fontAlgn="auto" latinLnBrk="0" hangingPunct="1">
+              <a:lnSpc>
+                <a:spcPct val="100000"/>
+              </a:lnSpc>
+              <a:spcBef>
+                <a:spcPts val="0"/>
+              </a:spcBef>
+              <a:spcAft>
+                <a:spcPts val="0"/>
+              </a:spcAft>
+              <a:buClrTx/>
+              <a:buSzTx/>
+              <a:buFontTx/>
+              <a:buNone/>
+              <a:tabLst/>
+              <a:defRPr/>
+            </a:pPr>
+            <a:endParaRPr kumimoji="0" lang="en-US" sz="1800" b="0" i="0" u="none" strike="noStrike" kern="1200" cap="none" spc="0" normalizeH="0" baseline="0" noProof="0">
+              <a:ln>
+                <a:noFill/>
+              </a:ln>
+              <a:solidFill>
+                <a:prstClr val="white"/>
+              </a:solidFill>
+              <a:effectLst/>
+              <a:uLnTx/>
+              <a:uFillTx/>
+              <a:latin typeface="Calibri" panose="020F0502020204030204"/>
+              <a:ea typeface="+mn-ea"/>
+              <a:cs typeface="+mn-cs"/>
+            </a:endParaRPr>
+          </a:p>
+        </p:txBody>
+      </p:sp>
+      <p:sp>
+        <p:nvSpPr>
+          <p:cNvPr id="10" name="Rectangle 9">
+            <a:extLst>
+              <a:ext uri="{FF2B5EF4-FFF2-40B4-BE49-F238E27FC236}">
+                <a16:creationId xmlns:a16="http://schemas.microsoft.com/office/drawing/2014/main" id="{A376EFB1-01CF-419F-ABF1-2AF02BBFCBD1}"/>
+              </a:ext>
+              <a:ext uri="{C183D7F6-B498-43B3-948B-1728B52AA6E4}">
+                <adec:decorative xmlns:adec="http://schemas.microsoft.com/office/drawing/2017/decorative" val="1"/>
+              </a:ext>
+            </a:extLst>
+          </p:cNvPr>
+          <p:cNvSpPr>
+            <a:spLocks noGrp="1" noRot="1" noChangeAspect="1" noMove="1" noResize="1" noEditPoints="1" noAdjustHandles="1" noChangeArrowheads="1" noChangeShapeType="1" noTextEdit="1"/>
+          </p:cNvSpPr>
+          <p:nvPr>
+            <p:extLst>
+              <p:ext uri="{386F3935-93C4-4BCD-93E2-E3B085C9AB24}">
+                <p16:designElem xmlns:p16="http://schemas.microsoft.com/office/powerpoint/2015/main" val="1"/>
+              </p:ext>
+            </p:extLst>
+          </p:nvPr>
+        </p:nvSpPr>
+        <p:spPr>
+          <a:xfrm>
+            <a:off x="0" y="0"/>
+            <a:ext cx="4709160" cy="6858000"/>
+          </a:xfrm>
+          <a:prstGeom prst="rect">
+            <a:avLst/>
+          </a:prstGeom>
+          <a:solidFill>
+            <a:schemeClr val="bg1">
+              <a:alpha val="81000"/>
+            </a:schemeClr>
+          </a:solidFill>
+          <a:ln>
+            <a:noFill/>
+          </a:ln>
+        </p:spPr>
+        <p:style>
+          <a:lnRef idx="2">
+            <a:schemeClr val="accent1">
+              <a:shade val="50000"/>
+            </a:schemeClr>
+          </a:lnRef>
+          <a:fillRef idx="1">
+            <a:schemeClr val="accent1"/>
+          </a:fillRef>
+          <a:effectRef idx="0">
+            <a:schemeClr val="accent1"/>
+          </a:effectRef>
+          <a:fontRef idx="minor">
+            <a:schemeClr val="lt1"/>
+          </a:fontRef>
+        </p:style>
+        <p:txBody>
+          <a:bodyPr rtlCol="0" anchor="ctr"/>
+          <a:lstStyle/>
+          <a:p>
+            <a:pPr marL="0" marR="0" lvl="0" indent="0" algn="ctr" defTabSz="914400" rtl="0" eaLnBrk="1" fontAlgn="auto" latinLnBrk="0" hangingPunct="1">
+              <a:lnSpc>
+                <a:spcPct val="100000"/>
+              </a:lnSpc>
+              <a:spcBef>
+                <a:spcPts val="0"/>
+              </a:spcBef>
+              <a:spcAft>
+                <a:spcPts val="0"/>
+              </a:spcAft>
+              <a:buClrTx/>
+              <a:buSzTx/>
+              <a:buFontTx/>
+              <a:buNone/>
+              <a:tabLst/>
+              <a:defRPr/>
+            </a:pPr>
+            <a:endParaRPr kumimoji="0" lang="en-US" sz="1800" b="0" i="0" u="none" strike="noStrike" kern="1200" cap="none" spc="0" normalizeH="0" baseline="0" noProof="0">
+              <a:ln>
+                <a:noFill/>
+              </a:ln>
+              <a:solidFill>
+                <a:prstClr val="white"/>
+              </a:solidFill>
+              <a:effectLst/>
+              <a:uLnTx/>
+              <a:uFillTx/>
+              <a:latin typeface="Calibri" panose="020F0502020204030204"/>
+              <a:ea typeface="+mn-ea"/>
+              <a:cs typeface="+mn-cs"/>
+            </a:endParaRPr>
+          </a:p>
+        </p:txBody>
+      </p:sp>
+      <p:sp>
+        <p:nvSpPr>
+          <p:cNvPr id="12" name="Freeform: Shape 11">
+            <a:extLst>
+              <a:ext uri="{FF2B5EF4-FFF2-40B4-BE49-F238E27FC236}">
+                <a16:creationId xmlns:a16="http://schemas.microsoft.com/office/drawing/2014/main" id="{FF9DEA15-78BD-4750-AA18-B9F28A6D5AB8}"/>
+              </a:ext>
+              <a:ext uri="{C183D7F6-B498-43B3-948B-1728B52AA6E4}">
+                <adec:decorative xmlns:adec="http://schemas.microsoft.com/office/drawing/2017/decorative" val="1"/>
+              </a:ext>
+            </a:extLst>
+          </p:cNvPr>
+          <p:cNvSpPr>
+            <a:spLocks noGrp="1" noRot="1" noChangeAspect="1" noMove="1" noResize="1" noEditPoints="1" noAdjustHandles="1" noChangeArrowheads="1" noChangeShapeType="1" noTextEdit="1"/>
+          </p:cNvSpPr>
+          <p:nvPr>
+            <p:extLst>
+              <p:ext uri="{386F3935-93C4-4BCD-93E2-E3B085C9AB24}">
+                <p16:designElem xmlns:p16="http://schemas.microsoft.com/office/powerpoint/2015/main" val="1"/>
+              </p:ext>
+            </p:extLst>
+          </p:nvPr>
+        </p:nvSpPr>
+        <p:spPr>
+          <a:xfrm>
+            <a:off x="0" y="0"/>
+            <a:ext cx="3284331" cy="6858000"/>
+          </a:xfrm>
+          <a:custGeom>
+            <a:avLst/>
+            <a:gdLst>
+              <a:gd name="connsiteX0" fmla="*/ 0 w 4319042"/>
+              <a:gd name="connsiteY0" fmla="*/ 0 h 6858000"/>
+              <a:gd name="connsiteX1" fmla="*/ 1142888 w 4319042"/>
+              <a:gd name="connsiteY1" fmla="*/ 0 h 6858000"/>
+              <a:gd name="connsiteX2" fmla="*/ 4319042 w 4319042"/>
+              <a:gd name="connsiteY2" fmla="*/ 6858000 h 6858000"/>
+              <a:gd name="connsiteX3" fmla="*/ 0 w 4319042"/>
+              <a:gd name="connsiteY3" fmla="*/ 6858000 h 6858000"/>
+            </a:gdLst>
+            <a:ahLst/>
+            <a:cxnLst>
+              <a:cxn ang="0">
+                <a:pos x="connsiteX0" y="connsiteY0"/>
+              </a:cxn>
+              <a:cxn ang="0">
+                <a:pos x="connsiteX1" y="connsiteY1"/>
+              </a:cxn>
+              <a:cxn ang="0">
+                <a:pos x="connsiteX2" y="connsiteY2"/>
+              </a:cxn>
+              <a:cxn ang="0">
+                <a:pos x="connsiteX3" y="connsiteY3"/>
+              </a:cxn>
+            </a:cxnLst>
+            <a:rect l="l" t="t" r="r" b="b"/>
+            <a:pathLst>
+              <a:path w="4319042" h="6858000">
+                <a:moveTo>
+                  <a:pt x="0" y="0"/>
+                </a:moveTo>
+                <a:lnTo>
+                  <a:pt x="1142888" y="0"/>
+                </a:lnTo>
+                <a:lnTo>
+                  <a:pt x="4319042" y="6858000"/>
+                </a:lnTo>
+                <a:lnTo>
+                  <a:pt x="0" y="6858000"/>
+                </a:lnTo>
+                <a:close/>
+              </a:path>
+            </a:pathLst>
+          </a:custGeom>
+          <a:solidFill>
+            <a:schemeClr val="bg1">
+              <a:alpha val="35000"/>
+            </a:schemeClr>
+          </a:solidFill>
+          <a:ln>
+            <a:noFill/>
+          </a:ln>
+        </p:spPr>
+        <p:style>
+          <a:lnRef idx="2">
+            <a:schemeClr val="accent1">
+              <a:shade val="50000"/>
+            </a:schemeClr>
+          </a:lnRef>
+          <a:fillRef idx="1">
+            <a:schemeClr val="accent1"/>
+          </a:fillRef>
+          <a:effectRef idx="0">
+            <a:schemeClr val="accent1"/>
+          </a:effectRef>
+          <a:fontRef idx="minor">
+            <a:schemeClr val="lt1"/>
+          </a:fontRef>
+        </p:style>
+        <p:txBody>
+          <a:bodyPr wrap="square" rtlCol="0" anchor="ctr">
+            <a:noAutofit/>
+          </a:bodyPr>
+          <a:lstStyle/>
+          <a:p>
+            <a:pPr marL="0" marR="0" lvl="0" indent="0" algn="ctr" defTabSz="914400" rtl="0" eaLnBrk="1" fontAlgn="auto" latinLnBrk="0" hangingPunct="1">
+              <a:lnSpc>
+                <a:spcPct val="100000"/>
+              </a:lnSpc>
+              <a:spcBef>
+                <a:spcPts val="0"/>
+              </a:spcBef>
+              <a:spcAft>
+                <a:spcPts val="0"/>
+              </a:spcAft>
+              <a:buClrTx/>
+              <a:buSzTx/>
+              <a:buFontTx/>
+              <a:buNone/>
+              <a:tabLst/>
+              <a:defRPr/>
+            </a:pPr>
+            <a:endParaRPr kumimoji="0" lang="en-US" sz="1800" b="0" i="0" u="none" strike="noStrike" kern="1200" cap="none" spc="0" normalizeH="0" baseline="0" noProof="0">
+              <a:ln>
+                <a:noFill/>
+              </a:ln>
+              <a:solidFill>
+                <a:prstClr val="white"/>
+              </a:solidFill>
+              <a:effectLst/>
+              <a:uLnTx/>
+              <a:uFillTx/>
+              <a:latin typeface="Calibri" panose="020F0502020204030204"/>
+              <a:ea typeface="+mn-ea"/>
+              <a:cs typeface="+mn-cs"/>
+            </a:endParaRPr>
+          </a:p>
+        </p:txBody>
+      </p:sp>
+      <p:sp>
+        <p:nvSpPr>
+          <p:cNvPr id="2" name="Título 1">
+            <a:extLst>
+              <a:ext uri="{FF2B5EF4-FFF2-40B4-BE49-F238E27FC236}">
+                <a16:creationId xmlns:a16="http://schemas.microsoft.com/office/drawing/2014/main" id="{B69ED422-45D1-48F6-AE68-70DE081E1CBA}"/>
+              </a:ext>
+            </a:extLst>
+          </p:cNvPr>
+          <p:cNvSpPr>
+            <a:spLocks noGrp="1"/>
+          </p:cNvSpPr>
+          <p:nvPr>
+            <p:ph type="title"/>
+          </p:nvPr>
+        </p:nvSpPr>
+        <p:spPr>
+          <a:xfrm>
+            <a:off x="541539" y="640263"/>
+            <a:ext cx="3547464" cy="5254510"/>
+          </a:xfrm>
+        </p:spPr>
+        <p:txBody>
+          <a:bodyPr>
+            <a:normAutofit/>
+          </a:bodyPr>
+          <a:lstStyle/>
+          <a:p>
+            <a:r>
+              <a:rPr lang="pt-BR" dirty="0"/>
+              <a:t>Em andamento:</a:t>
+            </a:r>
+          </a:p>
+        </p:txBody>
+      </p:sp>
+      <p:sp>
+        <p:nvSpPr>
+          <p:cNvPr id="3" name="Espaço Reservado para Conteúdo 2">
+            <a:extLst>
+              <a:ext uri="{FF2B5EF4-FFF2-40B4-BE49-F238E27FC236}">
+                <a16:creationId xmlns:a16="http://schemas.microsoft.com/office/drawing/2014/main" id="{E6EFF467-B63B-49BD-9FF9-DBBF4384BF7A}"/>
+              </a:ext>
+            </a:extLst>
+          </p:cNvPr>
+          <p:cNvSpPr>
+            <a:spLocks noGrp="1"/>
+          </p:cNvSpPr>
+          <p:nvPr>
+            <p:ph idx="1"/>
+          </p:nvPr>
+        </p:nvSpPr>
+        <p:spPr>
+          <a:xfrm>
+            <a:off x="5358384" y="640263"/>
+            <a:ext cx="6028944" cy="5254510"/>
+          </a:xfrm>
+        </p:spPr>
+        <p:txBody>
+          <a:bodyPr anchor="ctr">
+            <a:normAutofit/>
+          </a:bodyPr>
+          <a:lstStyle/>
+          <a:p>
+            <a:r>
+              <a:rPr lang="pt-BR" sz="2200" dirty="0">
+                <a:solidFill>
+                  <a:schemeClr val="bg1"/>
+                </a:solidFill>
+              </a:rPr>
+              <a:t>Script para PSM em Andamento: Relatório 1 e 2</a:t>
+            </a:r>
+          </a:p>
+          <a:p>
+            <a:endParaRPr lang="pt-BR" sz="2200" dirty="0">
+              <a:solidFill>
+                <a:schemeClr val="bg1"/>
+              </a:solidFill>
+            </a:endParaRPr>
+          </a:p>
+          <a:p>
+            <a:r>
+              <a:rPr lang="pt-BR" sz="2200" dirty="0">
+                <a:solidFill>
+                  <a:schemeClr val="bg1"/>
+                </a:solidFill>
+              </a:rPr>
+              <a:t>Corpus para Relatório 3 não-iniciado: Produção Acadêmica em AI</a:t>
+            </a:r>
+          </a:p>
+          <a:p>
+            <a:endParaRPr lang="pt-BR" sz="2200" dirty="0">
+              <a:solidFill>
+                <a:schemeClr val="bg1"/>
+              </a:solidFill>
+            </a:endParaRPr>
+          </a:p>
+          <a:p>
+            <a:r>
+              <a:rPr lang="pt-BR" sz="2200" dirty="0">
+                <a:solidFill>
+                  <a:schemeClr val="bg1"/>
+                </a:solidFill>
+              </a:rPr>
+              <a:t>Relatório 4: Banco de dados e script com gráficos e topologia</a:t>
+            </a:r>
+          </a:p>
+          <a:p>
+            <a:endParaRPr lang="pt-BR" sz="2200" dirty="0">
+              <a:solidFill>
+                <a:schemeClr val="bg1"/>
+              </a:solidFill>
+            </a:endParaRPr>
+          </a:p>
+          <a:p>
+            <a:r>
+              <a:rPr lang="pt-BR" sz="2200" dirty="0">
+                <a:solidFill>
+                  <a:schemeClr val="bg1"/>
+                </a:solidFill>
+              </a:rPr>
+              <a:t>Relatório 5: Produção de mapas iniciada (atualização de coordenadas geográficas pelo CEP)</a:t>
+            </a:r>
+          </a:p>
+          <a:p>
+            <a:endParaRPr lang="pt-BR" sz="2200" dirty="0">
+              <a:solidFill>
+                <a:schemeClr val="bg1"/>
+              </a:solidFill>
+            </a:endParaRPr>
+          </a:p>
+          <a:p>
+            <a:r>
+              <a:rPr lang="pt-BR" sz="2200" dirty="0">
+                <a:solidFill>
+                  <a:schemeClr val="bg1"/>
+                </a:solidFill>
+              </a:rPr>
+              <a:t>HTML </a:t>
+            </a:r>
+            <a:r>
+              <a:rPr lang="pt-BR" sz="2200" dirty="0" err="1">
+                <a:solidFill>
+                  <a:schemeClr val="bg1"/>
+                </a:solidFill>
+              </a:rPr>
+              <a:t>Dinâmco</a:t>
+            </a:r>
+            <a:r>
+              <a:rPr lang="pt-BR" sz="2200" dirty="0">
+                <a:solidFill>
+                  <a:schemeClr val="bg1"/>
+                </a:solidFill>
+              </a:rPr>
+              <a:t> (atualização novos resultados)</a:t>
+            </a:r>
+          </a:p>
+        </p:txBody>
+      </p:sp>
+    </p:spTree>
+    <p:extLst>
+      <p:ext uri="{BB962C8B-B14F-4D97-AF65-F5344CB8AC3E}">
+        <p14:creationId xmlns:p14="http://schemas.microsoft.com/office/powerpoint/2010/main" val="595462653"/>
+      </p:ext>
+    </p:extLst>
+  </p:cSld>
+  <p:clrMapOvr>
+    <a:overrideClrMapping bg1="dk1" tx1="lt1" bg2="dk2" tx2="lt2" accent1="accent1" accent2="accent2" accent3="accent3" accent4="accent4" accent5="accent5" accent6="accent6" hlink="hlink" folHlink="folHlink"/>
+  </p:clrMapOvr>
+</p:sld>
+</file>
+
+<file path=ppt/slides/slide2.xml><?xml version="1.0" encoding="utf-8"?>
+<p:sld xmlns:a="http://schemas.openxmlformats.org/drawingml/2006/main" xmlns:r="http://schemas.openxmlformats.org/officeDocument/2006/relationships" xmlns:p="http://schemas.openxmlformats.org/presentationml/2006/main">
+  <p:cSld>
+    <p:bg>
+      <p:bgPr>
+        <a:solidFill>
+          <a:srgbClr val="404040"/>
+        </a:solidFill>
+        <a:effectLst/>
+      </p:bgPr>
+    </p:bg>
+    <p:spTree>
+      <p:nvGrpSpPr>
+        <p:cNvPr id="1" name=""/>
+        <p:cNvGrpSpPr/>
+        <p:nvPr/>
+      </p:nvGrpSpPr>
+      <p:grpSpPr>
+        <a:xfrm>
+          <a:off x="0" y="0"/>
+          <a:ext cx="0" cy="0"/>
+          <a:chOff x="0" y="0"/>
+          <a:chExt cx="0" cy="0"/>
+        </a:xfrm>
+      </p:grpSpPr>
+      <p:sp>
+        <p:nvSpPr>
+          <p:cNvPr id="9" name="Rectangle 8">
+            <a:extLst>
+              <a:ext uri="{FF2B5EF4-FFF2-40B4-BE49-F238E27FC236}">
+                <a16:creationId xmlns:a16="http://schemas.microsoft.com/office/drawing/2014/main" id="{3B0DF90E-6BAD-4E82-8FDF-717C9A357378}"/>
+              </a:ext>
+              <a:ext uri="{C183D7F6-B498-43B3-948B-1728B52AA6E4}">
+                <adec:decorative xmlns:adec="http://schemas.microsoft.com/office/drawing/2017/decorative" val="1"/>
+              </a:ext>
+            </a:extLst>
+          </p:cNvPr>
+          <p:cNvSpPr>
+            <a:spLocks noGrp="1" noRot="1" noChangeAspect="1" noMove="1" noResize="1" noEditPoints="1" noAdjustHandles="1" noChangeArrowheads="1" noChangeShapeType="1" noTextEdit="1"/>
+          </p:cNvSpPr>
+          <p:nvPr>
+            <p:extLst>
+              <p:ext uri="{386F3935-93C4-4BCD-93E2-E3B085C9AB24}">
+                <p16:designElem xmlns:p16="http://schemas.microsoft.com/office/powerpoint/2015/main" val="1"/>
+              </p:ext>
+            </p:extLst>
+          </p:nvPr>
+        </p:nvSpPr>
+        <p:spPr>
+          <a:xfrm>
+            <a:off x="0" y="-3324"/>
+            <a:ext cx="12192000" cy="6861324"/>
+          </a:xfrm>
+          <a:prstGeom prst="rect">
+            <a:avLst/>
+          </a:prstGeom>
+          <a:solidFill>
+            <a:srgbClr val="404040"/>
+          </a:solidFill>
+          <a:ln>
+            <a:noFill/>
+          </a:ln>
+        </p:spPr>
+        <p:style>
+          <a:lnRef idx="2">
+            <a:schemeClr val="accent1">
+              <a:shade val="50000"/>
+            </a:schemeClr>
+          </a:lnRef>
+          <a:fillRef idx="1">
+            <a:schemeClr val="accent1"/>
+          </a:fillRef>
+          <a:effectRef idx="0">
+            <a:schemeClr val="accent1"/>
+          </a:effectRef>
+          <a:fontRef idx="minor">
+            <a:schemeClr val="lt1"/>
+          </a:fontRef>
+        </p:style>
+        <p:txBody>
+          <a:bodyPr rtlCol="0" anchor="ctr"/>
+          <a:lstStyle/>
+          <a:p>
+            <a:pPr algn="ctr"/>
+            <a:endParaRPr lang="en-US"/>
+          </a:p>
+        </p:txBody>
+      </p:sp>
+      <p:sp>
+        <p:nvSpPr>
+          <p:cNvPr id="11" name="Freeform 13">
+            <a:extLst>
+              <a:ext uri="{FF2B5EF4-FFF2-40B4-BE49-F238E27FC236}">
+                <a16:creationId xmlns:a16="http://schemas.microsoft.com/office/drawing/2014/main" id="{13DCC859-0434-4BB8-B6C5-09C88AE698FB}"/>
+              </a:ext>
+              <a:ext uri="{C183D7F6-B498-43B3-948B-1728B52AA6E4}">
+                <adec:decorative xmlns:adec="http://schemas.microsoft.com/office/drawing/2017/decorative" val="1"/>
+              </a:ext>
+            </a:extLst>
+          </p:cNvPr>
+          <p:cNvSpPr>
+            <a:spLocks noGrp="1" noRot="1" noChangeAspect="1" noMove="1" noResize="1" noEditPoints="1" noAdjustHandles="1" noChangeArrowheads="1" noChangeShapeType="1" noTextEdit="1"/>
+          </p:cNvSpPr>
+          <p:nvPr>
+            <p:extLst>
+              <p:ext uri="{386F3935-93C4-4BCD-93E2-E3B085C9AB24}">
+                <p16:designElem xmlns:p16="http://schemas.microsoft.com/office/powerpoint/2015/main" val="1"/>
+              </p:ext>
+            </p:extLst>
+          </p:nvPr>
+        </p:nvSpPr>
+        <p:spPr>
+          <a:xfrm>
+            <a:off x="0" y="0"/>
+            <a:ext cx="11786754" cy="6858000"/>
+          </a:xfrm>
+          <a:custGeom>
+            <a:avLst/>
+            <a:gdLst>
+              <a:gd name="connsiteX0" fmla="*/ 0 w 11786754"/>
+              <a:gd name="connsiteY0" fmla="*/ 0 h 6858000"/>
+              <a:gd name="connsiteX1" fmla="*/ 8610600 w 11786754"/>
+              <a:gd name="connsiteY1" fmla="*/ 0 h 6858000"/>
+              <a:gd name="connsiteX2" fmla="*/ 11786754 w 11786754"/>
+              <a:gd name="connsiteY2" fmla="*/ 6858000 h 6858000"/>
+              <a:gd name="connsiteX3" fmla="*/ 0 w 11786754"/>
+              <a:gd name="connsiteY3" fmla="*/ 6858000 h 6858000"/>
+            </a:gdLst>
+            <a:ahLst/>
+            <a:cxnLst>
+              <a:cxn ang="0">
+                <a:pos x="connsiteX0" y="connsiteY0"/>
+              </a:cxn>
+              <a:cxn ang="0">
+                <a:pos x="connsiteX1" y="connsiteY1"/>
+              </a:cxn>
+              <a:cxn ang="0">
+                <a:pos x="connsiteX2" y="connsiteY2"/>
+              </a:cxn>
+              <a:cxn ang="0">
+                <a:pos x="connsiteX3" y="connsiteY3"/>
+              </a:cxn>
+            </a:cxnLst>
+            <a:rect l="l" t="t" r="r" b="b"/>
+            <a:pathLst>
+              <a:path w="11786754" h="6858000">
+                <a:moveTo>
+                  <a:pt x="0" y="0"/>
+                </a:moveTo>
+                <a:lnTo>
+                  <a:pt x="8610600" y="0"/>
+                </a:lnTo>
+                <a:lnTo>
+                  <a:pt x="11786754" y="6858000"/>
+                </a:lnTo>
+                <a:lnTo>
+                  <a:pt x="0" y="6858000"/>
+                </a:lnTo>
+                <a:close/>
+              </a:path>
+            </a:pathLst>
+          </a:custGeom>
+          <a:solidFill>
+            <a:schemeClr val="bg1">
+              <a:alpha val="30000"/>
+            </a:schemeClr>
+          </a:solidFill>
+          <a:ln>
+            <a:noFill/>
+          </a:ln>
+        </p:spPr>
+        <p:style>
+          <a:lnRef idx="2">
+            <a:schemeClr val="accent1">
+              <a:shade val="50000"/>
+            </a:schemeClr>
+          </a:lnRef>
+          <a:fillRef idx="1">
+            <a:schemeClr val="accent1"/>
+          </a:fillRef>
+          <a:effectRef idx="0">
+            <a:schemeClr val="accent1"/>
+          </a:effectRef>
+          <a:fontRef idx="minor">
+            <a:schemeClr val="lt1"/>
+          </a:fontRef>
+        </p:style>
+        <p:txBody>
+          <a:bodyPr rtlCol="0" anchor="ctr"/>
+          <a:lstStyle/>
+          <a:p>
+            <a:pPr algn="ctr"/>
+            <a:endParaRPr lang="en-US"/>
+          </a:p>
+        </p:txBody>
+      </p:sp>
+      <p:sp>
+        <p:nvSpPr>
+          <p:cNvPr id="13" name="Freeform 11">
+            <a:extLst>
+              <a:ext uri="{FF2B5EF4-FFF2-40B4-BE49-F238E27FC236}">
+                <a16:creationId xmlns:a16="http://schemas.microsoft.com/office/drawing/2014/main" id="{08E7ACFB-B791-4C23-8B17-013FEDC09A89}"/>
+              </a:ext>
+              <a:ext uri="{C183D7F6-B498-43B3-948B-1728B52AA6E4}">
+                <adec:decorative xmlns:adec="http://schemas.microsoft.com/office/drawing/2017/decorative" val="1"/>
+              </a:ext>
+            </a:extLst>
+          </p:cNvPr>
+          <p:cNvSpPr>
+            <a:spLocks noGrp="1" noRot="1" noChangeAspect="1" noMove="1" noResize="1" noEditPoints="1" noAdjustHandles="1" noChangeArrowheads="1" noChangeShapeType="1" noTextEdit="1"/>
+          </p:cNvSpPr>
+          <p:nvPr>
+            <p:extLst>
+              <p:ext uri="{386F3935-93C4-4BCD-93E2-E3B085C9AB24}">
+                <p16:designElem xmlns:p16="http://schemas.microsoft.com/office/powerpoint/2015/main" val="1"/>
+              </p:ext>
+            </p:extLst>
+          </p:nvPr>
+        </p:nvSpPr>
+        <p:spPr>
+          <a:xfrm>
+            <a:off x="0" y="0"/>
+            <a:ext cx="3581400" cy="6858000"/>
+          </a:xfrm>
+          <a:custGeom>
+            <a:avLst/>
+            <a:gdLst>
+              <a:gd name="connsiteX0" fmla="*/ 0 w 3581400"/>
+              <a:gd name="connsiteY0" fmla="*/ 0 h 6858000"/>
+              <a:gd name="connsiteX1" fmla="*/ 405246 w 3581400"/>
+              <a:gd name="connsiteY1" fmla="*/ 0 h 6858000"/>
+              <a:gd name="connsiteX2" fmla="*/ 3581400 w 3581400"/>
+              <a:gd name="connsiteY2" fmla="*/ 6858000 h 6858000"/>
+              <a:gd name="connsiteX3" fmla="*/ 0 w 3581400"/>
+              <a:gd name="connsiteY3" fmla="*/ 6858000 h 6858000"/>
+            </a:gdLst>
+            <a:ahLst/>
+            <a:cxnLst>
+              <a:cxn ang="0">
+                <a:pos x="connsiteX0" y="connsiteY0"/>
+              </a:cxn>
+              <a:cxn ang="0">
+                <a:pos x="connsiteX1" y="connsiteY1"/>
+              </a:cxn>
+              <a:cxn ang="0">
+                <a:pos x="connsiteX2" y="connsiteY2"/>
+              </a:cxn>
+              <a:cxn ang="0">
+                <a:pos x="connsiteX3" y="connsiteY3"/>
+              </a:cxn>
+            </a:cxnLst>
+            <a:rect l="l" t="t" r="r" b="b"/>
+            <a:pathLst>
+              <a:path w="3581400" h="6858000">
+                <a:moveTo>
+                  <a:pt x="0" y="0"/>
+                </a:moveTo>
+                <a:lnTo>
+                  <a:pt x="405246" y="0"/>
+                </a:lnTo>
+                <a:lnTo>
+                  <a:pt x="3581400" y="6858000"/>
+                </a:lnTo>
+                <a:lnTo>
+                  <a:pt x="0" y="6858000"/>
+                </a:lnTo>
+                <a:close/>
+              </a:path>
+            </a:pathLst>
+          </a:custGeom>
+          <a:solidFill>
+            <a:schemeClr val="bg1">
+              <a:alpha val="30000"/>
+            </a:schemeClr>
+          </a:solidFill>
+          <a:ln>
+            <a:noFill/>
+          </a:ln>
+        </p:spPr>
+        <p:style>
+          <a:lnRef idx="2">
+            <a:schemeClr val="accent1">
+              <a:shade val="50000"/>
+            </a:schemeClr>
+          </a:lnRef>
+          <a:fillRef idx="1">
+            <a:schemeClr val="accent1"/>
+          </a:fillRef>
+          <a:effectRef idx="0">
+            <a:schemeClr val="accent1"/>
+          </a:effectRef>
+          <a:fontRef idx="minor">
+            <a:schemeClr val="lt1"/>
+          </a:fontRef>
+        </p:style>
+        <p:txBody>
+          <a:bodyPr wrap="square" rtlCol="0" anchor="ctr">
+            <a:noAutofit/>
+          </a:bodyPr>
+          <a:lstStyle/>
+          <a:p>
+            <a:pPr algn="ctr"/>
+            <a:endParaRPr lang="en-US"/>
+          </a:p>
+        </p:txBody>
+      </p:sp>
+      <p:sp>
+        <p:nvSpPr>
+          <p:cNvPr id="5" name="Espaço Reservado para Conteúdo 4">
+            <a:extLst>
+              <a:ext uri="{FF2B5EF4-FFF2-40B4-BE49-F238E27FC236}">
+                <a16:creationId xmlns:a16="http://schemas.microsoft.com/office/drawing/2014/main" id="{3AA23E56-D915-4DBB-93D9-1707A38FFABB}"/>
+              </a:ext>
+            </a:extLst>
+          </p:cNvPr>
+          <p:cNvSpPr>
+            <a:spLocks noGrp="1"/>
+          </p:cNvSpPr>
+          <p:nvPr>
+            <p:ph idx="1"/>
+          </p:nvPr>
+        </p:nvSpPr>
+        <p:spPr>
+          <a:xfrm>
+            <a:off x="598502" y="1395272"/>
+            <a:ext cx="5215057" cy="4854608"/>
+          </a:xfrm>
+        </p:spPr>
+        <p:txBody>
+          <a:bodyPr>
+            <a:normAutofit fontScale="92500" lnSpcReduction="10000"/>
+          </a:bodyPr>
+          <a:lstStyle/>
+          <a:p>
+            <a:r>
+              <a:rPr lang="pt-BR" dirty="0"/>
+              <a:t>PETRO_PETRO: </a:t>
+            </a:r>
+          </a:p>
+          <a:p>
+            <a:pPr lvl="1"/>
+            <a:r>
+              <a:rPr lang="pt-BR" dirty="0"/>
+              <a:t>Origem na remessa CENPES (tabela DLL_CENPES)</a:t>
+            </a:r>
+          </a:p>
+          <a:p>
+            <a:pPr lvl="1"/>
+            <a:r>
+              <a:rPr lang="pt-BR" dirty="0"/>
+              <a:t>Identificação do anos de tratamento</a:t>
+            </a:r>
+          </a:p>
+          <a:p>
+            <a:r>
+              <a:rPr lang="pt-BR" dirty="0"/>
+              <a:t>PETRO_LATTES: </a:t>
+            </a:r>
+          </a:p>
+          <a:p>
+            <a:pPr lvl="1"/>
+            <a:r>
+              <a:rPr lang="pt-BR" dirty="0"/>
+              <a:t>Origem na tabela [FINANCIADORES-PROJETO] </a:t>
+            </a:r>
+          </a:p>
+          <a:p>
+            <a:pPr lvl="1"/>
+            <a:r>
+              <a:rPr lang="pt-BR" dirty="0"/>
+              <a:t>Identificação do anos de tratamento</a:t>
+            </a:r>
+          </a:p>
+          <a:p>
+            <a:pPr lvl="1"/>
+            <a:r>
+              <a:rPr lang="pt-BR" dirty="0"/>
+              <a:t>Inclui tratamento CENPES_LATTES</a:t>
+            </a:r>
+          </a:p>
+          <a:p>
+            <a:r>
+              <a:rPr lang="pt-BR" dirty="0"/>
+              <a:t>CENPES_LATTES: </a:t>
+            </a:r>
+          </a:p>
+          <a:p>
+            <a:pPr lvl="1"/>
+            <a:r>
+              <a:rPr lang="pt-BR" dirty="0"/>
+              <a:t>Origem na tabela [FINANCIADORES-PROJETO] </a:t>
+            </a:r>
+          </a:p>
+          <a:p>
+            <a:pPr lvl="1"/>
+            <a:r>
+              <a:rPr lang="pt-BR" dirty="0"/>
+              <a:t>Identificação do anos de tratamento</a:t>
+            </a:r>
+          </a:p>
+          <a:p>
+            <a:endParaRPr lang="pt-BR" dirty="0"/>
+          </a:p>
+          <a:p>
+            <a:endParaRPr lang="pt-BR" dirty="0"/>
+          </a:p>
+        </p:txBody>
+      </p:sp>
+      <p:sp>
+        <p:nvSpPr>
+          <p:cNvPr id="7" name="Título 6">
+            <a:extLst>
+              <a:ext uri="{FF2B5EF4-FFF2-40B4-BE49-F238E27FC236}">
+                <a16:creationId xmlns:a16="http://schemas.microsoft.com/office/drawing/2014/main" id="{9185C0B6-0A3F-44DF-AAE8-93CE431DD0F2}"/>
+              </a:ext>
+            </a:extLst>
+          </p:cNvPr>
+          <p:cNvSpPr>
+            <a:spLocks noGrp="1"/>
+          </p:cNvSpPr>
+          <p:nvPr>
+            <p:ph type="title"/>
+          </p:nvPr>
+        </p:nvSpPr>
+        <p:spPr>
+          <a:xfrm>
+            <a:off x="1104530" y="214052"/>
+            <a:ext cx="6050872" cy="948770"/>
+          </a:xfrm>
+        </p:spPr>
+        <p:txBody>
+          <a:bodyPr>
+            <a:normAutofit fontScale="90000"/>
+          </a:bodyPr>
+          <a:lstStyle/>
+          <a:p>
+            <a:r>
+              <a:rPr lang="pt-BR" dirty="0"/>
+              <a:t>Definição dos  Tratamentos</a:t>
+            </a:r>
+          </a:p>
+        </p:txBody>
+      </p:sp>
+      <p:sp>
+        <p:nvSpPr>
+          <p:cNvPr id="12" name="Espaço Reservado para Conteúdo 4">
+            <a:extLst>
+              <a:ext uri="{FF2B5EF4-FFF2-40B4-BE49-F238E27FC236}">
+                <a16:creationId xmlns:a16="http://schemas.microsoft.com/office/drawing/2014/main" id="{1AB060AF-EDBB-47EB-98AE-69884ED2A868}"/>
               </a:ext>
             </a:extLst>
           </p:cNvPr>
@@ -4564,8 +5956,1161 @@
         </p:nvSpPr>
         <p:spPr>
           <a:xfrm>
-            <a:off x="1158452" y="4642092"/>
-            <a:ext cx="9875096" cy="455128"/>
+            <a:off x="6571696" y="1395272"/>
+            <a:ext cx="5215057" cy="4978895"/>
+          </a:xfrm>
+          <a:prstGeom prst="rect">
+            <a:avLst/>
+          </a:prstGeom>
+        </p:spPr>
+        <p:txBody>
+          <a:bodyPr vert="horz" lIns="91440" tIns="45720" rIns="91440" bIns="45720" rtlCol="0">
+            <a:normAutofit lnSpcReduction="10000"/>
+          </a:bodyPr>
+          <a:lstStyle>
+            <a:lvl1pPr marL="228600" indent="-228600" algn="l" defTabSz="914400" rtl="0" eaLnBrk="1" latinLnBrk="0" hangingPunct="1">
+              <a:lnSpc>
+                <a:spcPct val="90000"/>
+              </a:lnSpc>
+              <a:spcBef>
+                <a:spcPts val="1000"/>
+              </a:spcBef>
+              <a:buFont typeface="Arial" panose="020B0604020202020204" pitchFamily="34" charset="0"/>
+              <a:buChar char="•"/>
+              <a:defRPr sz="2800" kern="1200">
+                <a:solidFill>
+                  <a:schemeClr val="tx1"/>
+                </a:solidFill>
+                <a:latin typeface="+mn-lt"/>
+                <a:ea typeface="+mn-ea"/>
+                <a:cs typeface="+mn-cs"/>
+              </a:defRPr>
+            </a:lvl1pPr>
+            <a:lvl2pPr marL="685800" indent="-228600" algn="l" defTabSz="914400" rtl="0" eaLnBrk="1" latinLnBrk="0" hangingPunct="1">
+              <a:lnSpc>
+                <a:spcPct val="90000"/>
+              </a:lnSpc>
+              <a:spcBef>
+                <a:spcPts val="500"/>
+              </a:spcBef>
+              <a:buFont typeface="Arial" panose="020B0604020202020204" pitchFamily="34" charset="0"/>
+              <a:buChar char="•"/>
+              <a:defRPr sz="2400" kern="1200">
+                <a:solidFill>
+                  <a:schemeClr val="tx1"/>
+                </a:solidFill>
+                <a:latin typeface="+mn-lt"/>
+                <a:ea typeface="+mn-ea"/>
+                <a:cs typeface="+mn-cs"/>
+              </a:defRPr>
+            </a:lvl2pPr>
+            <a:lvl3pPr marL="1143000" indent="-228600" algn="l" defTabSz="914400" rtl="0" eaLnBrk="1" latinLnBrk="0" hangingPunct="1">
+              <a:lnSpc>
+                <a:spcPct val="90000"/>
+              </a:lnSpc>
+              <a:spcBef>
+                <a:spcPts val="500"/>
+              </a:spcBef>
+              <a:buFont typeface="Arial" panose="020B0604020202020204" pitchFamily="34" charset="0"/>
+              <a:buChar char="•"/>
+              <a:defRPr sz="2000" kern="1200">
+                <a:solidFill>
+                  <a:schemeClr val="tx1"/>
+                </a:solidFill>
+                <a:latin typeface="+mn-lt"/>
+                <a:ea typeface="+mn-ea"/>
+                <a:cs typeface="+mn-cs"/>
+              </a:defRPr>
+            </a:lvl3pPr>
+            <a:lvl4pPr marL="1600200" indent="-228600" algn="l" defTabSz="914400" rtl="0" eaLnBrk="1" latinLnBrk="0" hangingPunct="1">
+              <a:lnSpc>
+                <a:spcPct val="90000"/>
+              </a:lnSpc>
+              <a:spcBef>
+                <a:spcPts val="500"/>
+              </a:spcBef>
+              <a:buFont typeface="Arial" panose="020B0604020202020204" pitchFamily="34" charset="0"/>
+              <a:buChar char="•"/>
+              <a:defRPr sz="1800" kern="1200">
+                <a:solidFill>
+                  <a:schemeClr val="tx1"/>
+                </a:solidFill>
+                <a:latin typeface="+mn-lt"/>
+                <a:ea typeface="+mn-ea"/>
+                <a:cs typeface="+mn-cs"/>
+              </a:defRPr>
+            </a:lvl4pPr>
+            <a:lvl5pPr marL="2057400" indent="-228600" algn="l" defTabSz="914400" rtl="0" eaLnBrk="1" latinLnBrk="0" hangingPunct="1">
+              <a:lnSpc>
+                <a:spcPct val="90000"/>
+              </a:lnSpc>
+              <a:spcBef>
+                <a:spcPts val="500"/>
+              </a:spcBef>
+              <a:buFont typeface="Arial" panose="020B0604020202020204" pitchFamily="34" charset="0"/>
+              <a:buChar char="•"/>
+              <a:defRPr sz="1800" kern="1200">
+                <a:solidFill>
+                  <a:schemeClr val="tx1"/>
+                </a:solidFill>
+                <a:latin typeface="+mn-lt"/>
+                <a:ea typeface="+mn-ea"/>
+                <a:cs typeface="+mn-cs"/>
+              </a:defRPr>
+            </a:lvl5pPr>
+            <a:lvl6pPr marL="2514600" indent="-228600" algn="l" defTabSz="914400" rtl="0" eaLnBrk="1" latinLnBrk="0" hangingPunct="1">
+              <a:lnSpc>
+                <a:spcPct val="90000"/>
+              </a:lnSpc>
+              <a:spcBef>
+                <a:spcPts val="500"/>
+              </a:spcBef>
+              <a:buFont typeface="Arial" panose="020B0604020202020204" pitchFamily="34" charset="0"/>
+              <a:buChar char="•"/>
+              <a:defRPr sz="1800" kern="1200">
+                <a:solidFill>
+                  <a:schemeClr val="tx1"/>
+                </a:solidFill>
+                <a:latin typeface="+mn-lt"/>
+                <a:ea typeface="+mn-ea"/>
+                <a:cs typeface="+mn-cs"/>
+              </a:defRPr>
+            </a:lvl6pPr>
+            <a:lvl7pPr marL="2971800" indent="-228600" algn="l" defTabSz="914400" rtl="0" eaLnBrk="1" latinLnBrk="0" hangingPunct="1">
+              <a:lnSpc>
+                <a:spcPct val="90000"/>
+              </a:lnSpc>
+              <a:spcBef>
+                <a:spcPts val="500"/>
+              </a:spcBef>
+              <a:buFont typeface="Arial" panose="020B0604020202020204" pitchFamily="34" charset="0"/>
+              <a:buChar char="•"/>
+              <a:defRPr sz="1800" kern="1200">
+                <a:solidFill>
+                  <a:schemeClr val="tx1"/>
+                </a:solidFill>
+                <a:latin typeface="+mn-lt"/>
+                <a:ea typeface="+mn-ea"/>
+                <a:cs typeface="+mn-cs"/>
+              </a:defRPr>
+            </a:lvl7pPr>
+            <a:lvl8pPr marL="3429000" indent="-228600" algn="l" defTabSz="914400" rtl="0" eaLnBrk="1" latinLnBrk="0" hangingPunct="1">
+              <a:lnSpc>
+                <a:spcPct val="90000"/>
+              </a:lnSpc>
+              <a:spcBef>
+                <a:spcPts val="500"/>
+              </a:spcBef>
+              <a:buFont typeface="Arial" panose="020B0604020202020204" pitchFamily="34" charset="0"/>
+              <a:buChar char="•"/>
+              <a:defRPr sz="1800" kern="1200">
+                <a:solidFill>
+                  <a:schemeClr val="tx1"/>
+                </a:solidFill>
+                <a:latin typeface="+mn-lt"/>
+                <a:ea typeface="+mn-ea"/>
+                <a:cs typeface="+mn-cs"/>
+              </a:defRPr>
+            </a:lvl8pPr>
+            <a:lvl9pPr marL="3886200" indent="-228600" algn="l" defTabSz="914400" rtl="0" eaLnBrk="1" latinLnBrk="0" hangingPunct="1">
+              <a:lnSpc>
+                <a:spcPct val="90000"/>
+              </a:lnSpc>
+              <a:spcBef>
+                <a:spcPts val="500"/>
+              </a:spcBef>
+              <a:buFont typeface="Arial" panose="020B0604020202020204" pitchFamily="34" charset="0"/>
+              <a:buChar char="•"/>
+              <a:defRPr sz="1800" kern="1200">
+                <a:solidFill>
+                  <a:schemeClr val="tx1"/>
+                </a:solidFill>
+                <a:latin typeface="+mn-lt"/>
+                <a:ea typeface="+mn-ea"/>
+                <a:cs typeface="+mn-cs"/>
+              </a:defRPr>
+            </a:lvl9pPr>
+          </a:lstStyle>
+          <a:p>
+            <a:r>
+              <a:rPr lang="pt-BR" dirty="0"/>
+              <a:t>ANP_ANP: </a:t>
+            </a:r>
+          </a:p>
+          <a:p>
+            <a:pPr lvl="1"/>
+            <a:r>
+              <a:rPr lang="pt-BR" dirty="0"/>
+              <a:t>Origem na remessa de dados ANP </a:t>
+            </a:r>
+          </a:p>
+          <a:p>
+            <a:pPr lvl="1"/>
+            <a:r>
+              <a:rPr lang="pt-BR" dirty="0"/>
+              <a:t>Sem identificação do anos de tratamento</a:t>
+            </a:r>
+          </a:p>
+          <a:p>
+            <a:r>
+              <a:rPr lang="pt-BR" dirty="0"/>
+              <a:t>ANP_LATTES: </a:t>
+            </a:r>
+          </a:p>
+          <a:p>
+            <a:pPr lvl="1"/>
+            <a:r>
+              <a:rPr lang="pt-BR" dirty="0"/>
+              <a:t>Origem na tabela [FINANCIADORES-PROJETO] </a:t>
+            </a:r>
+          </a:p>
+          <a:p>
+            <a:pPr lvl="1"/>
+            <a:r>
+              <a:rPr lang="pt-BR" dirty="0"/>
+              <a:t>Identificação do anos de tratamento</a:t>
+            </a:r>
+          </a:p>
+          <a:p>
+            <a:r>
+              <a:rPr lang="pt-BR" dirty="0"/>
+              <a:t>PETRO_LAB: </a:t>
+            </a:r>
+          </a:p>
+          <a:p>
+            <a:pPr lvl="1"/>
+            <a:r>
+              <a:rPr lang="pt-BR" dirty="0"/>
+              <a:t>Origem no questionário </a:t>
+            </a:r>
+          </a:p>
+          <a:p>
+            <a:pPr lvl="1"/>
+            <a:r>
+              <a:rPr lang="pt-BR" dirty="0"/>
+              <a:t>Sem identificação do anos de tratamento</a:t>
+            </a:r>
+          </a:p>
+          <a:p>
+            <a:endParaRPr lang="pt-BR" dirty="0"/>
+          </a:p>
+        </p:txBody>
+      </p:sp>
+    </p:spTree>
+    <p:extLst>
+      <p:ext uri="{BB962C8B-B14F-4D97-AF65-F5344CB8AC3E}">
+        <p14:creationId xmlns:p14="http://schemas.microsoft.com/office/powerpoint/2010/main" val="2534646384"/>
+      </p:ext>
+    </p:extLst>
+  </p:cSld>
+  <p:clrMapOvr>
+    <a:overrideClrMapping bg1="dk1" tx1="lt1" bg2="dk2" tx2="lt2" accent1="accent1" accent2="accent2" accent3="accent3" accent4="accent4" accent5="accent5" accent6="accent6" hlink="hlink" folHlink="folHlink"/>
+  </p:clrMapOvr>
+</p:sld>
+</file>
+
+<file path=ppt/slides/slide3.xml><?xml version="1.0" encoding="utf-8"?>
+<p:sld xmlns:a="http://schemas.openxmlformats.org/drawingml/2006/main" xmlns:r="http://schemas.openxmlformats.org/officeDocument/2006/relationships" xmlns:p="http://schemas.openxmlformats.org/presentationml/2006/main">
+  <p:cSld>
+    <p:bg>
+      <p:bgPr>
+        <a:solidFill>
+          <a:srgbClr val="404040"/>
+        </a:solidFill>
+        <a:effectLst/>
+      </p:bgPr>
+    </p:bg>
+    <p:spTree>
+      <p:nvGrpSpPr>
+        <p:cNvPr id="1" name=""/>
+        <p:cNvGrpSpPr/>
+        <p:nvPr/>
+      </p:nvGrpSpPr>
+      <p:grpSpPr>
+        <a:xfrm>
+          <a:off x="0" y="0"/>
+          <a:ext cx="0" cy="0"/>
+          <a:chOff x="0" y="0"/>
+          <a:chExt cx="0" cy="0"/>
+        </a:xfrm>
+      </p:grpSpPr>
+      <p:sp>
+        <p:nvSpPr>
+          <p:cNvPr id="9" name="Rectangle 8">
+            <a:extLst>
+              <a:ext uri="{FF2B5EF4-FFF2-40B4-BE49-F238E27FC236}">
+                <a16:creationId xmlns:a16="http://schemas.microsoft.com/office/drawing/2014/main" id="{3B0DF90E-6BAD-4E82-8FDF-717C9A357378}"/>
+              </a:ext>
+              <a:ext uri="{C183D7F6-B498-43B3-948B-1728B52AA6E4}">
+                <adec:decorative xmlns:adec="http://schemas.microsoft.com/office/drawing/2017/decorative" val="1"/>
+              </a:ext>
+            </a:extLst>
+          </p:cNvPr>
+          <p:cNvSpPr>
+            <a:spLocks noGrp="1" noRot="1" noChangeAspect="1" noMove="1" noResize="1" noEditPoints="1" noAdjustHandles="1" noChangeArrowheads="1" noChangeShapeType="1" noTextEdit="1"/>
+          </p:cNvSpPr>
+          <p:nvPr>
+            <p:extLst>
+              <p:ext uri="{386F3935-93C4-4BCD-93E2-E3B085C9AB24}">
+                <p16:designElem xmlns:p16="http://schemas.microsoft.com/office/powerpoint/2015/main" val="1"/>
+              </p:ext>
+            </p:extLst>
+          </p:nvPr>
+        </p:nvSpPr>
+        <p:spPr>
+          <a:xfrm>
+            <a:off x="0" y="-3324"/>
+            <a:ext cx="12192000" cy="6861324"/>
+          </a:xfrm>
+          <a:prstGeom prst="rect">
+            <a:avLst/>
+          </a:prstGeom>
+          <a:solidFill>
+            <a:srgbClr val="404040"/>
+          </a:solidFill>
+          <a:ln>
+            <a:noFill/>
+          </a:ln>
+        </p:spPr>
+        <p:style>
+          <a:lnRef idx="2">
+            <a:schemeClr val="accent1">
+              <a:shade val="50000"/>
+            </a:schemeClr>
+          </a:lnRef>
+          <a:fillRef idx="1">
+            <a:schemeClr val="accent1"/>
+          </a:fillRef>
+          <a:effectRef idx="0">
+            <a:schemeClr val="accent1"/>
+          </a:effectRef>
+          <a:fontRef idx="minor">
+            <a:schemeClr val="lt1"/>
+          </a:fontRef>
+        </p:style>
+        <p:txBody>
+          <a:bodyPr rtlCol="0" anchor="ctr"/>
+          <a:lstStyle/>
+          <a:p>
+            <a:pPr algn="ctr"/>
+            <a:endParaRPr lang="en-US"/>
+          </a:p>
+        </p:txBody>
+      </p:sp>
+      <p:sp>
+        <p:nvSpPr>
+          <p:cNvPr id="11" name="Freeform 13">
+            <a:extLst>
+              <a:ext uri="{FF2B5EF4-FFF2-40B4-BE49-F238E27FC236}">
+                <a16:creationId xmlns:a16="http://schemas.microsoft.com/office/drawing/2014/main" id="{13DCC859-0434-4BB8-B6C5-09C88AE698FB}"/>
+              </a:ext>
+              <a:ext uri="{C183D7F6-B498-43B3-948B-1728B52AA6E4}">
+                <adec:decorative xmlns:adec="http://schemas.microsoft.com/office/drawing/2017/decorative" val="1"/>
+              </a:ext>
+            </a:extLst>
+          </p:cNvPr>
+          <p:cNvSpPr>
+            <a:spLocks noGrp="1" noRot="1" noChangeAspect="1" noMove="1" noResize="1" noEditPoints="1" noAdjustHandles="1" noChangeArrowheads="1" noChangeShapeType="1" noTextEdit="1"/>
+          </p:cNvSpPr>
+          <p:nvPr>
+            <p:extLst>
+              <p:ext uri="{386F3935-93C4-4BCD-93E2-E3B085C9AB24}">
+                <p16:designElem xmlns:p16="http://schemas.microsoft.com/office/powerpoint/2015/main" val="1"/>
+              </p:ext>
+            </p:extLst>
+          </p:nvPr>
+        </p:nvSpPr>
+        <p:spPr>
+          <a:xfrm>
+            <a:off x="0" y="0"/>
+            <a:ext cx="11786754" cy="6858000"/>
+          </a:xfrm>
+          <a:custGeom>
+            <a:avLst/>
+            <a:gdLst>
+              <a:gd name="connsiteX0" fmla="*/ 0 w 11786754"/>
+              <a:gd name="connsiteY0" fmla="*/ 0 h 6858000"/>
+              <a:gd name="connsiteX1" fmla="*/ 8610600 w 11786754"/>
+              <a:gd name="connsiteY1" fmla="*/ 0 h 6858000"/>
+              <a:gd name="connsiteX2" fmla="*/ 11786754 w 11786754"/>
+              <a:gd name="connsiteY2" fmla="*/ 6858000 h 6858000"/>
+              <a:gd name="connsiteX3" fmla="*/ 0 w 11786754"/>
+              <a:gd name="connsiteY3" fmla="*/ 6858000 h 6858000"/>
+            </a:gdLst>
+            <a:ahLst/>
+            <a:cxnLst>
+              <a:cxn ang="0">
+                <a:pos x="connsiteX0" y="connsiteY0"/>
+              </a:cxn>
+              <a:cxn ang="0">
+                <a:pos x="connsiteX1" y="connsiteY1"/>
+              </a:cxn>
+              <a:cxn ang="0">
+                <a:pos x="connsiteX2" y="connsiteY2"/>
+              </a:cxn>
+              <a:cxn ang="0">
+                <a:pos x="connsiteX3" y="connsiteY3"/>
+              </a:cxn>
+            </a:cxnLst>
+            <a:rect l="l" t="t" r="r" b="b"/>
+            <a:pathLst>
+              <a:path w="11786754" h="6858000">
+                <a:moveTo>
+                  <a:pt x="0" y="0"/>
+                </a:moveTo>
+                <a:lnTo>
+                  <a:pt x="8610600" y="0"/>
+                </a:lnTo>
+                <a:lnTo>
+                  <a:pt x="11786754" y="6858000"/>
+                </a:lnTo>
+                <a:lnTo>
+                  <a:pt x="0" y="6858000"/>
+                </a:lnTo>
+                <a:close/>
+              </a:path>
+            </a:pathLst>
+          </a:custGeom>
+          <a:solidFill>
+            <a:schemeClr val="bg1">
+              <a:alpha val="30000"/>
+            </a:schemeClr>
+          </a:solidFill>
+          <a:ln>
+            <a:noFill/>
+          </a:ln>
+        </p:spPr>
+        <p:style>
+          <a:lnRef idx="2">
+            <a:schemeClr val="accent1">
+              <a:shade val="50000"/>
+            </a:schemeClr>
+          </a:lnRef>
+          <a:fillRef idx="1">
+            <a:schemeClr val="accent1"/>
+          </a:fillRef>
+          <a:effectRef idx="0">
+            <a:schemeClr val="accent1"/>
+          </a:effectRef>
+          <a:fontRef idx="minor">
+            <a:schemeClr val="lt1"/>
+          </a:fontRef>
+        </p:style>
+        <p:txBody>
+          <a:bodyPr rtlCol="0" anchor="ctr"/>
+          <a:lstStyle/>
+          <a:p>
+            <a:pPr algn="ctr"/>
+            <a:endParaRPr lang="en-US"/>
+          </a:p>
+        </p:txBody>
+      </p:sp>
+      <p:sp>
+        <p:nvSpPr>
+          <p:cNvPr id="13" name="Freeform 11">
+            <a:extLst>
+              <a:ext uri="{FF2B5EF4-FFF2-40B4-BE49-F238E27FC236}">
+                <a16:creationId xmlns:a16="http://schemas.microsoft.com/office/drawing/2014/main" id="{08E7ACFB-B791-4C23-8B17-013FEDC09A89}"/>
+              </a:ext>
+              <a:ext uri="{C183D7F6-B498-43B3-948B-1728B52AA6E4}">
+                <adec:decorative xmlns:adec="http://schemas.microsoft.com/office/drawing/2017/decorative" val="1"/>
+              </a:ext>
+            </a:extLst>
+          </p:cNvPr>
+          <p:cNvSpPr>
+            <a:spLocks noGrp="1" noRot="1" noChangeAspect="1" noMove="1" noResize="1" noEditPoints="1" noAdjustHandles="1" noChangeArrowheads="1" noChangeShapeType="1" noTextEdit="1"/>
+          </p:cNvSpPr>
+          <p:nvPr>
+            <p:extLst>
+              <p:ext uri="{386F3935-93C4-4BCD-93E2-E3B085C9AB24}">
+                <p16:designElem xmlns:p16="http://schemas.microsoft.com/office/powerpoint/2015/main" val="1"/>
+              </p:ext>
+            </p:extLst>
+          </p:nvPr>
+        </p:nvSpPr>
+        <p:spPr>
+          <a:xfrm>
+            <a:off x="0" y="0"/>
+            <a:ext cx="3581400" cy="6858000"/>
+          </a:xfrm>
+          <a:custGeom>
+            <a:avLst/>
+            <a:gdLst>
+              <a:gd name="connsiteX0" fmla="*/ 0 w 3581400"/>
+              <a:gd name="connsiteY0" fmla="*/ 0 h 6858000"/>
+              <a:gd name="connsiteX1" fmla="*/ 405246 w 3581400"/>
+              <a:gd name="connsiteY1" fmla="*/ 0 h 6858000"/>
+              <a:gd name="connsiteX2" fmla="*/ 3581400 w 3581400"/>
+              <a:gd name="connsiteY2" fmla="*/ 6858000 h 6858000"/>
+              <a:gd name="connsiteX3" fmla="*/ 0 w 3581400"/>
+              <a:gd name="connsiteY3" fmla="*/ 6858000 h 6858000"/>
+            </a:gdLst>
+            <a:ahLst/>
+            <a:cxnLst>
+              <a:cxn ang="0">
+                <a:pos x="connsiteX0" y="connsiteY0"/>
+              </a:cxn>
+              <a:cxn ang="0">
+                <a:pos x="connsiteX1" y="connsiteY1"/>
+              </a:cxn>
+              <a:cxn ang="0">
+                <a:pos x="connsiteX2" y="connsiteY2"/>
+              </a:cxn>
+              <a:cxn ang="0">
+                <a:pos x="connsiteX3" y="connsiteY3"/>
+              </a:cxn>
+            </a:cxnLst>
+            <a:rect l="l" t="t" r="r" b="b"/>
+            <a:pathLst>
+              <a:path w="3581400" h="6858000">
+                <a:moveTo>
+                  <a:pt x="0" y="0"/>
+                </a:moveTo>
+                <a:lnTo>
+                  <a:pt x="405246" y="0"/>
+                </a:lnTo>
+                <a:lnTo>
+                  <a:pt x="3581400" y="6858000"/>
+                </a:lnTo>
+                <a:lnTo>
+                  <a:pt x="0" y="6858000"/>
+                </a:lnTo>
+                <a:close/>
+              </a:path>
+            </a:pathLst>
+          </a:custGeom>
+          <a:solidFill>
+            <a:schemeClr val="bg1">
+              <a:alpha val="30000"/>
+            </a:schemeClr>
+          </a:solidFill>
+          <a:ln>
+            <a:noFill/>
+          </a:ln>
+        </p:spPr>
+        <p:style>
+          <a:lnRef idx="2">
+            <a:schemeClr val="accent1">
+              <a:shade val="50000"/>
+            </a:schemeClr>
+          </a:lnRef>
+          <a:fillRef idx="1">
+            <a:schemeClr val="accent1"/>
+          </a:fillRef>
+          <a:effectRef idx="0">
+            <a:schemeClr val="accent1"/>
+          </a:effectRef>
+          <a:fontRef idx="minor">
+            <a:schemeClr val="lt1"/>
+          </a:fontRef>
+        </p:style>
+        <p:txBody>
+          <a:bodyPr wrap="square" rtlCol="0" anchor="ctr">
+            <a:noAutofit/>
+          </a:bodyPr>
+          <a:lstStyle/>
+          <a:p>
+            <a:pPr algn="ctr"/>
+            <a:endParaRPr lang="en-US"/>
+          </a:p>
+        </p:txBody>
+      </p:sp>
+      <p:sp>
+        <p:nvSpPr>
+          <p:cNvPr id="5" name="Espaço Reservado para Conteúdo 4">
+            <a:extLst>
+              <a:ext uri="{FF2B5EF4-FFF2-40B4-BE49-F238E27FC236}">
+                <a16:creationId xmlns:a16="http://schemas.microsoft.com/office/drawing/2014/main" id="{3AA23E56-D915-4DBB-93D9-1707A38FFABB}"/>
+              </a:ext>
+            </a:extLst>
+          </p:cNvPr>
+          <p:cNvSpPr>
+            <a:spLocks noGrp="1"/>
+          </p:cNvSpPr>
+          <p:nvPr>
+            <p:ph idx="1"/>
+          </p:nvPr>
+        </p:nvSpPr>
+        <p:spPr>
+          <a:xfrm>
+            <a:off x="635576" y="1949913"/>
+            <a:ext cx="11020805" cy="4424254"/>
+          </a:xfrm>
+        </p:spPr>
+        <p:txBody>
+          <a:bodyPr>
+            <a:normAutofit fontScale="77500" lnSpcReduction="20000"/>
+          </a:bodyPr>
+          <a:lstStyle/>
+          <a:p>
+            <a:r>
+              <a:rPr lang="pt-BR" i="1" dirty="0" err="1"/>
+              <a:t>Propensity</a:t>
+            </a:r>
+            <a:r>
+              <a:rPr lang="pt-BR" i="1" dirty="0"/>
+              <a:t> Score </a:t>
+            </a:r>
+            <a:r>
+              <a:rPr lang="pt-BR" i="1" dirty="0" err="1"/>
+              <a:t>Matching</a:t>
+            </a:r>
+            <a:r>
+              <a:rPr lang="pt-BR" i="1" dirty="0"/>
+              <a:t> </a:t>
+            </a:r>
+            <a:r>
+              <a:rPr lang="pt-BR" dirty="0"/>
+              <a:t>(</a:t>
+            </a:r>
+            <a:r>
+              <a:rPr lang="pt-BR" i="1" dirty="0" err="1"/>
+              <a:t>Panel</a:t>
+            </a:r>
+            <a:r>
+              <a:rPr lang="pt-BR" i="1" dirty="0"/>
+              <a:t> Data: TABELA-DINAMICAZ</a:t>
+            </a:r>
+            <a:r>
+              <a:rPr lang="pt-BR" dirty="0"/>
+              <a:t>):</a:t>
+            </a:r>
+          </a:p>
+          <a:p>
+            <a:pPr lvl="1"/>
+            <a:r>
+              <a:rPr lang="pt-BR" dirty="0"/>
+              <a:t>PETRO_PETRO </a:t>
+            </a:r>
+          </a:p>
+          <a:p>
+            <a:pPr lvl="1"/>
+            <a:r>
+              <a:rPr lang="pt-BR" dirty="0"/>
+              <a:t>PETRO_LATTES </a:t>
+            </a:r>
+          </a:p>
+          <a:p>
+            <a:pPr lvl="1"/>
+            <a:r>
+              <a:rPr lang="pt-BR" dirty="0"/>
+              <a:t>CENPES_LATTES</a:t>
+            </a:r>
+          </a:p>
+          <a:p>
+            <a:pPr lvl="1"/>
+            <a:r>
+              <a:rPr lang="pt-BR" dirty="0"/>
+              <a:t>PETRO: PETRO_PETRO+PETRO_LATTES+CENPES_LATTES</a:t>
+            </a:r>
+          </a:p>
+          <a:p>
+            <a:pPr lvl="1"/>
+            <a:r>
+              <a:rPr lang="pt-BR" dirty="0"/>
+              <a:t>Modelo Probabilístico: </a:t>
+            </a:r>
+            <a:r>
+              <a:rPr lang="pt-BR" i="1" dirty="0" err="1"/>
+              <a:t>Random</a:t>
+            </a:r>
+            <a:r>
+              <a:rPr lang="pt-BR" i="1" dirty="0"/>
+              <a:t> Forest, SVM (kernel</a:t>
+            </a:r>
+            <a:r>
+              <a:rPr lang="pt-BR" dirty="0"/>
+              <a:t>), regressão logística.</a:t>
+            </a:r>
+          </a:p>
+          <a:p>
+            <a:pPr lvl="1"/>
+            <a:endParaRPr lang="pt-BR" dirty="0"/>
+          </a:p>
+          <a:p>
+            <a:r>
+              <a:rPr lang="pt-BR" dirty="0"/>
+              <a:t>Variáveis de Impacto: </a:t>
+            </a:r>
+          </a:p>
+          <a:p>
+            <a:pPr lvl="1"/>
+            <a:r>
+              <a:rPr lang="pt-BR" dirty="0"/>
+              <a:t>Total de Artigos</a:t>
+            </a:r>
+          </a:p>
+          <a:p>
+            <a:pPr lvl="1"/>
+            <a:r>
+              <a:rPr lang="pt-BR" dirty="0"/>
+              <a:t>Total de Livros + Capítulo de Livros</a:t>
+            </a:r>
+          </a:p>
+          <a:p>
+            <a:pPr lvl="1"/>
+            <a:r>
+              <a:rPr lang="pt-BR" dirty="0"/>
+              <a:t>Indicador Sintético: Participação Congresso, Bancas, Cursos extensão, Seminário, Tradução</a:t>
+            </a:r>
+          </a:p>
+          <a:p>
+            <a:r>
+              <a:rPr lang="pt-BR" dirty="0"/>
+              <a:t>Variáveis Controle: Idade acadêmica, Local de Nascimento (Brasil/Continente), Área de Conhecimento (</a:t>
+            </a:r>
+            <a:r>
+              <a:rPr lang="pt-BR" dirty="0" err="1"/>
+              <a:t>Eng</a:t>
+            </a:r>
+            <a:r>
+              <a:rPr lang="pt-BR" dirty="0"/>
+              <a:t>, Exatas, Saúde...), Nota Capes (Mestrado/Doutorado), </a:t>
+            </a:r>
+          </a:p>
+          <a:p>
+            <a:r>
+              <a:rPr lang="pt-BR" dirty="0"/>
+              <a:t>Número de Coautores, Nº Locais Trabalhados, Sigla Local de Formação, Tipo Vinculo Empregatício (Livre, CLT, Colaborador, Dedicação Exclusiva), Gênero, Ocupa cargos de Direção.</a:t>
+            </a:r>
+          </a:p>
+        </p:txBody>
+      </p:sp>
+      <p:sp>
+        <p:nvSpPr>
+          <p:cNvPr id="7" name="Título 6">
+            <a:extLst>
+              <a:ext uri="{FF2B5EF4-FFF2-40B4-BE49-F238E27FC236}">
+                <a16:creationId xmlns:a16="http://schemas.microsoft.com/office/drawing/2014/main" id="{9185C0B6-0A3F-44DF-AAE8-93CE431DD0F2}"/>
+              </a:ext>
+            </a:extLst>
+          </p:cNvPr>
+          <p:cNvSpPr>
+            <a:spLocks noGrp="1"/>
+          </p:cNvSpPr>
+          <p:nvPr>
+            <p:ph type="title"/>
+          </p:nvPr>
+        </p:nvSpPr>
+        <p:spPr/>
+        <p:txBody>
+          <a:bodyPr>
+            <a:normAutofit/>
+          </a:bodyPr>
+          <a:lstStyle/>
+          <a:p>
+            <a:r>
+              <a:rPr lang="pt-BR" sz="4200" dirty="0"/>
+              <a:t>Relatório 1: Impacto da Petrobrás sobre a Produtividade Acadêmica dos Pesquisadores</a:t>
+            </a:r>
+          </a:p>
+        </p:txBody>
+      </p:sp>
+    </p:spTree>
+    <p:extLst>
+      <p:ext uri="{BB962C8B-B14F-4D97-AF65-F5344CB8AC3E}">
+        <p14:creationId xmlns:p14="http://schemas.microsoft.com/office/powerpoint/2010/main" val="2497686905"/>
+      </p:ext>
+    </p:extLst>
+  </p:cSld>
+  <p:clrMapOvr>
+    <a:overrideClrMapping bg1="dk1" tx1="lt1" bg2="dk2" tx2="lt2" accent1="accent1" accent2="accent2" accent3="accent3" accent4="accent4" accent5="accent5" accent6="accent6" hlink="hlink" folHlink="folHlink"/>
+  </p:clrMapOvr>
+</p:sld>
+</file>
+
+<file path=ppt/slides/slide4.xml><?xml version="1.0" encoding="utf-8"?>
+<p:sld xmlns:a="http://schemas.openxmlformats.org/drawingml/2006/main" xmlns:r="http://schemas.openxmlformats.org/officeDocument/2006/relationships" xmlns:p="http://schemas.openxmlformats.org/presentationml/2006/main">
+  <p:cSld>
+    <p:bg>
+      <p:bgPr>
+        <a:solidFill>
+          <a:srgbClr val="404040"/>
+        </a:solidFill>
+        <a:effectLst/>
+      </p:bgPr>
+    </p:bg>
+    <p:spTree>
+      <p:nvGrpSpPr>
+        <p:cNvPr id="1" name=""/>
+        <p:cNvGrpSpPr/>
+        <p:nvPr/>
+      </p:nvGrpSpPr>
+      <p:grpSpPr>
+        <a:xfrm>
+          <a:off x="0" y="0"/>
+          <a:ext cx="0" cy="0"/>
+          <a:chOff x="0" y="0"/>
+          <a:chExt cx="0" cy="0"/>
+        </a:xfrm>
+      </p:grpSpPr>
+      <p:sp>
+        <p:nvSpPr>
+          <p:cNvPr id="9" name="Rectangle 8">
+            <a:extLst>
+              <a:ext uri="{FF2B5EF4-FFF2-40B4-BE49-F238E27FC236}">
+                <a16:creationId xmlns:a16="http://schemas.microsoft.com/office/drawing/2014/main" id="{3B0DF90E-6BAD-4E82-8FDF-717C9A357378}"/>
+              </a:ext>
+              <a:ext uri="{C183D7F6-B498-43B3-948B-1728B52AA6E4}">
+                <adec:decorative xmlns:adec="http://schemas.microsoft.com/office/drawing/2017/decorative" val="1"/>
+              </a:ext>
+            </a:extLst>
+          </p:cNvPr>
+          <p:cNvSpPr>
+            <a:spLocks noGrp="1" noRot="1" noChangeAspect="1" noMove="1" noResize="1" noEditPoints="1" noAdjustHandles="1" noChangeArrowheads="1" noChangeShapeType="1" noTextEdit="1"/>
+          </p:cNvSpPr>
+          <p:nvPr>
+            <p:extLst>
+              <p:ext uri="{386F3935-93C4-4BCD-93E2-E3B085C9AB24}">
+                <p16:designElem xmlns:p16="http://schemas.microsoft.com/office/powerpoint/2015/main" val="1"/>
+              </p:ext>
+            </p:extLst>
+          </p:nvPr>
+        </p:nvSpPr>
+        <p:spPr>
+          <a:xfrm>
+            <a:off x="0" y="-3324"/>
+            <a:ext cx="12192000" cy="6861324"/>
+          </a:xfrm>
+          <a:prstGeom prst="rect">
+            <a:avLst/>
+          </a:prstGeom>
+          <a:solidFill>
+            <a:srgbClr val="404040"/>
+          </a:solidFill>
+          <a:ln>
+            <a:noFill/>
+          </a:ln>
+        </p:spPr>
+        <p:style>
+          <a:lnRef idx="2">
+            <a:schemeClr val="accent1">
+              <a:shade val="50000"/>
+            </a:schemeClr>
+          </a:lnRef>
+          <a:fillRef idx="1">
+            <a:schemeClr val="accent1"/>
+          </a:fillRef>
+          <a:effectRef idx="0">
+            <a:schemeClr val="accent1"/>
+          </a:effectRef>
+          <a:fontRef idx="minor">
+            <a:schemeClr val="lt1"/>
+          </a:fontRef>
+        </p:style>
+        <p:txBody>
+          <a:bodyPr rtlCol="0" anchor="ctr"/>
+          <a:lstStyle/>
+          <a:p>
+            <a:pPr algn="ctr"/>
+            <a:endParaRPr lang="en-US"/>
+          </a:p>
+        </p:txBody>
+      </p:sp>
+      <p:sp>
+        <p:nvSpPr>
+          <p:cNvPr id="11" name="Freeform 13">
+            <a:extLst>
+              <a:ext uri="{FF2B5EF4-FFF2-40B4-BE49-F238E27FC236}">
+                <a16:creationId xmlns:a16="http://schemas.microsoft.com/office/drawing/2014/main" id="{13DCC859-0434-4BB8-B6C5-09C88AE698FB}"/>
+              </a:ext>
+              <a:ext uri="{C183D7F6-B498-43B3-948B-1728B52AA6E4}">
+                <adec:decorative xmlns:adec="http://schemas.microsoft.com/office/drawing/2017/decorative" val="1"/>
+              </a:ext>
+            </a:extLst>
+          </p:cNvPr>
+          <p:cNvSpPr>
+            <a:spLocks noGrp="1" noRot="1" noChangeAspect="1" noMove="1" noResize="1" noEditPoints="1" noAdjustHandles="1" noChangeArrowheads="1" noChangeShapeType="1" noTextEdit="1"/>
+          </p:cNvSpPr>
+          <p:nvPr>
+            <p:extLst>
+              <p:ext uri="{386F3935-93C4-4BCD-93E2-E3B085C9AB24}">
+                <p16:designElem xmlns:p16="http://schemas.microsoft.com/office/powerpoint/2015/main" val="1"/>
+              </p:ext>
+            </p:extLst>
+          </p:nvPr>
+        </p:nvSpPr>
+        <p:spPr>
+          <a:xfrm>
+            <a:off x="0" y="0"/>
+            <a:ext cx="11786754" cy="6858000"/>
+          </a:xfrm>
+          <a:custGeom>
+            <a:avLst/>
+            <a:gdLst>
+              <a:gd name="connsiteX0" fmla="*/ 0 w 11786754"/>
+              <a:gd name="connsiteY0" fmla="*/ 0 h 6858000"/>
+              <a:gd name="connsiteX1" fmla="*/ 8610600 w 11786754"/>
+              <a:gd name="connsiteY1" fmla="*/ 0 h 6858000"/>
+              <a:gd name="connsiteX2" fmla="*/ 11786754 w 11786754"/>
+              <a:gd name="connsiteY2" fmla="*/ 6858000 h 6858000"/>
+              <a:gd name="connsiteX3" fmla="*/ 0 w 11786754"/>
+              <a:gd name="connsiteY3" fmla="*/ 6858000 h 6858000"/>
+            </a:gdLst>
+            <a:ahLst/>
+            <a:cxnLst>
+              <a:cxn ang="0">
+                <a:pos x="connsiteX0" y="connsiteY0"/>
+              </a:cxn>
+              <a:cxn ang="0">
+                <a:pos x="connsiteX1" y="connsiteY1"/>
+              </a:cxn>
+              <a:cxn ang="0">
+                <a:pos x="connsiteX2" y="connsiteY2"/>
+              </a:cxn>
+              <a:cxn ang="0">
+                <a:pos x="connsiteX3" y="connsiteY3"/>
+              </a:cxn>
+            </a:cxnLst>
+            <a:rect l="l" t="t" r="r" b="b"/>
+            <a:pathLst>
+              <a:path w="11786754" h="6858000">
+                <a:moveTo>
+                  <a:pt x="0" y="0"/>
+                </a:moveTo>
+                <a:lnTo>
+                  <a:pt x="8610600" y="0"/>
+                </a:lnTo>
+                <a:lnTo>
+                  <a:pt x="11786754" y="6858000"/>
+                </a:lnTo>
+                <a:lnTo>
+                  <a:pt x="0" y="6858000"/>
+                </a:lnTo>
+                <a:close/>
+              </a:path>
+            </a:pathLst>
+          </a:custGeom>
+          <a:solidFill>
+            <a:schemeClr val="bg1">
+              <a:alpha val="30000"/>
+            </a:schemeClr>
+          </a:solidFill>
+          <a:ln>
+            <a:noFill/>
+          </a:ln>
+        </p:spPr>
+        <p:style>
+          <a:lnRef idx="2">
+            <a:schemeClr val="accent1">
+              <a:shade val="50000"/>
+            </a:schemeClr>
+          </a:lnRef>
+          <a:fillRef idx="1">
+            <a:schemeClr val="accent1"/>
+          </a:fillRef>
+          <a:effectRef idx="0">
+            <a:schemeClr val="accent1"/>
+          </a:effectRef>
+          <a:fontRef idx="minor">
+            <a:schemeClr val="lt1"/>
+          </a:fontRef>
+        </p:style>
+        <p:txBody>
+          <a:bodyPr rtlCol="0" anchor="ctr"/>
+          <a:lstStyle/>
+          <a:p>
+            <a:pPr algn="ctr"/>
+            <a:endParaRPr lang="en-US"/>
+          </a:p>
+        </p:txBody>
+      </p:sp>
+      <p:sp>
+        <p:nvSpPr>
+          <p:cNvPr id="13" name="Freeform 11">
+            <a:extLst>
+              <a:ext uri="{FF2B5EF4-FFF2-40B4-BE49-F238E27FC236}">
+                <a16:creationId xmlns:a16="http://schemas.microsoft.com/office/drawing/2014/main" id="{08E7ACFB-B791-4C23-8B17-013FEDC09A89}"/>
+              </a:ext>
+              <a:ext uri="{C183D7F6-B498-43B3-948B-1728B52AA6E4}">
+                <adec:decorative xmlns:adec="http://schemas.microsoft.com/office/drawing/2017/decorative" val="1"/>
+              </a:ext>
+            </a:extLst>
+          </p:cNvPr>
+          <p:cNvSpPr>
+            <a:spLocks noGrp="1" noRot="1" noChangeAspect="1" noMove="1" noResize="1" noEditPoints="1" noAdjustHandles="1" noChangeArrowheads="1" noChangeShapeType="1" noTextEdit="1"/>
+          </p:cNvSpPr>
+          <p:nvPr>
+            <p:extLst>
+              <p:ext uri="{386F3935-93C4-4BCD-93E2-E3B085C9AB24}">
+                <p16:designElem xmlns:p16="http://schemas.microsoft.com/office/powerpoint/2015/main" val="1"/>
+              </p:ext>
+            </p:extLst>
+          </p:nvPr>
+        </p:nvSpPr>
+        <p:spPr>
+          <a:xfrm>
+            <a:off x="0" y="0"/>
+            <a:ext cx="3581400" cy="6858000"/>
+          </a:xfrm>
+          <a:custGeom>
+            <a:avLst/>
+            <a:gdLst>
+              <a:gd name="connsiteX0" fmla="*/ 0 w 3581400"/>
+              <a:gd name="connsiteY0" fmla="*/ 0 h 6858000"/>
+              <a:gd name="connsiteX1" fmla="*/ 405246 w 3581400"/>
+              <a:gd name="connsiteY1" fmla="*/ 0 h 6858000"/>
+              <a:gd name="connsiteX2" fmla="*/ 3581400 w 3581400"/>
+              <a:gd name="connsiteY2" fmla="*/ 6858000 h 6858000"/>
+              <a:gd name="connsiteX3" fmla="*/ 0 w 3581400"/>
+              <a:gd name="connsiteY3" fmla="*/ 6858000 h 6858000"/>
+            </a:gdLst>
+            <a:ahLst/>
+            <a:cxnLst>
+              <a:cxn ang="0">
+                <a:pos x="connsiteX0" y="connsiteY0"/>
+              </a:cxn>
+              <a:cxn ang="0">
+                <a:pos x="connsiteX1" y="connsiteY1"/>
+              </a:cxn>
+              <a:cxn ang="0">
+                <a:pos x="connsiteX2" y="connsiteY2"/>
+              </a:cxn>
+              <a:cxn ang="0">
+                <a:pos x="connsiteX3" y="connsiteY3"/>
+              </a:cxn>
+            </a:cxnLst>
+            <a:rect l="l" t="t" r="r" b="b"/>
+            <a:pathLst>
+              <a:path w="3581400" h="6858000">
+                <a:moveTo>
+                  <a:pt x="0" y="0"/>
+                </a:moveTo>
+                <a:lnTo>
+                  <a:pt x="405246" y="0"/>
+                </a:lnTo>
+                <a:lnTo>
+                  <a:pt x="3581400" y="6858000"/>
+                </a:lnTo>
+                <a:lnTo>
+                  <a:pt x="0" y="6858000"/>
+                </a:lnTo>
+                <a:close/>
+              </a:path>
+            </a:pathLst>
+          </a:custGeom>
+          <a:solidFill>
+            <a:schemeClr val="bg1">
+              <a:alpha val="30000"/>
+            </a:schemeClr>
+          </a:solidFill>
+          <a:ln>
+            <a:noFill/>
+          </a:ln>
+        </p:spPr>
+        <p:style>
+          <a:lnRef idx="2">
+            <a:schemeClr val="accent1">
+              <a:shade val="50000"/>
+            </a:schemeClr>
+          </a:lnRef>
+          <a:fillRef idx="1">
+            <a:schemeClr val="accent1"/>
+          </a:fillRef>
+          <a:effectRef idx="0">
+            <a:schemeClr val="accent1"/>
+          </a:effectRef>
+          <a:fontRef idx="minor">
+            <a:schemeClr val="lt1"/>
+          </a:fontRef>
+        </p:style>
+        <p:txBody>
+          <a:bodyPr wrap="square" rtlCol="0" anchor="ctr">
+            <a:noAutofit/>
+          </a:bodyPr>
+          <a:lstStyle/>
+          <a:p>
+            <a:pPr algn="ctr"/>
+            <a:endParaRPr lang="en-US"/>
+          </a:p>
+        </p:txBody>
+      </p:sp>
+      <p:sp>
+        <p:nvSpPr>
+          <p:cNvPr id="5" name="Espaço Reservado para Conteúdo 4">
+            <a:extLst>
+              <a:ext uri="{FF2B5EF4-FFF2-40B4-BE49-F238E27FC236}">
+                <a16:creationId xmlns:a16="http://schemas.microsoft.com/office/drawing/2014/main" id="{3AA23E56-D915-4DBB-93D9-1707A38FFABB}"/>
+              </a:ext>
+            </a:extLst>
+          </p:cNvPr>
+          <p:cNvSpPr>
+            <a:spLocks noGrp="1"/>
+          </p:cNvSpPr>
+          <p:nvPr>
+            <p:ph idx="1"/>
+          </p:nvPr>
+        </p:nvSpPr>
+        <p:spPr/>
+        <p:txBody>
+          <a:bodyPr>
+            <a:normAutofit/>
+          </a:bodyPr>
+          <a:lstStyle/>
+          <a:p>
+            <a:endParaRPr lang="pt-BR" dirty="0"/>
+          </a:p>
+          <a:p>
+            <a:endParaRPr lang="pt-BR" dirty="0"/>
+          </a:p>
+          <a:p>
+            <a:endParaRPr lang="pt-BR" dirty="0"/>
+          </a:p>
+        </p:txBody>
+      </p:sp>
+      <p:sp>
+        <p:nvSpPr>
+          <p:cNvPr id="7" name="Título 6">
+            <a:extLst>
+              <a:ext uri="{FF2B5EF4-FFF2-40B4-BE49-F238E27FC236}">
+                <a16:creationId xmlns:a16="http://schemas.microsoft.com/office/drawing/2014/main" id="{9185C0B6-0A3F-44DF-AAE8-93CE431DD0F2}"/>
+              </a:ext>
+            </a:extLst>
+          </p:cNvPr>
+          <p:cNvSpPr>
+            <a:spLocks noGrp="1"/>
+          </p:cNvSpPr>
+          <p:nvPr>
+            <p:ph type="title"/>
+          </p:nvPr>
+        </p:nvSpPr>
+        <p:spPr>
+          <a:xfrm>
+            <a:off x="405246" y="365125"/>
+            <a:ext cx="11499709" cy="1325563"/>
+          </a:xfrm>
+        </p:spPr>
+        <p:txBody>
+          <a:bodyPr>
+            <a:normAutofit/>
+          </a:bodyPr>
+          <a:lstStyle/>
+          <a:p>
+            <a:r>
+              <a:rPr lang="pt-BR" sz="4200" dirty="0"/>
+              <a:t>Relatório 3: Produção Acadêmica em Tecnologia AI</a:t>
+            </a:r>
+          </a:p>
+        </p:txBody>
+      </p:sp>
+      <p:sp>
+        <p:nvSpPr>
+          <p:cNvPr id="10" name="Espaço Reservado para Conteúdo 4">
+            <a:extLst>
+              <a:ext uri="{FF2B5EF4-FFF2-40B4-BE49-F238E27FC236}">
+                <a16:creationId xmlns:a16="http://schemas.microsoft.com/office/drawing/2014/main" id="{6A4976F1-1484-44AF-AFEA-E903B919B238}"/>
+              </a:ext>
+            </a:extLst>
+          </p:cNvPr>
+          <p:cNvSpPr txBox="1">
+            <a:spLocks/>
+          </p:cNvSpPr>
+          <p:nvPr/>
+        </p:nvSpPr>
+        <p:spPr>
+          <a:xfrm>
+            <a:off x="405246" y="1690687"/>
+            <a:ext cx="11304401" cy="4630214"/>
           </a:xfrm>
           <a:prstGeom prst="rect">
             <a:avLst/>
@@ -4740,48 +7285,238 @@
             </a:lvl9pPr>
           </a:lstStyle>
           <a:p>
+            <a:r>
+              <a:rPr lang="pt-BR" i="1" dirty="0"/>
+              <a:t>Modelo para Dados em Painel</a:t>
+            </a:r>
+            <a:r>
+              <a:rPr lang="pt-BR" dirty="0"/>
+              <a:t> (TABELA-PRODUCAO-AI):</a:t>
+            </a:r>
+          </a:p>
+          <a:p>
             <a:pPr lvl="1"/>
             <a:r>
               <a:rPr lang="pt-BR" dirty="0"/>
-              <a:t>Efeito da topografia na produtividade acadêmica (algumas medidas)  </a:t>
+              <a:t>Descrição das Palavras Chave: </a:t>
+            </a:r>
+          </a:p>
+          <a:p>
+            <a:pPr lvl="2"/>
+            <a:r>
+              <a:rPr lang="en-US" i="1" dirty="0" err="1"/>
+              <a:t>Baruffaldi</a:t>
+            </a:r>
+            <a:r>
+              <a:rPr lang="en-US" dirty="0"/>
+              <a:t> </a:t>
+            </a:r>
+            <a:r>
+              <a:rPr lang="en-US" i="1" dirty="0"/>
+              <a:t>et al. </a:t>
+            </a:r>
+            <a:r>
+              <a:rPr lang="en-US" dirty="0"/>
+              <a:t>(2020) OECD Working Paper</a:t>
+            </a:r>
+          </a:p>
+          <a:p>
+            <a:pPr lvl="2"/>
+            <a:r>
+              <a:rPr lang="en-US" dirty="0" err="1"/>
+              <a:t>Busca</a:t>
+            </a:r>
+            <a:r>
+              <a:rPr lang="en-US" dirty="0"/>
+              <a:t> de </a:t>
+            </a:r>
+            <a:r>
+              <a:rPr lang="en-US" dirty="0" err="1"/>
+              <a:t>palavras-chave</a:t>
+            </a:r>
+            <a:r>
+              <a:rPr lang="en-US" dirty="0"/>
+              <a:t> e </a:t>
+            </a:r>
+            <a:r>
+              <a:rPr lang="en-US" dirty="0" err="1"/>
+              <a:t>nos</a:t>
+            </a:r>
+            <a:r>
+              <a:rPr lang="en-US" dirty="0"/>
+              <a:t> </a:t>
+            </a:r>
+            <a:r>
+              <a:rPr lang="en-US" dirty="0" err="1"/>
+              <a:t>título</a:t>
+            </a:r>
+            <a:r>
+              <a:rPr lang="en-US" dirty="0"/>
+              <a:t> de </a:t>
+            </a:r>
+            <a:r>
+              <a:rPr lang="en-US" dirty="0" err="1"/>
+              <a:t>artigo</a:t>
+            </a:r>
+            <a:r>
+              <a:rPr lang="en-US" dirty="0"/>
+              <a:t>, </a:t>
+            </a:r>
+            <a:r>
+              <a:rPr lang="en-US" dirty="0" err="1"/>
+              <a:t>título</a:t>
+            </a:r>
+            <a:r>
+              <a:rPr lang="en-US" dirty="0"/>
+              <a:t> de </a:t>
+            </a:r>
+            <a:r>
+              <a:rPr lang="en-US" dirty="0" err="1"/>
+              <a:t>revista</a:t>
+            </a:r>
+            <a:r>
+              <a:rPr lang="en-US" dirty="0"/>
+              <a:t>, </a:t>
+            </a:r>
+            <a:r>
+              <a:rPr lang="en-US" dirty="0" err="1"/>
+              <a:t>descrições</a:t>
+            </a:r>
+            <a:r>
+              <a:rPr lang="en-US" dirty="0"/>
+              <a:t> e </a:t>
+            </a:r>
+            <a:r>
+              <a:rPr lang="en-US" dirty="0" err="1"/>
+              <a:t>resumos</a:t>
+            </a:r>
+            <a:r>
+              <a:rPr lang="en-US" dirty="0"/>
+              <a:t> </a:t>
+            </a:r>
+            <a:r>
+              <a:rPr lang="en-US" dirty="0" err="1"/>
+              <a:t>nos</a:t>
+            </a:r>
+            <a:r>
+              <a:rPr lang="en-US" dirty="0"/>
+              <a:t> </a:t>
+            </a:r>
+            <a:r>
+              <a:rPr lang="en-US" dirty="0" err="1"/>
+              <a:t>artigos</a:t>
+            </a:r>
+            <a:r>
+              <a:rPr lang="en-US" dirty="0"/>
+              <a:t>, </a:t>
+            </a:r>
+            <a:r>
+              <a:rPr lang="en-US" dirty="0" err="1"/>
+              <a:t>patentes</a:t>
+            </a:r>
+            <a:r>
+              <a:rPr lang="en-US" dirty="0"/>
+              <a:t>, </a:t>
+            </a:r>
+            <a:r>
+              <a:rPr lang="en-US" dirty="0" err="1"/>
+              <a:t>livros</a:t>
+            </a:r>
+            <a:r>
+              <a:rPr lang="en-US" dirty="0"/>
+              <a:t>, </a:t>
+            </a:r>
+            <a:r>
+              <a:rPr lang="en-US" dirty="0" err="1"/>
+              <a:t>capítulo</a:t>
+            </a:r>
+            <a:r>
+              <a:rPr lang="en-US" dirty="0"/>
+              <a:t> de </a:t>
+            </a:r>
+            <a:r>
+              <a:rPr lang="en-US" dirty="0" err="1"/>
+              <a:t>lívro</a:t>
+            </a:r>
+            <a:r>
+              <a:rPr lang="en-US" dirty="0"/>
+              <a:t> e </a:t>
+            </a:r>
+            <a:r>
+              <a:rPr lang="en-US" dirty="0" err="1"/>
+              <a:t>apresentação</a:t>
+            </a:r>
+            <a:r>
+              <a:rPr lang="en-US" dirty="0"/>
+              <a:t> </a:t>
+            </a:r>
+            <a:r>
+              <a:rPr lang="en-US" dirty="0" err="1"/>
+              <a:t>em</a:t>
+            </a:r>
+            <a:r>
+              <a:rPr lang="en-US" dirty="0"/>
+              <a:t> </a:t>
+            </a:r>
+            <a:r>
+              <a:rPr lang="en-US" dirty="0" err="1"/>
+              <a:t>congresso</a:t>
+            </a:r>
+            <a:endParaRPr lang="pt-BR" dirty="0"/>
+          </a:p>
+          <a:p>
+            <a:pPr lvl="2"/>
+            <a:endParaRPr lang="pt-BR" dirty="0"/>
+          </a:p>
+          <a:p>
+            <a:pPr lvl="1"/>
+            <a:r>
+              <a:rPr lang="pt-BR" dirty="0"/>
+              <a:t>Descritivo da Produção Acadêmica por Tratamento (pronto):</a:t>
+            </a:r>
+          </a:p>
+          <a:p>
+            <a:pPr lvl="2"/>
+            <a:r>
+              <a:rPr lang="pt-BR" dirty="0"/>
+              <a:t>Total de Artigos AI: A1, A2, B1,...,C.</a:t>
+            </a:r>
+          </a:p>
+          <a:p>
+            <a:pPr lvl="2"/>
+            <a:r>
+              <a:rPr lang="pt-BR" dirty="0"/>
+              <a:t>Total de Livros/Capitulo de Livro AI</a:t>
+            </a:r>
+          </a:p>
+          <a:p>
+            <a:pPr lvl="2"/>
+            <a:r>
+              <a:rPr lang="pt-BR" dirty="0"/>
+              <a:t>Total de Patentes AI</a:t>
+            </a:r>
+          </a:p>
+          <a:p>
+            <a:pPr lvl="2"/>
+            <a:r>
+              <a:rPr lang="pt-BR" dirty="0"/>
+              <a:t>Total de Apresentação AI em congresso</a:t>
             </a:r>
           </a:p>
           <a:p>
             <a:pPr marL="457200" lvl="1" indent="0">
               <a:buNone/>
             </a:pPr>
-            <a:endParaRPr lang="pt-BR" dirty="0"/>
-          </a:p>
-          <a:p>
-            <a:pPr marL="457200" lvl="1" indent="0">
-              <a:buNone/>
-            </a:pPr>
-            <a:endParaRPr lang="pt-BR" dirty="0"/>
-          </a:p>
-          <a:p>
-            <a:pPr marL="457200" lvl="1" indent="0">
-              <a:buNone/>
-            </a:pPr>
-            <a:endParaRPr lang="pt-BR" dirty="0"/>
-          </a:p>
-          <a:p>
-            <a:pPr marL="457200" lvl="1" indent="0">
-              <a:buNone/>
-            </a:pPr>
-            <a:endParaRPr lang="pt-BR" dirty="0"/>
-          </a:p>
-          <a:p>
-            <a:pPr marL="457200" lvl="1" indent="0">
-              <a:buNone/>
-            </a:pPr>
-            <a:endParaRPr lang="pt-BR" sz="2400" dirty="0"/>
+            <a:endParaRPr lang="pt-BR" i="1" dirty="0">
+              <a:latin typeface="Cambria Math" panose="02040503050406030204" pitchFamily="18" charset="0"/>
+            </a:endParaRPr>
           </a:p>
         </p:txBody>
       </p:sp>
     </p:spTree>
     <p:extLst>
       <p:ext uri="{BB962C8B-B14F-4D97-AF65-F5344CB8AC3E}">
-        <p14:creationId xmlns:p14="http://schemas.microsoft.com/office/powerpoint/2010/main" val="3181176519"/>
+        <p14:creationId xmlns:p14="http://schemas.microsoft.com/office/powerpoint/2010/main" val="990662711"/>
       </p:ext>
     </p:extLst>
   </p:cSld>
@@ -4791,7 +7526,7 @@
 </p:sld>
 </file>
 
-<file path=ppt/slides/slide11.xml><?xml version="1.0" encoding="utf-8"?>
+<file path=ppt/slides/slide5.xml><?xml version="1.0" encoding="utf-8"?>
 <p:sld xmlns:a="http://schemas.openxmlformats.org/drawingml/2006/main" xmlns:r="http://schemas.openxmlformats.org/officeDocument/2006/relationships" xmlns:p="http://schemas.openxmlformats.org/presentationml/2006/main">
   <p:cSld>
     <p:bg>
@@ -5099,10 +7834,10 @@
       </p:sp>
       <p:sp>
         <p:nvSpPr>
-          <p:cNvPr id="7" name="Título 6">
-            <a:extLst>
-              <a:ext uri="{FF2B5EF4-FFF2-40B4-BE49-F238E27FC236}">
-                <a16:creationId xmlns:a16="http://schemas.microsoft.com/office/drawing/2014/main" id="{9185C0B6-0A3F-44DF-AAE8-93CE431DD0F2}"/>
+          <p:cNvPr id="5" name="Espaço Reservado para Conteúdo 4">
+            <a:extLst>
+              <a:ext uri="{FF2B5EF4-FFF2-40B4-BE49-F238E27FC236}">
+                <a16:creationId xmlns:a16="http://schemas.microsoft.com/office/drawing/2014/main" id="{3AA23E56-D915-4DBB-93D9-1707A38FFABB}"/>
               </a:ext>
             </a:extLst>
           </p:cNvPr>
@@ -5110,3371 +7845,15 @@
             <a:spLocks noGrp="1"/>
           </p:cNvSpPr>
           <p:nvPr>
-            <p:ph type="title"/>
+            <p:ph idx="1"/>
           </p:nvPr>
         </p:nvSpPr>
         <p:spPr>
           <a:xfrm>
-            <a:off x="838200" y="492499"/>
-            <a:ext cx="10515600" cy="1325563"/>
+            <a:off x="405247" y="1825625"/>
+            <a:ext cx="10948554" cy="4351338"/>
           </a:xfrm>
         </p:spPr>
-        <p:txBody>
-          <a:bodyPr>
-            <a:normAutofit fontScale="90000"/>
-          </a:bodyPr>
-          <a:lstStyle/>
-          <a:p>
-            <a:r>
-              <a:rPr lang="pt-BR" dirty="0"/>
-              <a:t>Relatório 5: Análise Descritiva questionário Petrobras </a:t>
-            </a:r>
-            <a:br>
-              <a:rPr lang="pt-BR" dirty="0"/>
-            </a:br>
-            <a:endParaRPr lang="pt-BR" dirty="0"/>
-          </a:p>
-        </p:txBody>
-      </p:sp>
-      <p:sp>
-        <p:nvSpPr>
-          <p:cNvPr id="17" name="Espaço Reservado para Conteúdo 4">
-            <a:extLst>
-              <a:ext uri="{FF2B5EF4-FFF2-40B4-BE49-F238E27FC236}">
-                <a16:creationId xmlns:a16="http://schemas.microsoft.com/office/drawing/2014/main" id="{DFE42DE6-5929-4B64-8100-95C6A7C6E26A}"/>
-              </a:ext>
-            </a:extLst>
-          </p:cNvPr>
-          <p:cNvSpPr txBox="1">
-            <a:spLocks/>
-          </p:cNvSpPr>
-          <p:nvPr/>
-        </p:nvSpPr>
-        <p:spPr>
-          <a:xfrm>
-            <a:off x="643547" y="1774604"/>
-            <a:ext cx="7639319" cy="1172782"/>
-          </a:xfrm>
-          <a:prstGeom prst="rect">
-            <a:avLst/>
-          </a:prstGeom>
-        </p:spPr>
-        <p:txBody>
-          <a:bodyPr vert="horz" lIns="91440" tIns="45720" rIns="91440" bIns="45720" rtlCol="0">
-            <a:normAutofit fontScale="55000" lnSpcReduction="20000"/>
-          </a:bodyPr>
-          <a:lstStyle>
-            <a:lvl1pPr marL="228600" indent="-228600" algn="l" defTabSz="914400" rtl="0" eaLnBrk="1" latinLnBrk="0" hangingPunct="1">
-              <a:lnSpc>
-                <a:spcPct val="90000"/>
-              </a:lnSpc>
-              <a:spcBef>
-                <a:spcPts val="1000"/>
-              </a:spcBef>
-              <a:buFont typeface="Arial" panose="020B0604020202020204" pitchFamily="34" charset="0"/>
-              <a:buChar char="•"/>
-              <a:defRPr sz="2800" kern="1200">
-                <a:solidFill>
-                  <a:schemeClr val="tx1"/>
-                </a:solidFill>
-                <a:latin typeface="+mn-lt"/>
-                <a:ea typeface="+mn-ea"/>
-                <a:cs typeface="+mn-cs"/>
-              </a:defRPr>
-            </a:lvl1pPr>
-            <a:lvl2pPr marL="685800" indent="-228600" algn="l" defTabSz="914400" rtl="0" eaLnBrk="1" latinLnBrk="0" hangingPunct="1">
-              <a:lnSpc>
-                <a:spcPct val="90000"/>
-              </a:lnSpc>
-              <a:spcBef>
-                <a:spcPts val="500"/>
-              </a:spcBef>
-              <a:buFont typeface="Arial" panose="020B0604020202020204" pitchFamily="34" charset="0"/>
-              <a:buChar char="•"/>
-              <a:defRPr sz="2400" kern="1200">
-                <a:solidFill>
-                  <a:schemeClr val="tx1"/>
-                </a:solidFill>
-                <a:latin typeface="+mn-lt"/>
-                <a:ea typeface="+mn-ea"/>
-                <a:cs typeface="+mn-cs"/>
-              </a:defRPr>
-            </a:lvl2pPr>
-            <a:lvl3pPr marL="1143000" indent="-228600" algn="l" defTabSz="914400" rtl="0" eaLnBrk="1" latinLnBrk="0" hangingPunct="1">
-              <a:lnSpc>
-                <a:spcPct val="90000"/>
-              </a:lnSpc>
-              <a:spcBef>
-                <a:spcPts val="500"/>
-              </a:spcBef>
-              <a:buFont typeface="Arial" panose="020B0604020202020204" pitchFamily="34" charset="0"/>
-              <a:buChar char="•"/>
-              <a:defRPr sz="2000" kern="1200">
-                <a:solidFill>
-                  <a:schemeClr val="tx1"/>
-                </a:solidFill>
-                <a:latin typeface="+mn-lt"/>
-                <a:ea typeface="+mn-ea"/>
-                <a:cs typeface="+mn-cs"/>
-              </a:defRPr>
-            </a:lvl3pPr>
-            <a:lvl4pPr marL="1600200" indent="-228600" algn="l" defTabSz="914400" rtl="0" eaLnBrk="1" latinLnBrk="0" hangingPunct="1">
-              <a:lnSpc>
-                <a:spcPct val="90000"/>
-              </a:lnSpc>
-              <a:spcBef>
-                <a:spcPts val="500"/>
-              </a:spcBef>
-              <a:buFont typeface="Arial" panose="020B0604020202020204" pitchFamily="34" charset="0"/>
-              <a:buChar char="•"/>
-              <a:defRPr sz="1800" kern="1200">
-                <a:solidFill>
-                  <a:schemeClr val="tx1"/>
-                </a:solidFill>
-                <a:latin typeface="+mn-lt"/>
-                <a:ea typeface="+mn-ea"/>
-                <a:cs typeface="+mn-cs"/>
-              </a:defRPr>
-            </a:lvl4pPr>
-            <a:lvl5pPr marL="2057400" indent="-228600" algn="l" defTabSz="914400" rtl="0" eaLnBrk="1" latinLnBrk="0" hangingPunct="1">
-              <a:lnSpc>
-                <a:spcPct val="90000"/>
-              </a:lnSpc>
-              <a:spcBef>
-                <a:spcPts val="500"/>
-              </a:spcBef>
-              <a:buFont typeface="Arial" panose="020B0604020202020204" pitchFamily="34" charset="0"/>
-              <a:buChar char="•"/>
-              <a:defRPr sz="1800" kern="1200">
-                <a:solidFill>
-                  <a:schemeClr val="tx1"/>
-                </a:solidFill>
-                <a:latin typeface="+mn-lt"/>
-                <a:ea typeface="+mn-ea"/>
-                <a:cs typeface="+mn-cs"/>
-              </a:defRPr>
-            </a:lvl5pPr>
-            <a:lvl6pPr marL="2514600" indent="-228600" algn="l" defTabSz="914400" rtl="0" eaLnBrk="1" latinLnBrk="0" hangingPunct="1">
-              <a:lnSpc>
-                <a:spcPct val="90000"/>
-              </a:lnSpc>
-              <a:spcBef>
-                <a:spcPts val="500"/>
-              </a:spcBef>
-              <a:buFont typeface="Arial" panose="020B0604020202020204" pitchFamily="34" charset="0"/>
-              <a:buChar char="•"/>
-              <a:defRPr sz="1800" kern="1200">
-                <a:solidFill>
-                  <a:schemeClr val="tx1"/>
-                </a:solidFill>
-                <a:latin typeface="+mn-lt"/>
-                <a:ea typeface="+mn-ea"/>
-                <a:cs typeface="+mn-cs"/>
-              </a:defRPr>
-            </a:lvl6pPr>
-            <a:lvl7pPr marL="2971800" indent="-228600" algn="l" defTabSz="914400" rtl="0" eaLnBrk="1" latinLnBrk="0" hangingPunct="1">
-              <a:lnSpc>
-                <a:spcPct val="90000"/>
-              </a:lnSpc>
-              <a:spcBef>
-                <a:spcPts val="500"/>
-              </a:spcBef>
-              <a:buFont typeface="Arial" panose="020B0604020202020204" pitchFamily="34" charset="0"/>
-              <a:buChar char="•"/>
-              <a:defRPr sz="1800" kern="1200">
-                <a:solidFill>
-                  <a:schemeClr val="tx1"/>
-                </a:solidFill>
-                <a:latin typeface="+mn-lt"/>
-                <a:ea typeface="+mn-ea"/>
-                <a:cs typeface="+mn-cs"/>
-              </a:defRPr>
-            </a:lvl7pPr>
-            <a:lvl8pPr marL="3429000" indent="-228600" algn="l" defTabSz="914400" rtl="0" eaLnBrk="1" latinLnBrk="0" hangingPunct="1">
-              <a:lnSpc>
-                <a:spcPct val="90000"/>
-              </a:lnSpc>
-              <a:spcBef>
-                <a:spcPts val="500"/>
-              </a:spcBef>
-              <a:buFont typeface="Arial" panose="020B0604020202020204" pitchFamily="34" charset="0"/>
-              <a:buChar char="•"/>
-              <a:defRPr sz="1800" kern="1200">
-                <a:solidFill>
-                  <a:schemeClr val="tx1"/>
-                </a:solidFill>
-                <a:latin typeface="+mn-lt"/>
-                <a:ea typeface="+mn-ea"/>
-                <a:cs typeface="+mn-cs"/>
-              </a:defRPr>
-            </a:lvl8pPr>
-            <a:lvl9pPr marL="3886200" indent="-228600" algn="l" defTabSz="914400" rtl="0" eaLnBrk="1" latinLnBrk="0" hangingPunct="1">
-              <a:lnSpc>
-                <a:spcPct val="90000"/>
-              </a:lnSpc>
-              <a:spcBef>
-                <a:spcPts val="500"/>
-              </a:spcBef>
-              <a:buFont typeface="Arial" panose="020B0604020202020204" pitchFamily="34" charset="0"/>
-              <a:buChar char="•"/>
-              <a:defRPr sz="1800" kern="1200">
-                <a:solidFill>
-                  <a:schemeClr val="tx1"/>
-                </a:solidFill>
-                <a:latin typeface="+mn-lt"/>
-                <a:ea typeface="+mn-ea"/>
-                <a:cs typeface="+mn-cs"/>
-              </a:defRPr>
-            </a:lvl9pPr>
-          </a:lstStyle>
-          <a:p>
-            <a:pPr lvl="1"/>
-            <a:endParaRPr lang="pt-BR" dirty="0"/>
-          </a:p>
-          <a:p>
-            <a:pPr lvl="1"/>
-            <a:r>
-              <a:rPr lang="pt-BR" sz="4800" dirty="0"/>
-              <a:t>Tabelas Descritivas</a:t>
-            </a:r>
-          </a:p>
-          <a:p>
-            <a:pPr lvl="1"/>
-            <a:r>
-              <a:rPr lang="pt-BR" sz="4800" dirty="0"/>
-              <a:t>Representação do laboratórios através de mapas</a:t>
-            </a:r>
-          </a:p>
-          <a:p>
-            <a:pPr lvl="1"/>
-            <a:endParaRPr lang="pt-BR" dirty="0"/>
-          </a:p>
-          <a:p>
-            <a:pPr marL="457200" lvl="1" indent="0">
-              <a:buNone/>
-            </a:pPr>
-            <a:endParaRPr lang="pt-BR" dirty="0"/>
-          </a:p>
-          <a:p>
-            <a:pPr marL="457200" lvl="1" indent="0">
-              <a:buNone/>
-            </a:pPr>
-            <a:endParaRPr lang="pt-BR" dirty="0"/>
-          </a:p>
-          <a:p>
-            <a:pPr marL="457200" lvl="1" indent="0">
-              <a:buNone/>
-            </a:pPr>
-            <a:endParaRPr lang="pt-BR" dirty="0"/>
-          </a:p>
-          <a:p>
-            <a:pPr marL="457200" lvl="1" indent="0">
-              <a:buNone/>
-            </a:pPr>
-            <a:endParaRPr lang="pt-BR" dirty="0"/>
-          </a:p>
-          <a:p>
-            <a:pPr marL="457200" lvl="1" indent="0">
-              <a:buNone/>
-            </a:pPr>
-            <a:endParaRPr lang="pt-BR" sz="2400" dirty="0"/>
-          </a:p>
-        </p:txBody>
-      </p:sp>
-    </p:spTree>
-    <p:extLst>
-      <p:ext uri="{BB962C8B-B14F-4D97-AF65-F5344CB8AC3E}">
-        <p14:creationId xmlns:p14="http://schemas.microsoft.com/office/powerpoint/2010/main" val="1421340670"/>
-      </p:ext>
-    </p:extLst>
-  </p:cSld>
-  <p:clrMapOvr>
-    <a:overrideClrMapping bg1="dk1" tx1="lt1" bg2="dk2" tx2="lt2" accent1="accent1" accent2="accent2" accent3="accent3" accent4="accent4" accent5="accent5" accent6="accent6" hlink="hlink" folHlink="folHlink"/>
-  </p:clrMapOvr>
-</p:sld>
-</file>
-
-<file path=ppt/slides/slide12.xml><?xml version="1.0" encoding="utf-8"?>
-<p:sld xmlns:a="http://schemas.openxmlformats.org/drawingml/2006/main" xmlns:r="http://schemas.openxmlformats.org/officeDocument/2006/relationships" xmlns:p="http://schemas.openxmlformats.org/presentationml/2006/main">
-  <p:cSld>
-    <p:bg>
-      <p:bgPr>
-        <a:solidFill>
-          <a:schemeClr val="bg1"/>
-        </a:solidFill>
-        <a:effectLst/>
-      </p:bgPr>
-    </p:bg>
-    <p:spTree>
-      <p:nvGrpSpPr>
-        <p:cNvPr id="1" name=""/>
-        <p:cNvGrpSpPr/>
-        <p:nvPr/>
-      </p:nvGrpSpPr>
-      <p:grpSpPr>
-        <a:xfrm>
-          <a:off x="0" y="0"/>
-          <a:ext cx="0" cy="0"/>
-          <a:chOff x="0" y="0"/>
-          <a:chExt cx="0" cy="0"/>
-        </a:xfrm>
-      </p:grpSpPr>
-      <p:sp>
-        <p:nvSpPr>
-          <p:cNvPr id="8" name="Rectangle 7">
-            <a:extLst>
-              <a:ext uri="{FF2B5EF4-FFF2-40B4-BE49-F238E27FC236}">
-                <a16:creationId xmlns:a16="http://schemas.microsoft.com/office/drawing/2014/main" id="{C7FA33FF-088D-4F16-95A2-2C64D353DEA8}"/>
-              </a:ext>
-              <a:ext uri="{C183D7F6-B498-43B3-948B-1728B52AA6E4}">
-                <adec:decorative xmlns:adec="http://schemas.microsoft.com/office/drawing/2017/decorative" val="1"/>
-              </a:ext>
-            </a:extLst>
-          </p:cNvPr>
-          <p:cNvSpPr>
-            <a:spLocks noGrp="1" noRot="1" noChangeAspect="1" noMove="1" noResize="1" noEditPoints="1" noAdjustHandles="1" noChangeArrowheads="1" noChangeShapeType="1" noTextEdit="1"/>
-          </p:cNvSpPr>
-          <p:nvPr>
-            <p:extLst>
-              <p:ext uri="{386F3935-93C4-4BCD-93E2-E3B085C9AB24}">
-                <p16:designElem xmlns:p16="http://schemas.microsoft.com/office/powerpoint/2015/main" val="1"/>
-              </p:ext>
-            </p:extLst>
-          </p:nvPr>
-        </p:nvSpPr>
-        <p:spPr>
-          <a:xfrm>
-            <a:off x="1524" y="0"/>
-            <a:ext cx="12188952" cy="6858000"/>
-          </a:xfrm>
-          <a:prstGeom prst="rect">
-            <a:avLst/>
-          </a:prstGeom>
-          <a:solidFill>
-            <a:schemeClr val="tx1"/>
-          </a:solidFill>
-          <a:ln>
-            <a:noFill/>
-          </a:ln>
-        </p:spPr>
-        <p:style>
-          <a:lnRef idx="2">
-            <a:schemeClr val="accent1">
-              <a:shade val="50000"/>
-            </a:schemeClr>
-          </a:lnRef>
-          <a:fillRef idx="1">
-            <a:schemeClr val="accent1"/>
-          </a:fillRef>
-          <a:effectRef idx="0">
-            <a:schemeClr val="accent1"/>
-          </a:effectRef>
-          <a:fontRef idx="minor">
-            <a:schemeClr val="lt1"/>
-          </a:fontRef>
-        </p:style>
-        <p:txBody>
-          <a:bodyPr rtlCol="0" anchor="ctr"/>
-          <a:lstStyle/>
-          <a:p>
-            <a:pPr marL="0" marR="0" lvl="0" indent="0" algn="ctr" defTabSz="914400" rtl="0" eaLnBrk="1" fontAlgn="auto" latinLnBrk="0" hangingPunct="1">
-              <a:lnSpc>
-                <a:spcPct val="100000"/>
-              </a:lnSpc>
-              <a:spcBef>
-                <a:spcPts val="0"/>
-              </a:spcBef>
-              <a:spcAft>
-                <a:spcPts val="0"/>
-              </a:spcAft>
-              <a:buClrTx/>
-              <a:buSzTx/>
-              <a:buFontTx/>
-              <a:buNone/>
-              <a:tabLst/>
-              <a:defRPr/>
-            </a:pPr>
-            <a:endParaRPr kumimoji="0" lang="en-US" sz="1800" b="0" i="0" u="none" strike="noStrike" kern="1200" cap="none" spc="0" normalizeH="0" baseline="0" noProof="0">
-              <a:ln>
-                <a:noFill/>
-              </a:ln>
-              <a:solidFill>
-                <a:prstClr val="white"/>
-              </a:solidFill>
-              <a:effectLst/>
-              <a:uLnTx/>
-              <a:uFillTx/>
-              <a:latin typeface="Calibri" panose="020F0502020204030204"/>
-              <a:ea typeface="+mn-ea"/>
-              <a:cs typeface="+mn-cs"/>
-            </a:endParaRPr>
-          </a:p>
-        </p:txBody>
-      </p:sp>
-      <p:sp>
-        <p:nvSpPr>
-          <p:cNvPr id="10" name="Rectangle 9">
-            <a:extLst>
-              <a:ext uri="{FF2B5EF4-FFF2-40B4-BE49-F238E27FC236}">
-                <a16:creationId xmlns:a16="http://schemas.microsoft.com/office/drawing/2014/main" id="{A376EFB1-01CF-419F-ABF1-2AF02BBFCBD1}"/>
-              </a:ext>
-              <a:ext uri="{C183D7F6-B498-43B3-948B-1728B52AA6E4}">
-                <adec:decorative xmlns:adec="http://schemas.microsoft.com/office/drawing/2017/decorative" val="1"/>
-              </a:ext>
-            </a:extLst>
-          </p:cNvPr>
-          <p:cNvSpPr>
-            <a:spLocks noGrp="1" noRot="1" noChangeAspect="1" noMove="1" noResize="1" noEditPoints="1" noAdjustHandles="1" noChangeArrowheads="1" noChangeShapeType="1" noTextEdit="1"/>
-          </p:cNvSpPr>
-          <p:nvPr>
-            <p:extLst>
-              <p:ext uri="{386F3935-93C4-4BCD-93E2-E3B085C9AB24}">
-                <p16:designElem xmlns:p16="http://schemas.microsoft.com/office/powerpoint/2015/main" val="1"/>
-              </p:ext>
-            </p:extLst>
-          </p:nvPr>
-        </p:nvSpPr>
-        <p:spPr>
-          <a:xfrm>
-            <a:off x="0" y="0"/>
-            <a:ext cx="4709160" cy="6858000"/>
-          </a:xfrm>
-          <a:prstGeom prst="rect">
-            <a:avLst/>
-          </a:prstGeom>
-          <a:solidFill>
-            <a:schemeClr val="bg1">
-              <a:alpha val="81000"/>
-            </a:schemeClr>
-          </a:solidFill>
-          <a:ln>
-            <a:noFill/>
-          </a:ln>
-        </p:spPr>
-        <p:style>
-          <a:lnRef idx="2">
-            <a:schemeClr val="accent1">
-              <a:shade val="50000"/>
-            </a:schemeClr>
-          </a:lnRef>
-          <a:fillRef idx="1">
-            <a:schemeClr val="accent1"/>
-          </a:fillRef>
-          <a:effectRef idx="0">
-            <a:schemeClr val="accent1"/>
-          </a:effectRef>
-          <a:fontRef idx="minor">
-            <a:schemeClr val="lt1"/>
-          </a:fontRef>
-        </p:style>
-        <p:txBody>
-          <a:bodyPr rtlCol="0" anchor="ctr"/>
-          <a:lstStyle/>
-          <a:p>
-            <a:pPr marL="0" marR="0" lvl="0" indent="0" algn="ctr" defTabSz="914400" rtl="0" eaLnBrk="1" fontAlgn="auto" latinLnBrk="0" hangingPunct="1">
-              <a:lnSpc>
-                <a:spcPct val="100000"/>
-              </a:lnSpc>
-              <a:spcBef>
-                <a:spcPts val="0"/>
-              </a:spcBef>
-              <a:spcAft>
-                <a:spcPts val="0"/>
-              </a:spcAft>
-              <a:buClrTx/>
-              <a:buSzTx/>
-              <a:buFontTx/>
-              <a:buNone/>
-              <a:tabLst/>
-              <a:defRPr/>
-            </a:pPr>
-            <a:endParaRPr kumimoji="0" lang="en-US" sz="1800" b="0" i="0" u="none" strike="noStrike" kern="1200" cap="none" spc="0" normalizeH="0" baseline="0" noProof="0">
-              <a:ln>
-                <a:noFill/>
-              </a:ln>
-              <a:solidFill>
-                <a:prstClr val="white"/>
-              </a:solidFill>
-              <a:effectLst/>
-              <a:uLnTx/>
-              <a:uFillTx/>
-              <a:latin typeface="Calibri" panose="020F0502020204030204"/>
-              <a:ea typeface="+mn-ea"/>
-              <a:cs typeface="+mn-cs"/>
-            </a:endParaRPr>
-          </a:p>
-        </p:txBody>
-      </p:sp>
-      <p:sp>
-        <p:nvSpPr>
-          <p:cNvPr id="12" name="Freeform: Shape 11">
-            <a:extLst>
-              <a:ext uri="{FF2B5EF4-FFF2-40B4-BE49-F238E27FC236}">
-                <a16:creationId xmlns:a16="http://schemas.microsoft.com/office/drawing/2014/main" id="{FF9DEA15-78BD-4750-AA18-B9F28A6D5AB8}"/>
-              </a:ext>
-              <a:ext uri="{C183D7F6-B498-43B3-948B-1728B52AA6E4}">
-                <adec:decorative xmlns:adec="http://schemas.microsoft.com/office/drawing/2017/decorative" val="1"/>
-              </a:ext>
-            </a:extLst>
-          </p:cNvPr>
-          <p:cNvSpPr>
-            <a:spLocks noGrp="1" noRot="1" noChangeAspect="1" noMove="1" noResize="1" noEditPoints="1" noAdjustHandles="1" noChangeArrowheads="1" noChangeShapeType="1" noTextEdit="1"/>
-          </p:cNvSpPr>
-          <p:nvPr>
-            <p:extLst>
-              <p:ext uri="{386F3935-93C4-4BCD-93E2-E3B085C9AB24}">
-                <p16:designElem xmlns:p16="http://schemas.microsoft.com/office/powerpoint/2015/main" val="1"/>
-              </p:ext>
-            </p:extLst>
-          </p:nvPr>
-        </p:nvSpPr>
-        <p:spPr>
-          <a:xfrm>
-            <a:off x="0" y="0"/>
-            <a:ext cx="3284331" cy="6858000"/>
-          </a:xfrm>
-          <a:custGeom>
-            <a:avLst/>
-            <a:gdLst>
-              <a:gd name="connsiteX0" fmla="*/ 0 w 4319042"/>
-              <a:gd name="connsiteY0" fmla="*/ 0 h 6858000"/>
-              <a:gd name="connsiteX1" fmla="*/ 1142888 w 4319042"/>
-              <a:gd name="connsiteY1" fmla="*/ 0 h 6858000"/>
-              <a:gd name="connsiteX2" fmla="*/ 4319042 w 4319042"/>
-              <a:gd name="connsiteY2" fmla="*/ 6858000 h 6858000"/>
-              <a:gd name="connsiteX3" fmla="*/ 0 w 4319042"/>
-              <a:gd name="connsiteY3" fmla="*/ 6858000 h 6858000"/>
-            </a:gdLst>
-            <a:ahLst/>
-            <a:cxnLst>
-              <a:cxn ang="0">
-                <a:pos x="connsiteX0" y="connsiteY0"/>
-              </a:cxn>
-              <a:cxn ang="0">
-                <a:pos x="connsiteX1" y="connsiteY1"/>
-              </a:cxn>
-              <a:cxn ang="0">
-                <a:pos x="connsiteX2" y="connsiteY2"/>
-              </a:cxn>
-              <a:cxn ang="0">
-                <a:pos x="connsiteX3" y="connsiteY3"/>
-              </a:cxn>
-            </a:cxnLst>
-            <a:rect l="l" t="t" r="r" b="b"/>
-            <a:pathLst>
-              <a:path w="4319042" h="6858000">
-                <a:moveTo>
-                  <a:pt x="0" y="0"/>
-                </a:moveTo>
-                <a:lnTo>
-                  <a:pt x="1142888" y="0"/>
-                </a:lnTo>
-                <a:lnTo>
-                  <a:pt x="4319042" y="6858000"/>
-                </a:lnTo>
-                <a:lnTo>
-                  <a:pt x="0" y="6858000"/>
-                </a:lnTo>
-                <a:close/>
-              </a:path>
-            </a:pathLst>
-          </a:custGeom>
-          <a:solidFill>
-            <a:schemeClr val="bg1">
-              <a:alpha val="35000"/>
-            </a:schemeClr>
-          </a:solidFill>
-          <a:ln>
-            <a:noFill/>
-          </a:ln>
-        </p:spPr>
-        <p:style>
-          <a:lnRef idx="2">
-            <a:schemeClr val="accent1">
-              <a:shade val="50000"/>
-            </a:schemeClr>
-          </a:lnRef>
-          <a:fillRef idx="1">
-            <a:schemeClr val="accent1"/>
-          </a:fillRef>
-          <a:effectRef idx="0">
-            <a:schemeClr val="accent1"/>
-          </a:effectRef>
-          <a:fontRef idx="minor">
-            <a:schemeClr val="lt1"/>
-          </a:fontRef>
-        </p:style>
-        <p:txBody>
-          <a:bodyPr wrap="square" rtlCol="0" anchor="ctr">
-            <a:noAutofit/>
-          </a:bodyPr>
-          <a:lstStyle/>
-          <a:p>
-            <a:pPr marL="0" marR="0" lvl="0" indent="0" algn="ctr" defTabSz="914400" rtl="0" eaLnBrk="1" fontAlgn="auto" latinLnBrk="0" hangingPunct="1">
-              <a:lnSpc>
-                <a:spcPct val="100000"/>
-              </a:lnSpc>
-              <a:spcBef>
-                <a:spcPts val="0"/>
-              </a:spcBef>
-              <a:spcAft>
-                <a:spcPts val="0"/>
-              </a:spcAft>
-              <a:buClrTx/>
-              <a:buSzTx/>
-              <a:buFontTx/>
-              <a:buNone/>
-              <a:tabLst/>
-              <a:defRPr/>
-            </a:pPr>
-            <a:endParaRPr kumimoji="0" lang="en-US" sz="1800" b="0" i="0" u="none" strike="noStrike" kern="1200" cap="none" spc="0" normalizeH="0" baseline="0" noProof="0">
-              <a:ln>
-                <a:noFill/>
-              </a:ln>
-              <a:solidFill>
-                <a:prstClr val="white"/>
-              </a:solidFill>
-              <a:effectLst/>
-              <a:uLnTx/>
-              <a:uFillTx/>
-              <a:latin typeface="Calibri" panose="020F0502020204030204"/>
-              <a:ea typeface="+mn-ea"/>
-              <a:cs typeface="+mn-cs"/>
-            </a:endParaRPr>
-          </a:p>
-        </p:txBody>
-      </p:sp>
-      <p:sp>
-        <p:nvSpPr>
-          <p:cNvPr id="2" name="Título 1">
-            <a:extLst>
-              <a:ext uri="{FF2B5EF4-FFF2-40B4-BE49-F238E27FC236}">
-                <a16:creationId xmlns:a16="http://schemas.microsoft.com/office/drawing/2014/main" id="{B69ED422-45D1-48F6-AE68-70DE081E1CBA}"/>
-              </a:ext>
-            </a:extLst>
-          </p:cNvPr>
-          <p:cNvSpPr>
-            <a:spLocks noGrp="1"/>
-          </p:cNvSpPr>
-          <p:nvPr>
-            <p:ph type="title"/>
-          </p:nvPr>
-        </p:nvSpPr>
-        <p:spPr>
-          <a:xfrm>
-            <a:off x="541539" y="640263"/>
-            <a:ext cx="3547464" cy="5254510"/>
-          </a:xfrm>
-        </p:spPr>
-        <p:txBody>
-          <a:bodyPr>
-            <a:normAutofit/>
-          </a:bodyPr>
-          <a:lstStyle/>
-          <a:p>
-            <a:r>
-              <a:rPr lang="pt-BR" dirty="0"/>
-              <a:t>Finalizados:</a:t>
-            </a:r>
-            <a:br>
-              <a:rPr lang="pt-BR" dirty="0"/>
-            </a:br>
-            <a:r>
-              <a:rPr lang="pt-BR" dirty="0"/>
-              <a:t>Base de Dados e Descritiva</a:t>
-            </a:r>
-          </a:p>
-        </p:txBody>
-      </p:sp>
-      <p:sp>
-        <p:nvSpPr>
-          <p:cNvPr id="3" name="Espaço Reservado para Conteúdo 2">
-            <a:extLst>
-              <a:ext uri="{FF2B5EF4-FFF2-40B4-BE49-F238E27FC236}">
-                <a16:creationId xmlns:a16="http://schemas.microsoft.com/office/drawing/2014/main" id="{E6EFF467-B63B-49BD-9FF9-DBBF4384BF7A}"/>
-              </a:ext>
-            </a:extLst>
-          </p:cNvPr>
-          <p:cNvSpPr>
-            <a:spLocks noGrp="1"/>
-          </p:cNvSpPr>
-          <p:nvPr>
-            <p:ph idx="1"/>
-          </p:nvPr>
-        </p:nvSpPr>
-        <p:spPr>
-          <a:xfrm>
-            <a:off x="5042518" y="879961"/>
-            <a:ext cx="6418554" cy="5254510"/>
-          </a:xfrm>
-        </p:spPr>
-        <p:txBody>
-          <a:bodyPr anchor="ctr">
-            <a:normAutofit/>
-          </a:bodyPr>
-          <a:lstStyle/>
-          <a:p>
-            <a:pPr algn="just"/>
-            <a:r>
-              <a:rPr lang="pt-BR" sz="2200" dirty="0">
-                <a:solidFill>
-                  <a:schemeClr val="bg1"/>
-                </a:solidFill>
-              </a:rPr>
-              <a:t>Relatório 1: Impacto da Petrobrás sobre a Produtividade Acadêmica dos Pesquisadores</a:t>
-            </a:r>
-          </a:p>
-          <a:p>
-            <a:pPr algn="just"/>
-            <a:endParaRPr lang="pt-BR" sz="2200" dirty="0">
-              <a:solidFill>
-                <a:schemeClr val="bg1"/>
-              </a:solidFill>
-            </a:endParaRPr>
-          </a:p>
-          <a:p>
-            <a:pPr algn="just"/>
-            <a:r>
-              <a:rPr lang="pt-BR" sz="2200" dirty="0">
-                <a:solidFill>
-                  <a:schemeClr val="bg1"/>
-                </a:solidFill>
-              </a:rPr>
-              <a:t>Relatório 2: Impacto da ANP sobre a Produtividade Acadêmica dos Pesquisadores</a:t>
-            </a:r>
-          </a:p>
-          <a:p>
-            <a:pPr algn="just"/>
-            <a:endParaRPr lang="pt-BR" sz="2200" dirty="0">
-              <a:solidFill>
-                <a:schemeClr val="bg1"/>
-              </a:solidFill>
-            </a:endParaRPr>
-          </a:p>
-          <a:p>
-            <a:pPr algn="just"/>
-            <a:r>
-              <a:rPr lang="pt-BR" sz="2200" dirty="0">
-                <a:solidFill>
-                  <a:schemeClr val="bg1"/>
-                </a:solidFill>
-              </a:rPr>
-              <a:t>Relatório 3: Produção Acadêmica em Tecnologia AI</a:t>
-            </a:r>
-          </a:p>
-          <a:p>
-            <a:pPr algn="just"/>
-            <a:endParaRPr lang="pt-BR" sz="2200" dirty="0">
-              <a:solidFill>
-                <a:schemeClr val="bg1"/>
-              </a:solidFill>
-            </a:endParaRPr>
-          </a:p>
-          <a:p>
-            <a:pPr algn="just"/>
-            <a:r>
-              <a:rPr lang="pt-BR" sz="2200" dirty="0">
-                <a:solidFill>
-                  <a:schemeClr val="bg1"/>
-                </a:solidFill>
-              </a:rPr>
-              <a:t>Relatório 4: Topografia das Redes de Pesquisa Petrobras</a:t>
-            </a:r>
-          </a:p>
-          <a:p>
-            <a:pPr algn="just"/>
-            <a:endParaRPr lang="pt-BR" sz="2200" dirty="0">
-              <a:solidFill>
-                <a:schemeClr val="bg1"/>
-              </a:solidFill>
-            </a:endParaRPr>
-          </a:p>
-          <a:p>
-            <a:pPr algn="just"/>
-            <a:r>
-              <a:rPr lang="pt-BR" sz="2200" dirty="0">
-                <a:solidFill>
-                  <a:schemeClr val="bg1"/>
-                </a:solidFill>
-              </a:rPr>
-              <a:t>Relatório 5: Dados precisam de tratamentos adicionais (em andamento)</a:t>
-            </a:r>
-          </a:p>
-          <a:p>
-            <a:endParaRPr lang="pt-BR" sz="2200" dirty="0">
-              <a:solidFill>
-                <a:schemeClr val="bg1"/>
-              </a:solidFill>
-            </a:endParaRPr>
-          </a:p>
-        </p:txBody>
-      </p:sp>
-    </p:spTree>
-    <p:extLst>
-      <p:ext uri="{BB962C8B-B14F-4D97-AF65-F5344CB8AC3E}">
-        <p14:creationId xmlns:p14="http://schemas.microsoft.com/office/powerpoint/2010/main" val="3112092327"/>
-      </p:ext>
-    </p:extLst>
-  </p:cSld>
-  <p:clrMapOvr>
-    <a:overrideClrMapping bg1="dk1" tx1="lt1" bg2="dk2" tx2="lt2" accent1="accent1" accent2="accent2" accent3="accent3" accent4="accent4" accent5="accent5" accent6="accent6" hlink="hlink" folHlink="folHlink"/>
-  </p:clrMapOvr>
-</p:sld>
-</file>
-
-<file path=ppt/slides/slide13.xml><?xml version="1.0" encoding="utf-8"?>
-<p:sld xmlns:a="http://schemas.openxmlformats.org/drawingml/2006/main" xmlns:r="http://schemas.openxmlformats.org/officeDocument/2006/relationships" xmlns:p="http://schemas.openxmlformats.org/presentationml/2006/main">
-  <p:cSld>
-    <p:bg>
-      <p:bgPr>
-        <a:solidFill>
-          <a:schemeClr val="bg1"/>
-        </a:solidFill>
-        <a:effectLst/>
-      </p:bgPr>
-    </p:bg>
-    <p:spTree>
-      <p:nvGrpSpPr>
-        <p:cNvPr id="1" name=""/>
-        <p:cNvGrpSpPr/>
-        <p:nvPr/>
-      </p:nvGrpSpPr>
-      <p:grpSpPr>
-        <a:xfrm>
-          <a:off x="0" y="0"/>
-          <a:ext cx="0" cy="0"/>
-          <a:chOff x="0" y="0"/>
-          <a:chExt cx="0" cy="0"/>
-        </a:xfrm>
-      </p:grpSpPr>
-      <p:sp>
-        <p:nvSpPr>
-          <p:cNvPr id="8" name="Rectangle 7">
-            <a:extLst>
-              <a:ext uri="{FF2B5EF4-FFF2-40B4-BE49-F238E27FC236}">
-                <a16:creationId xmlns:a16="http://schemas.microsoft.com/office/drawing/2014/main" id="{C7FA33FF-088D-4F16-95A2-2C64D353DEA8}"/>
-              </a:ext>
-              <a:ext uri="{C183D7F6-B498-43B3-948B-1728B52AA6E4}">
-                <adec:decorative xmlns:adec="http://schemas.microsoft.com/office/drawing/2017/decorative" val="1"/>
-              </a:ext>
-            </a:extLst>
-          </p:cNvPr>
-          <p:cNvSpPr>
-            <a:spLocks noGrp="1" noRot="1" noChangeAspect="1" noMove="1" noResize="1" noEditPoints="1" noAdjustHandles="1" noChangeArrowheads="1" noChangeShapeType="1" noTextEdit="1"/>
-          </p:cNvSpPr>
-          <p:nvPr>
-            <p:extLst>
-              <p:ext uri="{386F3935-93C4-4BCD-93E2-E3B085C9AB24}">
-                <p16:designElem xmlns:p16="http://schemas.microsoft.com/office/powerpoint/2015/main" val="1"/>
-              </p:ext>
-            </p:extLst>
-          </p:nvPr>
-        </p:nvSpPr>
-        <p:spPr>
-          <a:xfrm>
-            <a:off x="1524" y="0"/>
-            <a:ext cx="12188952" cy="6858000"/>
-          </a:xfrm>
-          <a:prstGeom prst="rect">
-            <a:avLst/>
-          </a:prstGeom>
-          <a:solidFill>
-            <a:schemeClr val="tx1"/>
-          </a:solidFill>
-          <a:ln>
-            <a:noFill/>
-          </a:ln>
-        </p:spPr>
-        <p:style>
-          <a:lnRef idx="2">
-            <a:schemeClr val="accent1">
-              <a:shade val="50000"/>
-            </a:schemeClr>
-          </a:lnRef>
-          <a:fillRef idx="1">
-            <a:schemeClr val="accent1"/>
-          </a:fillRef>
-          <a:effectRef idx="0">
-            <a:schemeClr val="accent1"/>
-          </a:effectRef>
-          <a:fontRef idx="minor">
-            <a:schemeClr val="lt1"/>
-          </a:fontRef>
-        </p:style>
-        <p:txBody>
-          <a:bodyPr rtlCol="0" anchor="ctr"/>
-          <a:lstStyle/>
-          <a:p>
-            <a:pPr marL="0" marR="0" lvl="0" indent="0" algn="ctr" defTabSz="914400" rtl="0" eaLnBrk="1" fontAlgn="auto" latinLnBrk="0" hangingPunct="1">
-              <a:lnSpc>
-                <a:spcPct val="100000"/>
-              </a:lnSpc>
-              <a:spcBef>
-                <a:spcPts val="0"/>
-              </a:spcBef>
-              <a:spcAft>
-                <a:spcPts val="0"/>
-              </a:spcAft>
-              <a:buClrTx/>
-              <a:buSzTx/>
-              <a:buFontTx/>
-              <a:buNone/>
-              <a:tabLst/>
-              <a:defRPr/>
-            </a:pPr>
-            <a:endParaRPr kumimoji="0" lang="en-US" sz="1800" b="0" i="0" u="none" strike="noStrike" kern="1200" cap="none" spc="0" normalizeH="0" baseline="0" noProof="0">
-              <a:ln>
-                <a:noFill/>
-              </a:ln>
-              <a:solidFill>
-                <a:prstClr val="white"/>
-              </a:solidFill>
-              <a:effectLst/>
-              <a:uLnTx/>
-              <a:uFillTx/>
-              <a:latin typeface="Calibri" panose="020F0502020204030204"/>
-              <a:ea typeface="+mn-ea"/>
-              <a:cs typeface="+mn-cs"/>
-            </a:endParaRPr>
-          </a:p>
-        </p:txBody>
-      </p:sp>
-      <p:sp>
-        <p:nvSpPr>
-          <p:cNvPr id="10" name="Rectangle 9">
-            <a:extLst>
-              <a:ext uri="{FF2B5EF4-FFF2-40B4-BE49-F238E27FC236}">
-                <a16:creationId xmlns:a16="http://schemas.microsoft.com/office/drawing/2014/main" id="{A376EFB1-01CF-419F-ABF1-2AF02BBFCBD1}"/>
-              </a:ext>
-              <a:ext uri="{C183D7F6-B498-43B3-948B-1728B52AA6E4}">
-                <adec:decorative xmlns:adec="http://schemas.microsoft.com/office/drawing/2017/decorative" val="1"/>
-              </a:ext>
-            </a:extLst>
-          </p:cNvPr>
-          <p:cNvSpPr>
-            <a:spLocks noGrp="1" noRot="1" noChangeAspect="1" noMove="1" noResize="1" noEditPoints="1" noAdjustHandles="1" noChangeArrowheads="1" noChangeShapeType="1" noTextEdit="1"/>
-          </p:cNvSpPr>
-          <p:nvPr>
-            <p:extLst>
-              <p:ext uri="{386F3935-93C4-4BCD-93E2-E3B085C9AB24}">
-                <p16:designElem xmlns:p16="http://schemas.microsoft.com/office/powerpoint/2015/main" val="1"/>
-              </p:ext>
-            </p:extLst>
-          </p:nvPr>
-        </p:nvSpPr>
-        <p:spPr>
-          <a:xfrm>
-            <a:off x="0" y="0"/>
-            <a:ext cx="4709160" cy="6858000"/>
-          </a:xfrm>
-          <a:prstGeom prst="rect">
-            <a:avLst/>
-          </a:prstGeom>
-          <a:solidFill>
-            <a:schemeClr val="bg1">
-              <a:alpha val="81000"/>
-            </a:schemeClr>
-          </a:solidFill>
-          <a:ln>
-            <a:noFill/>
-          </a:ln>
-        </p:spPr>
-        <p:style>
-          <a:lnRef idx="2">
-            <a:schemeClr val="accent1">
-              <a:shade val="50000"/>
-            </a:schemeClr>
-          </a:lnRef>
-          <a:fillRef idx="1">
-            <a:schemeClr val="accent1"/>
-          </a:fillRef>
-          <a:effectRef idx="0">
-            <a:schemeClr val="accent1"/>
-          </a:effectRef>
-          <a:fontRef idx="minor">
-            <a:schemeClr val="lt1"/>
-          </a:fontRef>
-        </p:style>
-        <p:txBody>
-          <a:bodyPr rtlCol="0" anchor="ctr"/>
-          <a:lstStyle/>
-          <a:p>
-            <a:pPr marL="0" marR="0" lvl="0" indent="0" algn="ctr" defTabSz="914400" rtl="0" eaLnBrk="1" fontAlgn="auto" latinLnBrk="0" hangingPunct="1">
-              <a:lnSpc>
-                <a:spcPct val="100000"/>
-              </a:lnSpc>
-              <a:spcBef>
-                <a:spcPts val="0"/>
-              </a:spcBef>
-              <a:spcAft>
-                <a:spcPts val="0"/>
-              </a:spcAft>
-              <a:buClrTx/>
-              <a:buSzTx/>
-              <a:buFontTx/>
-              <a:buNone/>
-              <a:tabLst/>
-              <a:defRPr/>
-            </a:pPr>
-            <a:endParaRPr kumimoji="0" lang="en-US" sz="1800" b="0" i="0" u="none" strike="noStrike" kern="1200" cap="none" spc="0" normalizeH="0" baseline="0" noProof="0">
-              <a:ln>
-                <a:noFill/>
-              </a:ln>
-              <a:solidFill>
-                <a:prstClr val="white"/>
-              </a:solidFill>
-              <a:effectLst/>
-              <a:uLnTx/>
-              <a:uFillTx/>
-              <a:latin typeface="Calibri" panose="020F0502020204030204"/>
-              <a:ea typeface="+mn-ea"/>
-              <a:cs typeface="+mn-cs"/>
-            </a:endParaRPr>
-          </a:p>
-        </p:txBody>
-      </p:sp>
-      <p:sp>
-        <p:nvSpPr>
-          <p:cNvPr id="12" name="Freeform: Shape 11">
-            <a:extLst>
-              <a:ext uri="{FF2B5EF4-FFF2-40B4-BE49-F238E27FC236}">
-                <a16:creationId xmlns:a16="http://schemas.microsoft.com/office/drawing/2014/main" id="{FF9DEA15-78BD-4750-AA18-B9F28A6D5AB8}"/>
-              </a:ext>
-              <a:ext uri="{C183D7F6-B498-43B3-948B-1728B52AA6E4}">
-                <adec:decorative xmlns:adec="http://schemas.microsoft.com/office/drawing/2017/decorative" val="1"/>
-              </a:ext>
-            </a:extLst>
-          </p:cNvPr>
-          <p:cNvSpPr>
-            <a:spLocks noGrp="1" noRot="1" noChangeAspect="1" noMove="1" noResize="1" noEditPoints="1" noAdjustHandles="1" noChangeArrowheads="1" noChangeShapeType="1" noTextEdit="1"/>
-          </p:cNvSpPr>
-          <p:nvPr>
-            <p:extLst>
-              <p:ext uri="{386F3935-93C4-4BCD-93E2-E3B085C9AB24}">
-                <p16:designElem xmlns:p16="http://schemas.microsoft.com/office/powerpoint/2015/main" val="1"/>
-              </p:ext>
-            </p:extLst>
-          </p:nvPr>
-        </p:nvSpPr>
-        <p:spPr>
-          <a:xfrm>
-            <a:off x="0" y="0"/>
-            <a:ext cx="3284331" cy="6858000"/>
-          </a:xfrm>
-          <a:custGeom>
-            <a:avLst/>
-            <a:gdLst>
-              <a:gd name="connsiteX0" fmla="*/ 0 w 4319042"/>
-              <a:gd name="connsiteY0" fmla="*/ 0 h 6858000"/>
-              <a:gd name="connsiteX1" fmla="*/ 1142888 w 4319042"/>
-              <a:gd name="connsiteY1" fmla="*/ 0 h 6858000"/>
-              <a:gd name="connsiteX2" fmla="*/ 4319042 w 4319042"/>
-              <a:gd name="connsiteY2" fmla="*/ 6858000 h 6858000"/>
-              <a:gd name="connsiteX3" fmla="*/ 0 w 4319042"/>
-              <a:gd name="connsiteY3" fmla="*/ 6858000 h 6858000"/>
-            </a:gdLst>
-            <a:ahLst/>
-            <a:cxnLst>
-              <a:cxn ang="0">
-                <a:pos x="connsiteX0" y="connsiteY0"/>
-              </a:cxn>
-              <a:cxn ang="0">
-                <a:pos x="connsiteX1" y="connsiteY1"/>
-              </a:cxn>
-              <a:cxn ang="0">
-                <a:pos x="connsiteX2" y="connsiteY2"/>
-              </a:cxn>
-              <a:cxn ang="0">
-                <a:pos x="connsiteX3" y="connsiteY3"/>
-              </a:cxn>
-            </a:cxnLst>
-            <a:rect l="l" t="t" r="r" b="b"/>
-            <a:pathLst>
-              <a:path w="4319042" h="6858000">
-                <a:moveTo>
-                  <a:pt x="0" y="0"/>
-                </a:moveTo>
-                <a:lnTo>
-                  <a:pt x="1142888" y="0"/>
-                </a:lnTo>
-                <a:lnTo>
-                  <a:pt x="4319042" y="6858000"/>
-                </a:lnTo>
-                <a:lnTo>
-                  <a:pt x="0" y="6858000"/>
-                </a:lnTo>
-                <a:close/>
-              </a:path>
-            </a:pathLst>
-          </a:custGeom>
-          <a:solidFill>
-            <a:schemeClr val="bg1">
-              <a:alpha val="35000"/>
-            </a:schemeClr>
-          </a:solidFill>
-          <a:ln>
-            <a:noFill/>
-          </a:ln>
-        </p:spPr>
-        <p:style>
-          <a:lnRef idx="2">
-            <a:schemeClr val="accent1">
-              <a:shade val="50000"/>
-            </a:schemeClr>
-          </a:lnRef>
-          <a:fillRef idx="1">
-            <a:schemeClr val="accent1"/>
-          </a:fillRef>
-          <a:effectRef idx="0">
-            <a:schemeClr val="accent1"/>
-          </a:effectRef>
-          <a:fontRef idx="minor">
-            <a:schemeClr val="lt1"/>
-          </a:fontRef>
-        </p:style>
-        <p:txBody>
-          <a:bodyPr wrap="square" rtlCol="0" anchor="ctr">
-            <a:noAutofit/>
-          </a:bodyPr>
-          <a:lstStyle/>
-          <a:p>
-            <a:pPr marL="0" marR="0" lvl="0" indent="0" algn="ctr" defTabSz="914400" rtl="0" eaLnBrk="1" fontAlgn="auto" latinLnBrk="0" hangingPunct="1">
-              <a:lnSpc>
-                <a:spcPct val="100000"/>
-              </a:lnSpc>
-              <a:spcBef>
-                <a:spcPts val="0"/>
-              </a:spcBef>
-              <a:spcAft>
-                <a:spcPts val="0"/>
-              </a:spcAft>
-              <a:buClrTx/>
-              <a:buSzTx/>
-              <a:buFontTx/>
-              <a:buNone/>
-              <a:tabLst/>
-              <a:defRPr/>
-            </a:pPr>
-            <a:endParaRPr kumimoji="0" lang="en-US" sz="1800" b="0" i="0" u="none" strike="noStrike" kern="1200" cap="none" spc="0" normalizeH="0" baseline="0" noProof="0">
-              <a:ln>
-                <a:noFill/>
-              </a:ln>
-              <a:solidFill>
-                <a:prstClr val="white"/>
-              </a:solidFill>
-              <a:effectLst/>
-              <a:uLnTx/>
-              <a:uFillTx/>
-              <a:latin typeface="Calibri" panose="020F0502020204030204"/>
-              <a:ea typeface="+mn-ea"/>
-              <a:cs typeface="+mn-cs"/>
-            </a:endParaRPr>
-          </a:p>
-        </p:txBody>
-      </p:sp>
-      <p:sp>
-        <p:nvSpPr>
-          <p:cNvPr id="2" name="Título 1">
-            <a:extLst>
-              <a:ext uri="{FF2B5EF4-FFF2-40B4-BE49-F238E27FC236}">
-                <a16:creationId xmlns:a16="http://schemas.microsoft.com/office/drawing/2014/main" id="{B69ED422-45D1-48F6-AE68-70DE081E1CBA}"/>
-              </a:ext>
-            </a:extLst>
-          </p:cNvPr>
-          <p:cNvSpPr>
-            <a:spLocks noGrp="1"/>
-          </p:cNvSpPr>
-          <p:nvPr>
-            <p:ph type="title"/>
-          </p:nvPr>
-        </p:nvSpPr>
-        <p:spPr>
-          <a:xfrm>
-            <a:off x="541539" y="640263"/>
-            <a:ext cx="3547464" cy="5254510"/>
-          </a:xfrm>
-        </p:spPr>
-        <p:txBody>
-          <a:bodyPr>
-            <a:normAutofit/>
-          </a:bodyPr>
-          <a:lstStyle/>
-          <a:p>
-            <a:r>
-              <a:rPr lang="pt-BR" dirty="0"/>
-              <a:t>Em andamento:</a:t>
-            </a:r>
-          </a:p>
-        </p:txBody>
-      </p:sp>
-      <p:sp>
-        <p:nvSpPr>
-          <p:cNvPr id="3" name="Espaço Reservado para Conteúdo 2">
-            <a:extLst>
-              <a:ext uri="{FF2B5EF4-FFF2-40B4-BE49-F238E27FC236}">
-                <a16:creationId xmlns:a16="http://schemas.microsoft.com/office/drawing/2014/main" id="{E6EFF467-B63B-49BD-9FF9-DBBF4384BF7A}"/>
-              </a:ext>
-            </a:extLst>
-          </p:cNvPr>
-          <p:cNvSpPr>
-            <a:spLocks noGrp="1"/>
-          </p:cNvSpPr>
-          <p:nvPr>
-            <p:ph idx="1"/>
-          </p:nvPr>
-        </p:nvSpPr>
-        <p:spPr>
-          <a:xfrm>
-            <a:off x="5358384" y="640263"/>
-            <a:ext cx="6028944" cy="5254510"/>
-          </a:xfrm>
-        </p:spPr>
-        <p:txBody>
-          <a:bodyPr anchor="ctr">
-            <a:normAutofit/>
-          </a:bodyPr>
-          <a:lstStyle/>
-          <a:p>
-            <a:r>
-              <a:rPr lang="pt-BR" sz="2200" dirty="0">
-                <a:solidFill>
-                  <a:schemeClr val="bg1"/>
-                </a:solidFill>
-              </a:rPr>
-              <a:t>Script para PSM em Andamento: Relatório 1 e 2</a:t>
-            </a:r>
-          </a:p>
-          <a:p>
-            <a:endParaRPr lang="pt-BR" sz="2200" dirty="0">
-              <a:solidFill>
-                <a:schemeClr val="bg1"/>
-              </a:solidFill>
-            </a:endParaRPr>
-          </a:p>
-          <a:p>
-            <a:r>
-              <a:rPr lang="pt-BR" sz="2200" dirty="0">
-                <a:solidFill>
-                  <a:schemeClr val="bg1"/>
-                </a:solidFill>
-              </a:rPr>
-              <a:t>Corpus para Relatório 3 não-iniciado: Produção Acadêmica em AI</a:t>
-            </a:r>
-          </a:p>
-          <a:p>
-            <a:endParaRPr lang="pt-BR" sz="2200" dirty="0">
-              <a:solidFill>
-                <a:schemeClr val="bg1"/>
-              </a:solidFill>
-            </a:endParaRPr>
-          </a:p>
-          <a:p>
-            <a:r>
-              <a:rPr lang="pt-BR" sz="2200" dirty="0">
-                <a:solidFill>
-                  <a:schemeClr val="bg1"/>
-                </a:solidFill>
-              </a:rPr>
-              <a:t>Relatório 2: Impacto da ANP sobre a Produtividade Acadêmica dos Pesquisadores</a:t>
-            </a:r>
-          </a:p>
-          <a:p>
-            <a:endParaRPr lang="pt-BR" sz="2200" dirty="0">
-              <a:solidFill>
-                <a:schemeClr val="bg1"/>
-              </a:solidFill>
-            </a:endParaRPr>
-          </a:p>
-          <a:p>
-            <a:r>
-              <a:rPr lang="pt-BR" sz="2200" dirty="0">
-                <a:solidFill>
-                  <a:schemeClr val="bg1"/>
-                </a:solidFill>
-              </a:rPr>
-              <a:t>Relatório 5: Produção de mapas iniciada (atualização de coordenadas geográficas pelo CEP)</a:t>
-            </a:r>
-          </a:p>
-          <a:p>
-            <a:endParaRPr lang="pt-BR" sz="2200" dirty="0">
-              <a:solidFill>
-                <a:schemeClr val="bg1"/>
-              </a:solidFill>
-            </a:endParaRPr>
-          </a:p>
-          <a:p>
-            <a:r>
-              <a:rPr lang="pt-BR" sz="2200" dirty="0">
-                <a:solidFill>
-                  <a:schemeClr val="bg1"/>
-                </a:solidFill>
-              </a:rPr>
-              <a:t>HTML </a:t>
-            </a:r>
-            <a:r>
-              <a:rPr lang="pt-BR" sz="2200" dirty="0" err="1">
-                <a:solidFill>
-                  <a:schemeClr val="bg1"/>
-                </a:solidFill>
-              </a:rPr>
-              <a:t>Dinâmco</a:t>
-            </a:r>
-            <a:r>
-              <a:rPr lang="pt-BR" sz="2200" dirty="0">
-                <a:solidFill>
-                  <a:schemeClr val="bg1"/>
-                </a:solidFill>
-              </a:rPr>
-              <a:t> (atualização novos resultados)</a:t>
-            </a:r>
-          </a:p>
-        </p:txBody>
-      </p:sp>
-    </p:spTree>
-    <p:extLst>
-      <p:ext uri="{BB962C8B-B14F-4D97-AF65-F5344CB8AC3E}">
-        <p14:creationId xmlns:p14="http://schemas.microsoft.com/office/powerpoint/2010/main" val="595462653"/>
-      </p:ext>
-    </p:extLst>
-  </p:cSld>
-  <p:clrMapOvr>
-    <a:overrideClrMapping bg1="dk1" tx1="lt1" bg2="dk2" tx2="lt2" accent1="accent1" accent2="accent2" accent3="accent3" accent4="accent4" accent5="accent5" accent6="accent6" hlink="hlink" folHlink="folHlink"/>
-  </p:clrMapOvr>
-</p:sld>
-</file>
-
-<file path=ppt/slides/slide2.xml><?xml version="1.0" encoding="utf-8"?>
-<p:sld xmlns:a="http://schemas.openxmlformats.org/drawingml/2006/main" xmlns:r="http://schemas.openxmlformats.org/officeDocument/2006/relationships" xmlns:p="http://schemas.openxmlformats.org/presentationml/2006/main">
-  <p:cSld>
-    <p:bg>
-      <p:bgPr>
-        <a:solidFill>
-          <a:srgbClr val="404040"/>
-        </a:solidFill>
-        <a:effectLst/>
-      </p:bgPr>
-    </p:bg>
-    <p:spTree>
-      <p:nvGrpSpPr>
-        <p:cNvPr id="1" name=""/>
-        <p:cNvGrpSpPr/>
-        <p:nvPr/>
-      </p:nvGrpSpPr>
-      <p:grpSpPr>
-        <a:xfrm>
-          <a:off x="0" y="0"/>
-          <a:ext cx="0" cy="0"/>
-          <a:chOff x="0" y="0"/>
-          <a:chExt cx="0" cy="0"/>
-        </a:xfrm>
-      </p:grpSpPr>
-      <p:sp>
-        <p:nvSpPr>
-          <p:cNvPr id="9" name="Rectangle 8">
-            <a:extLst>
-              <a:ext uri="{FF2B5EF4-FFF2-40B4-BE49-F238E27FC236}">
-                <a16:creationId xmlns:a16="http://schemas.microsoft.com/office/drawing/2014/main" id="{3B0DF90E-6BAD-4E82-8FDF-717C9A357378}"/>
-              </a:ext>
-              <a:ext uri="{C183D7F6-B498-43B3-948B-1728B52AA6E4}">
-                <adec:decorative xmlns:adec="http://schemas.microsoft.com/office/drawing/2017/decorative" val="1"/>
-              </a:ext>
-            </a:extLst>
-          </p:cNvPr>
-          <p:cNvSpPr>
-            <a:spLocks noGrp="1" noRot="1" noChangeAspect="1" noMove="1" noResize="1" noEditPoints="1" noAdjustHandles="1" noChangeArrowheads="1" noChangeShapeType="1" noTextEdit="1"/>
-          </p:cNvSpPr>
-          <p:nvPr>
-            <p:extLst>
-              <p:ext uri="{386F3935-93C4-4BCD-93E2-E3B085C9AB24}">
-                <p16:designElem xmlns:p16="http://schemas.microsoft.com/office/powerpoint/2015/main" val="1"/>
-              </p:ext>
-            </p:extLst>
-          </p:nvPr>
-        </p:nvSpPr>
-        <p:spPr>
-          <a:xfrm>
-            <a:off x="0" y="-3324"/>
-            <a:ext cx="12192000" cy="6861324"/>
-          </a:xfrm>
-          <a:prstGeom prst="rect">
-            <a:avLst/>
-          </a:prstGeom>
-          <a:solidFill>
-            <a:srgbClr val="404040"/>
-          </a:solidFill>
-          <a:ln>
-            <a:noFill/>
-          </a:ln>
-        </p:spPr>
-        <p:style>
-          <a:lnRef idx="2">
-            <a:schemeClr val="accent1">
-              <a:shade val="50000"/>
-            </a:schemeClr>
-          </a:lnRef>
-          <a:fillRef idx="1">
-            <a:schemeClr val="accent1"/>
-          </a:fillRef>
-          <a:effectRef idx="0">
-            <a:schemeClr val="accent1"/>
-          </a:effectRef>
-          <a:fontRef idx="minor">
-            <a:schemeClr val="lt1"/>
-          </a:fontRef>
-        </p:style>
-        <p:txBody>
-          <a:bodyPr rtlCol="0" anchor="ctr"/>
-          <a:lstStyle/>
-          <a:p>
-            <a:pPr algn="ctr"/>
-            <a:endParaRPr lang="en-US"/>
-          </a:p>
-        </p:txBody>
-      </p:sp>
-      <p:sp>
-        <p:nvSpPr>
-          <p:cNvPr id="11" name="Freeform 13">
-            <a:extLst>
-              <a:ext uri="{FF2B5EF4-FFF2-40B4-BE49-F238E27FC236}">
-                <a16:creationId xmlns:a16="http://schemas.microsoft.com/office/drawing/2014/main" id="{13DCC859-0434-4BB8-B6C5-09C88AE698FB}"/>
-              </a:ext>
-              <a:ext uri="{C183D7F6-B498-43B3-948B-1728B52AA6E4}">
-                <adec:decorative xmlns:adec="http://schemas.microsoft.com/office/drawing/2017/decorative" val="1"/>
-              </a:ext>
-            </a:extLst>
-          </p:cNvPr>
-          <p:cNvSpPr>
-            <a:spLocks noGrp="1" noRot="1" noChangeAspect="1" noMove="1" noResize="1" noEditPoints="1" noAdjustHandles="1" noChangeArrowheads="1" noChangeShapeType="1" noTextEdit="1"/>
-          </p:cNvSpPr>
-          <p:nvPr>
-            <p:extLst>
-              <p:ext uri="{386F3935-93C4-4BCD-93E2-E3B085C9AB24}">
-                <p16:designElem xmlns:p16="http://schemas.microsoft.com/office/powerpoint/2015/main" val="1"/>
-              </p:ext>
-            </p:extLst>
-          </p:nvPr>
-        </p:nvSpPr>
-        <p:spPr>
-          <a:xfrm>
-            <a:off x="0" y="0"/>
-            <a:ext cx="11786754" cy="6858000"/>
-          </a:xfrm>
-          <a:custGeom>
-            <a:avLst/>
-            <a:gdLst>
-              <a:gd name="connsiteX0" fmla="*/ 0 w 11786754"/>
-              <a:gd name="connsiteY0" fmla="*/ 0 h 6858000"/>
-              <a:gd name="connsiteX1" fmla="*/ 8610600 w 11786754"/>
-              <a:gd name="connsiteY1" fmla="*/ 0 h 6858000"/>
-              <a:gd name="connsiteX2" fmla="*/ 11786754 w 11786754"/>
-              <a:gd name="connsiteY2" fmla="*/ 6858000 h 6858000"/>
-              <a:gd name="connsiteX3" fmla="*/ 0 w 11786754"/>
-              <a:gd name="connsiteY3" fmla="*/ 6858000 h 6858000"/>
-            </a:gdLst>
-            <a:ahLst/>
-            <a:cxnLst>
-              <a:cxn ang="0">
-                <a:pos x="connsiteX0" y="connsiteY0"/>
-              </a:cxn>
-              <a:cxn ang="0">
-                <a:pos x="connsiteX1" y="connsiteY1"/>
-              </a:cxn>
-              <a:cxn ang="0">
-                <a:pos x="connsiteX2" y="connsiteY2"/>
-              </a:cxn>
-              <a:cxn ang="0">
-                <a:pos x="connsiteX3" y="connsiteY3"/>
-              </a:cxn>
-            </a:cxnLst>
-            <a:rect l="l" t="t" r="r" b="b"/>
-            <a:pathLst>
-              <a:path w="11786754" h="6858000">
-                <a:moveTo>
-                  <a:pt x="0" y="0"/>
-                </a:moveTo>
-                <a:lnTo>
-                  <a:pt x="8610600" y="0"/>
-                </a:lnTo>
-                <a:lnTo>
-                  <a:pt x="11786754" y="6858000"/>
-                </a:lnTo>
-                <a:lnTo>
-                  <a:pt x="0" y="6858000"/>
-                </a:lnTo>
-                <a:close/>
-              </a:path>
-            </a:pathLst>
-          </a:custGeom>
-          <a:solidFill>
-            <a:schemeClr val="bg1">
-              <a:alpha val="30000"/>
-            </a:schemeClr>
-          </a:solidFill>
-          <a:ln>
-            <a:noFill/>
-          </a:ln>
-        </p:spPr>
-        <p:style>
-          <a:lnRef idx="2">
-            <a:schemeClr val="accent1">
-              <a:shade val="50000"/>
-            </a:schemeClr>
-          </a:lnRef>
-          <a:fillRef idx="1">
-            <a:schemeClr val="accent1"/>
-          </a:fillRef>
-          <a:effectRef idx="0">
-            <a:schemeClr val="accent1"/>
-          </a:effectRef>
-          <a:fontRef idx="minor">
-            <a:schemeClr val="lt1"/>
-          </a:fontRef>
-        </p:style>
-        <p:txBody>
-          <a:bodyPr rtlCol="0" anchor="ctr"/>
-          <a:lstStyle/>
-          <a:p>
-            <a:pPr algn="ctr"/>
-            <a:endParaRPr lang="en-US"/>
-          </a:p>
-        </p:txBody>
-      </p:sp>
-      <p:sp>
-        <p:nvSpPr>
-          <p:cNvPr id="13" name="Freeform 11">
-            <a:extLst>
-              <a:ext uri="{FF2B5EF4-FFF2-40B4-BE49-F238E27FC236}">
-                <a16:creationId xmlns:a16="http://schemas.microsoft.com/office/drawing/2014/main" id="{08E7ACFB-B791-4C23-8B17-013FEDC09A89}"/>
-              </a:ext>
-              <a:ext uri="{C183D7F6-B498-43B3-948B-1728B52AA6E4}">
-                <adec:decorative xmlns:adec="http://schemas.microsoft.com/office/drawing/2017/decorative" val="1"/>
-              </a:ext>
-            </a:extLst>
-          </p:cNvPr>
-          <p:cNvSpPr>
-            <a:spLocks noGrp="1" noRot="1" noChangeAspect="1" noMove="1" noResize="1" noEditPoints="1" noAdjustHandles="1" noChangeArrowheads="1" noChangeShapeType="1" noTextEdit="1"/>
-          </p:cNvSpPr>
-          <p:nvPr>
-            <p:extLst>
-              <p:ext uri="{386F3935-93C4-4BCD-93E2-E3B085C9AB24}">
-                <p16:designElem xmlns:p16="http://schemas.microsoft.com/office/powerpoint/2015/main" val="1"/>
-              </p:ext>
-            </p:extLst>
-          </p:nvPr>
-        </p:nvSpPr>
-        <p:spPr>
-          <a:xfrm>
-            <a:off x="0" y="0"/>
-            <a:ext cx="3581400" cy="6858000"/>
-          </a:xfrm>
-          <a:custGeom>
-            <a:avLst/>
-            <a:gdLst>
-              <a:gd name="connsiteX0" fmla="*/ 0 w 3581400"/>
-              <a:gd name="connsiteY0" fmla="*/ 0 h 6858000"/>
-              <a:gd name="connsiteX1" fmla="*/ 405246 w 3581400"/>
-              <a:gd name="connsiteY1" fmla="*/ 0 h 6858000"/>
-              <a:gd name="connsiteX2" fmla="*/ 3581400 w 3581400"/>
-              <a:gd name="connsiteY2" fmla="*/ 6858000 h 6858000"/>
-              <a:gd name="connsiteX3" fmla="*/ 0 w 3581400"/>
-              <a:gd name="connsiteY3" fmla="*/ 6858000 h 6858000"/>
-            </a:gdLst>
-            <a:ahLst/>
-            <a:cxnLst>
-              <a:cxn ang="0">
-                <a:pos x="connsiteX0" y="connsiteY0"/>
-              </a:cxn>
-              <a:cxn ang="0">
-                <a:pos x="connsiteX1" y="connsiteY1"/>
-              </a:cxn>
-              <a:cxn ang="0">
-                <a:pos x="connsiteX2" y="connsiteY2"/>
-              </a:cxn>
-              <a:cxn ang="0">
-                <a:pos x="connsiteX3" y="connsiteY3"/>
-              </a:cxn>
-            </a:cxnLst>
-            <a:rect l="l" t="t" r="r" b="b"/>
-            <a:pathLst>
-              <a:path w="3581400" h="6858000">
-                <a:moveTo>
-                  <a:pt x="0" y="0"/>
-                </a:moveTo>
-                <a:lnTo>
-                  <a:pt x="405246" y="0"/>
-                </a:lnTo>
-                <a:lnTo>
-                  <a:pt x="3581400" y="6858000"/>
-                </a:lnTo>
-                <a:lnTo>
-                  <a:pt x="0" y="6858000"/>
-                </a:lnTo>
-                <a:close/>
-              </a:path>
-            </a:pathLst>
-          </a:custGeom>
-          <a:solidFill>
-            <a:schemeClr val="bg1">
-              <a:alpha val="30000"/>
-            </a:schemeClr>
-          </a:solidFill>
-          <a:ln>
-            <a:noFill/>
-          </a:ln>
-        </p:spPr>
-        <p:style>
-          <a:lnRef idx="2">
-            <a:schemeClr val="accent1">
-              <a:shade val="50000"/>
-            </a:schemeClr>
-          </a:lnRef>
-          <a:fillRef idx="1">
-            <a:schemeClr val="accent1"/>
-          </a:fillRef>
-          <a:effectRef idx="0">
-            <a:schemeClr val="accent1"/>
-          </a:effectRef>
-          <a:fontRef idx="minor">
-            <a:schemeClr val="lt1"/>
-          </a:fontRef>
-        </p:style>
-        <p:txBody>
-          <a:bodyPr wrap="square" rtlCol="0" anchor="ctr">
-            <a:noAutofit/>
-          </a:bodyPr>
-          <a:lstStyle/>
-          <a:p>
-            <a:pPr algn="ctr"/>
-            <a:endParaRPr lang="en-US"/>
-          </a:p>
-        </p:txBody>
-      </p:sp>
-      <p:sp>
-        <p:nvSpPr>
-          <p:cNvPr id="5" name="Espaço Reservado para Conteúdo 4">
-            <a:extLst>
-              <a:ext uri="{FF2B5EF4-FFF2-40B4-BE49-F238E27FC236}">
-                <a16:creationId xmlns:a16="http://schemas.microsoft.com/office/drawing/2014/main" id="{3AA23E56-D915-4DBB-93D9-1707A38FFABB}"/>
-              </a:ext>
-            </a:extLst>
-          </p:cNvPr>
-          <p:cNvSpPr>
-            <a:spLocks noGrp="1"/>
-          </p:cNvSpPr>
-          <p:nvPr>
-            <p:ph idx="1"/>
-          </p:nvPr>
-        </p:nvSpPr>
-        <p:spPr>
-          <a:xfrm>
-            <a:off x="598502" y="1395272"/>
-            <a:ext cx="5215057" cy="4854608"/>
-          </a:xfrm>
-        </p:spPr>
-        <p:txBody>
-          <a:bodyPr>
-            <a:normAutofit fontScale="92500" lnSpcReduction="10000"/>
-          </a:bodyPr>
-          <a:lstStyle/>
-          <a:p>
-            <a:r>
-              <a:rPr lang="pt-BR" dirty="0"/>
-              <a:t>PETRO_PETRO: </a:t>
-            </a:r>
-          </a:p>
-          <a:p>
-            <a:pPr lvl="1"/>
-            <a:r>
-              <a:rPr lang="pt-BR" dirty="0"/>
-              <a:t>Origem na remessa CENPES (tabela DLL_CENPES)</a:t>
-            </a:r>
-          </a:p>
-          <a:p>
-            <a:pPr lvl="1"/>
-            <a:r>
-              <a:rPr lang="pt-BR" dirty="0"/>
-              <a:t>Identificação do anos de tratamento</a:t>
-            </a:r>
-          </a:p>
-          <a:p>
-            <a:r>
-              <a:rPr lang="pt-BR" dirty="0"/>
-              <a:t>PETRO_LATTES: </a:t>
-            </a:r>
-          </a:p>
-          <a:p>
-            <a:pPr lvl="1"/>
-            <a:r>
-              <a:rPr lang="pt-BR" dirty="0"/>
-              <a:t>Origem na tabela [FINANCIADORES-PROJETO] </a:t>
-            </a:r>
-          </a:p>
-          <a:p>
-            <a:pPr lvl="1"/>
-            <a:r>
-              <a:rPr lang="pt-BR" dirty="0"/>
-              <a:t>Identificação do anos de tratamento</a:t>
-            </a:r>
-          </a:p>
-          <a:p>
-            <a:pPr lvl="1"/>
-            <a:r>
-              <a:rPr lang="pt-BR" dirty="0"/>
-              <a:t>Inclui tratamento CENPES_LATTES</a:t>
-            </a:r>
-          </a:p>
-          <a:p>
-            <a:r>
-              <a:rPr lang="pt-BR" dirty="0"/>
-              <a:t>CENPES_LATTES: </a:t>
-            </a:r>
-          </a:p>
-          <a:p>
-            <a:pPr lvl="1"/>
-            <a:r>
-              <a:rPr lang="pt-BR" dirty="0"/>
-              <a:t>Origem na tabela [FINANCIADORES-PROJETO] </a:t>
-            </a:r>
-          </a:p>
-          <a:p>
-            <a:pPr lvl="1"/>
-            <a:r>
-              <a:rPr lang="pt-BR" dirty="0"/>
-              <a:t>Identificação do anos de tratamento</a:t>
-            </a:r>
-          </a:p>
-          <a:p>
-            <a:endParaRPr lang="pt-BR" dirty="0"/>
-          </a:p>
-          <a:p>
-            <a:endParaRPr lang="pt-BR" dirty="0"/>
-          </a:p>
-        </p:txBody>
-      </p:sp>
-      <p:sp>
-        <p:nvSpPr>
-          <p:cNvPr id="7" name="Título 6">
-            <a:extLst>
-              <a:ext uri="{FF2B5EF4-FFF2-40B4-BE49-F238E27FC236}">
-                <a16:creationId xmlns:a16="http://schemas.microsoft.com/office/drawing/2014/main" id="{9185C0B6-0A3F-44DF-AAE8-93CE431DD0F2}"/>
-              </a:ext>
-            </a:extLst>
-          </p:cNvPr>
-          <p:cNvSpPr>
-            <a:spLocks noGrp="1"/>
-          </p:cNvSpPr>
-          <p:nvPr>
-            <p:ph type="title"/>
-          </p:nvPr>
-        </p:nvSpPr>
-        <p:spPr>
-          <a:xfrm>
-            <a:off x="1104530" y="214052"/>
-            <a:ext cx="6050872" cy="948770"/>
-          </a:xfrm>
-        </p:spPr>
-        <p:txBody>
-          <a:bodyPr>
-            <a:normAutofit fontScale="90000"/>
-          </a:bodyPr>
-          <a:lstStyle/>
-          <a:p>
-            <a:r>
-              <a:rPr lang="pt-BR" dirty="0"/>
-              <a:t>Definição dos  Tratamentos</a:t>
-            </a:r>
-          </a:p>
-        </p:txBody>
-      </p:sp>
-      <p:sp>
-        <p:nvSpPr>
-          <p:cNvPr id="12" name="Espaço Reservado para Conteúdo 4">
-            <a:extLst>
-              <a:ext uri="{FF2B5EF4-FFF2-40B4-BE49-F238E27FC236}">
-                <a16:creationId xmlns:a16="http://schemas.microsoft.com/office/drawing/2014/main" id="{1AB060AF-EDBB-47EB-98AE-69884ED2A868}"/>
-              </a:ext>
-            </a:extLst>
-          </p:cNvPr>
-          <p:cNvSpPr txBox="1">
-            <a:spLocks/>
-          </p:cNvSpPr>
-          <p:nvPr/>
-        </p:nvSpPr>
-        <p:spPr>
-          <a:xfrm>
-            <a:off x="6571696" y="1395272"/>
-            <a:ext cx="5215057" cy="4978895"/>
-          </a:xfrm>
-          <a:prstGeom prst="rect">
-            <a:avLst/>
-          </a:prstGeom>
-        </p:spPr>
-        <p:txBody>
-          <a:bodyPr vert="horz" lIns="91440" tIns="45720" rIns="91440" bIns="45720" rtlCol="0">
-            <a:normAutofit lnSpcReduction="10000"/>
-          </a:bodyPr>
-          <a:lstStyle>
-            <a:lvl1pPr marL="228600" indent="-228600" algn="l" defTabSz="914400" rtl="0" eaLnBrk="1" latinLnBrk="0" hangingPunct="1">
-              <a:lnSpc>
-                <a:spcPct val="90000"/>
-              </a:lnSpc>
-              <a:spcBef>
-                <a:spcPts val="1000"/>
-              </a:spcBef>
-              <a:buFont typeface="Arial" panose="020B0604020202020204" pitchFamily="34" charset="0"/>
-              <a:buChar char="•"/>
-              <a:defRPr sz="2800" kern="1200">
-                <a:solidFill>
-                  <a:schemeClr val="tx1"/>
-                </a:solidFill>
-                <a:latin typeface="+mn-lt"/>
-                <a:ea typeface="+mn-ea"/>
-                <a:cs typeface="+mn-cs"/>
-              </a:defRPr>
-            </a:lvl1pPr>
-            <a:lvl2pPr marL="685800" indent="-228600" algn="l" defTabSz="914400" rtl="0" eaLnBrk="1" latinLnBrk="0" hangingPunct="1">
-              <a:lnSpc>
-                <a:spcPct val="90000"/>
-              </a:lnSpc>
-              <a:spcBef>
-                <a:spcPts val="500"/>
-              </a:spcBef>
-              <a:buFont typeface="Arial" panose="020B0604020202020204" pitchFamily="34" charset="0"/>
-              <a:buChar char="•"/>
-              <a:defRPr sz="2400" kern="1200">
-                <a:solidFill>
-                  <a:schemeClr val="tx1"/>
-                </a:solidFill>
-                <a:latin typeface="+mn-lt"/>
-                <a:ea typeface="+mn-ea"/>
-                <a:cs typeface="+mn-cs"/>
-              </a:defRPr>
-            </a:lvl2pPr>
-            <a:lvl3pPr marL="1143000" indent="-228600" algn="l" defTabSz="914400" rtl="0" eaLnBrk="1" latinLnBrk="0" hangingPunct="1">
-              <a:lnSpc>
-                <a:spcPct val="90000"/>
-              </a:lnSpc>
-              <a:spcBef>
-                <a:spcPts val="500"/>
-              </a:spcBef>
-              <a:buFont typeface="Arial" panose="020B0604020202020204" pitchFamily="34" charset="0"/>
-              <a:buChar char="•"/>
-              <a:defRPr sz="2000" kern="1200">
-                <a:solidFill>
-                  <a:schemeClr val="tx1"/>
-                </a:solidFill>
-                <a:latin typeface="+mn-lt"/>
-                <a:ea typeface="+mn-ea"/>
-                <a:cs typeface="+mn-cs"/>
-              </a:defRPr>
-            </a:lvl3pPr>
-            <a:lvl4pPr marL="1600200" indent="-228600" algn="l" defTabSz="914400" rtl="0" eaLnBrk="1" latinLnBrk="0" hangingPunct="1">
-              <a:lnSpc>
-                <a:spcPct val="90000"/>
-              </a:lnSpc>
-              <a:spcBef>
-                <a:spcPts val="500"/>
-              </a:spcBef>
-              <a:buFont typeface="Arial" panose="020B0604020202020204" pitchFamily="34" charset="0"/>
-              <a:buChar char="•"/>
-              <a:defRPr sz="1800" kern="1200">
-                <a:solidFill>
-                  <a:schemeClr val="tx1"/>
-                </a:solidFill>
-                <a:latin typeface="+mn-lt"/>
-                <a:ea typeface="+mn-ea"/>
-                <a:cs typeface="+mn-cs"/>
-              </a:defRPr>
-            </a:lvl4pPr>
-            <a:lvl5pPr marL="2057400" indent="-228600" algn="l" defTabSz="914400" rtl="0" eaLnBrk="1" latinLnBrk="0" hangingPunct="1">
-              <a:lnSpc>
-                <a:spcPct val="90000"/>
-              </a:lnSpc>
-              <a:spcBef>
-                <a:spcPts val="500"/>
-              </a:spcBef>
-              <a:buFont typeface="Arial" panose="020B0604020202020204" pitchFamily="34" charset="0"/>
-              <a:buChar char="•"/>
-              <a:defRPr sz="1800" kern="1200">
-                <a:solidFill>
-                  <a:schemeClr val="tx1"/>
-                </a:solidFill>
-                <a:latin typeface="+mn-lt"/>
-                <a:ea typeface="+mn-ea"/>
-                <a:cs typeface="+mn-cs"/>
-              </a:defRPr>
-            </a:lvl5pPr>
-            <a:lvl6pPr marL="2514600" indent="-228600" algn="l" defTabSz="914400" rtl="0" eaLnBrk="1" latinLnBrk="0" hangingPunct="1">
-              <a:lnSpc>
-                <a:spcPct val="90000"/>
-              </a:lnSpc>
-              <a:spcBef>
-                <a:spcPts val="500"/>
-              </a:spcBef>
-              <a:buFont typeface="Arial" panose="020B0604020202020204" pitchFamily="34" charset="0"/>
-              <a:buChar char="•"/>
-              <a:defRPr sz="1800" kern="1200">
-                <a:solidFill>
-                  <a:schemeClr val="tx1"/>
-                </a:solidFill>
-                <a:latin typeface="+mn-lt"/>
-                <a:ea typeface="+mn-ea"/>
-                <a:cs typeface="+mn-cs"/>
-              </a:defRPr>
-            </a:lvl6pPr>
-            <a:lvl7pPr marL="2971800" indent="-228600" algn="l" defTabSz="914400" rtl="0" eaLnBrk="1" latinLnBrk="0" hangingPunct="1">
-              <a:lnSpc>
-                <a:spcPct val="90000"/>
-              </a:lnSpc>
-              <a:spcBef>
-                <a:spcPts val="500"/>
-              </a:spcBef>
-              <a:buFont typeface="Arial" panose="020B0604020202020204" pitchFamily="34" charset="0"/>
-              <a:buChar char="•"/>
-              <a:defRPr sz="1800" kern="1200">
-                <a:solidFill>
-                  <a:schemeClr val="tx1"/>
-                </a:solidFill>
-                <a:latin typeface="+mn-lt"/>
-                <a:ea typeface="+mn-ea"/>
-                <a:cs typeface="+mn-cs"/>
-              </a:defRPr>
-            </a:lvl7pPr>
-            <a:lvl8pPr marL="3429000" indent="-228600" algn="l" defTabSz="914400" rtl="0" eaLnBrk="1" latinLnBrk="0" hangingPunct="1">
-              <a:lnSpc>
-                <a:spcPct val="90000"/>
-              </a:lnSpc>
-              <a:spcBef>
-                <a:spcPts val="500"/>
-              </a:spcBef>
-              <a:buFont typeface="Arial" panose="020B0604020202020204" pitchFamily="34" charset="0"/>
-              <a:buChar char="•"/>
-              <a:defRPr sz="1800" kern="1200">
-                <a:solidFill>
-                  <a:schemeClr val="tx1"/>
-                </a:solidFill>
-                <a:latin typeface="+mn-lt"/>
-                <a:ea typeface="+mn-ea"/>
-                <a:cs typeface="+mn-cs"/>
-              </a:defRPr>
-            </a:lvl8pPr>
-            <a:lvl9pPr marL="3886200" indent="-228600" algn="l" defTabSz="914400" rtl="0" eaLnBrk="1" latinLnBrk="0" hangingPunct="1">
-              <a:lnSpc>
-                <a:spcPct val="90000"/>
-              </a:lnSpc>
-              <a:spcBef>
-                <a:spcPts val="500"/>
-              </a:spcBef>
-              <a:buFont typeface="Arial" panose="020B0604020202020204" pitchFamily="34" charset="0"/>
-              <a:buChar char="•"/>
-              <a:defRPr sz="1800" kern="1200">
-                <a:solidFill>
-                  <a:schemeClr val="tx1"/>
-                </a:solidFill>
-                <a:latin typeface="+mn-lt"/>
-                <a:ea typeface="+mn-ea"/>
-                <a:cs typeface="+mn-cs"/>
-              </a:defRPr>
-            </a:lvl9pPr>
-          </a:lstStyle>
-          <a:p>
-            <a:r>
-              <a:rPr lang="pt-BR" dirty="0"/>
-              <a:t>ANP_ANP: </a:t>
-            </a:r>
-          </a:p>
-          <a:p>
-            <a:pPr lvl="1"/>
-            <a:r>
-              <a:rPr lang="pt-BR" dirty="0"/>
-              <a:t>Origem na remessa de dados ANP </a:t>
-            </a:r>
-          </a:p>
-          <a:p>
-            <a:pPr lvl="1"/>
-            <a:r>
-              <a:rPr lang="pt-BR" dirty="0"/>
-              <a:t>Sem identificação do anos de tratamento</a:t>
-            </a:r>
-          </a:p>
-          <a:p>
-            <a:r>
-              <a:rPr lang="pt-BR" dirty="0"/>
-              <a:t>ANP_LATTES: </a:t>
-            </a:r>
-          </a:p>
-          <a:p>
-            <a:pPr lvl="1"/>
-            <a:r>
-              <a:rPr lang="pt-BR" dirty="0"/>
-              <a:t>Origem na tabela [FINANCIADORES-PROJETO] </a:t>
-            </a:r>
-          </a:p>
-          <a:p>
-            <a:pPr lvl="1"/>
-            <a:r>
-              <a:rPr lang="pt-BR" dirty="0"/>
-              <a:t>Identificação do anos de tratamento</a:t>
-            </a:r>
-          </a:p>
-          <a:p>
-            <a:r>
-              <a:rPr lang="pt-BR" dirty="0"/>
-              <a:t>PETRO_LAB: </a:t>
-            </a:r>
-          </a:p>
-          <a:p>
-            <a:pPr lvl="1"/>
-            <a:r>
-              <a:rPr lang="pt-BR" dirty="0"/>
-              <a:t>Origem no questionário </a:t>
-            </a:r>
-          </a:p>
-          <a:p>
-            <a:pPr lvl="1"/>
-            <a:r>
-              <a:rPr lang="pt-BR" dirty="0"/>
-              <a:t>Sem identificação do anos de tratamento</a:t>
-            </a:r>
-          </a:p>
-          <a:p>
-            <a:endParaRPr lang="pt-BR" dirty="0"/>
-          </a:p>
-        </p:txBody>
-      </p:sp>
-    </p:spTree>
-    <p:extLst>
-      <p:ext uri="{BB962C8B-B14F-4D97-AF65-F5344CB8AC3E}">
-        <p14:creationId xmlns:p14="http://schemas.microsoft.com/office/powerpoint/2010/main" val="2534646384"/>
-      </p:ext>
-    </p:extLst>
-  </p:cSld>
-  <p:clrMapOvr>
-    <a:overrideClrMapping bg1="dk1" tx1="lt1" bg2="dk2" tx2="lt2" accent1="accent1" accent2="accent2" accent3="accent3" accent4="accent4" accent5="accent5" accent6="accent6" hlink="hlink" folHlink="folHlink"/>
-  </p:clrMapOvr>
-</p:sld>
-</file>
-
-<file path=ppt/slides/slide3.xml><?xml version="1.0" encoding="utf-8"?>
-<p:sld xmlns:a="http://schemas.openxmlformats.org/drawingml/2006/main" xmlns:r="http://schemas.openxmlformats.org/officeDocument/2006/relationships" xmlns:p="http://schemas.openxmlformats.org/presentationml/2006/main">
-  <p:cSld>
-    <p:bg>
-      <p:bgPr>
-        <a:solidFill>
-          <a:srgbClr val="404040"/>
-        </a:solidFill>
-        <a:effectLst/>
-      </p:bgPr>
-    </p:bg>
-    <p:spTree>
-      <p:nvGrpSpPr>
-        <p:cNvPr id="1" name=""/>
-        <p:cNvGrpSpPr/>
-        <p:nvPr/>
-      </p:nvGrpSpPr>
-      <p:grpSpPr>
-        <a:xfrm>
-          <a:off x="0" y="0"/>
-          <a:ext cx="0" cy="0"/>
-          <a:chOff x="0" y="0"/>
-          <a:chExt cx="0" cy="0"/>
-        </a:xfrm>
-      </p:grpSpPr>
-      <p:sp>
-        <p:nvSpPr>
-          <p:cNvPr id="9" name="Rectangle 8">
-            <a:extLst>
-              <a:ext uri="{FF2B5EF4-FFF2-40B4-BE49-F238E27FC236}">
-                <a16:creationId xmlns:a16="http://schemas.microsoft.com/office/drawing/2014/main" id="{3B0DF90E-6BAD-4E82-8FDF-717C9A357378}"/>
-              </a:ext>
-              <a:ext uri="{C183D7F6-B498-43B3-948B-1728B52AA6E4}">
-                <adec:decorative xmlns:adec="http://schemas.microsoft.com/office/drawing/2017/decorative" val="1"/>
-              </a:ext>
-            </a:extLst>
-          </p:cNvPr>
-          <p:cNvSpPr>
-            <a:spLocks noGrp="1" noRot="1" noChangeAspect="1" noMove="1" noResize="1" noEditPoints="1" noAdjustHandles="1" noChangeArrowheads="1" noChangeShapeType="1" noTextEdit="1"/>
-          </p:cNvSpPr>
-          <p:nvPr>
-            <p:extLst>
-              <p:ext uri="{386F3935-93C4-4BCD-93E2-E3B085C9AB24}">
-                <p16:designElem xmlns:p16="http://schemas.microsoft.com/office/powerpoint/2015/main" val="1"/>
-              </p:ext>
-            </p:extLst>
-          </p:nvPr>
-        </p:nvSpPr>
-        <p:spPr>
-          <a:xfrm>
-            <a:off x="0" y="-3324"/>
-            <a:ext cx="12192000" cy="6861324"/>
-          </a:xfrm>
-          <a:prstGeom prst="rect">
-            <a:avLst/>
-          </a:prstGeom>
-          <a:solidFill>
-            <a:srgbClr val="404040"/>
-          </a:solidFill>
-          <a:ln>
-            <a:noFill/>
-          </a:ln>
-        </p:spPr>
-        <p:style>
-          <a:lnRef idx="2">
-            <a:schemeClr val="accent1">
-              <a:shade val="50000"/>
-            </a:schemeClr>
-          </a:lnRef>
-          <a:fillRef idx="1">
-            <a:schemeClr val="accent1"/>
-          </a:fillRef>
-          <a:effectRef idx="0">
-            <a:schemeClr val="accent1"/>
-          </a:effectRef>
-          <a:fontRef idx="minor">
-            <a:schemeClr val="lt1"/>
-          </a:fontRef>
-        </p:style>
-        <p:txBody>
-          <a:bodyPr rtlCol="0" anchor="ctr"/>
-          <a:lstStyle/>
-          <a:p>
-            <a:pPr algn="ctr"/>
-            <a:endParaRPr lang="en-US"/>
-          </a:p>
-        </p:txBody>
-      </p:sp>
-      <p:sp>
-        <p:nvSpPr>
-          <p:cNvPr id="11" name="Freeform 13">
-            <a:extLst>
-              <a:ext uri="{FF2B5EF4-FFF2-40B4-BE49-F238E27FC236}">
-                <a16:creationId xmlns:a16="http://schemas.microsoft.com/office/drawing/2014/main" id="{13DCC859-0434-4BB8-B6C5-09C88AE698FB}"/>
-              </a:ext>
-              <a:ext uri="{C183D7F6-B498-43B3-948B-1728B52AA6E4}">
-                <adec:decorative xmlns:adec="http://schemas.microsoft.com/office/drawing/2017/decorative" val="1"/>
-              </a:ext>
-            </a:extLst>
-          </p:cNvPr>
-          <p:cNvSpPr>
-            <a:spLocks noGrp="1" noRot="1" noChangeAspect="1" noMove="1" noResize="1" noEditPoints="1" noAdjustHandles="1" noChangeArrowheads="1" noChangeShapeType="1" noTextEdit="1"/>
-          </p:cNvSpPr>
-          <p:nvPr>
-            <p:extLst>
-              <p:ext uri="{386F3935-93C4-4BCD-93E2-E3B085C9AB24}">
-                <p16:designElem xmlns:p16="http://schemas.microsoft.com/office/powerpoint/2015/main" val="1"/>
-              </p:ext>
-            </p:extLst>
-          </p:nvPr>
-        </p:nvSpPr>
-        <p:spPr>
-          <a:xfrm>
-            <a:off x="0" y="0"/>
-            <a:ext cx="11786754" cy="6858000"/>
-          </a:xfrm>
-          <a:custGeom>
-            <a:avLst/>
-            <a:gdLst>
-              <a:gd name="connsiteX0" fmla="*/ 0 w 11786754"/>
-              <a:gd name="connsiteY0" fmla="*/ 0 h 6858000"/>
-              <a:gd name="connsiteX1" fmla="*/ 8610600 w 11786754"/>
-              <a:gd name="connsiteY1" fmla="*/ 0 h 6858000"/>
-              <a:gd name="connsiteX2" fmla="*/ 11786754 w 11786754"/>
-              <a:gd name="connsiteY2" fmla="*/ 6858000 h 6858000"/>
-              <a:gd name="connsiteX3" fmla="*/ 0 w 11786754"/>
-              <a:gd name="connsiteY3" fmla="*/ 6858000 h 6858000"/>
-            </a:gdLst>
-            <a:ahLst/>
-            <a:cxnLst>
-              <a:cxn ang="0">
-                <a:pos x="connsiteX0" y="connsiteY0"/>
-              </a:cxn>
-              <a:cxn ang="0">
-                <a:pos x="connsiteX1" y="connsiteY1"/>
-              </a:cxn>
-              <a:cxn ang="0">
-                <a:pos x="connsiteX2" y="connsiteY2"/>
-              </a:cxn>
-              <a:cxn ang="0">
-                <a:pos x="connsiteX3" y="connsiteY3"/>
-              </a:cxn>
-            </a:cxnLst>
-            <a:rect l="l" t="t" r="r" b="b"/>
-            <a:pathLst>
-              <a:path w="11786754" h="6858000">
-                <a:moveTo>
-                  <a:pt x="0" y="0"/>
-                </a:moveTo>
-                <a:lnTo>
-                  <a:pt x="8610600" y="0"/>
-                </a:lnTo>
-                <a:lnTo>
-                  <a:pt x="11786754" y="6858000"/>
-                </a:lnTo>
-                <a:lnTo>
-                  <a:pt x="0" y="6858000"/>
-                </a:lnTo>
-                <a:close/>
-              </a:path>
-            </a:pathLst>
-          </a:custGeom>
-          <a:solidFill>
-            <a:schemeClr val="bg1">
-              <a:alpha val="30000"/>
-            </a:schemeClr>
-          </a:solidFill>
-          <a:ln>
-            <a:noFill/>
-          </a:ln>
-        </p:spPr>
-        <p:style>
-          <a:lnRef idx="2">
-            <a:schemeClr val="accent1">
-              <a:shade val="50000"/>
-            </a:schemeClr>
-          </a:lnRef>
-          <a:fillRef idx="1">
-            <a:schemeClr val="accent1"/>
-          </a:fillRef>
-          <a:effectRef idx="0">
-            <a:schemeClr val="accent1"/>
-          </a:effectRef>
-          <a:fontRef idx="minor">
-            <a:schemeClr val="lt1"/>
-          </a:fontRef>
-        </p:style>
-        <p:txBody>
-          <a:bodyPr rtlCol="0" anchor="ctr"/>
-          <a:lstStyle/>
-          <a:p>
-            <a:pPr algn="ctr"/>
-            <a:endParaRPr lang="en-US"/>
-          </a:p>
-        </p:txBody>
-      </p:sp>
-      <p:sp>
-        <p:nvSpPr>
-          <p:cNvPr id="13" name="Freeform 11">
-            <a:extLst>
-              <a:ext uri="{FF2B5EF4-FFF2-40B4-BE49-F238E27FC236}">
-                <a16:creationId xmlns:a16="http://schemas.microsoft.com/office/drawing/2014/main" id="{08E7ACFB-B791-4C23-8B17-013FEDC09A89}"/>
-              </a:ext>
-              <a:ext uri="{C183D7F6-B498-43B3-948B-1728B52AA6E4}">
-                <adec:decorative xmlns:adec="http://schemas.microsoft.com/office/drawing/2017/decorative" val="1"/>
-              </a:ext>
-            </a:extLst>
-          </p:cNvPr>
-          <p:cNvSpPr>
-            <a:spLocks noGrp="1" noRot="1" noChangeAspect="1" noMove="1" noResize="1" noEditPoints="1" noAdjustHandles="1" noChangeArrowheads="1" noChangeShapeType="1" noTextEdit="1"/>
-          </p:cNvSpPr>
-          <p:nvPr>
-            <p:extLst>
-              <p:ext uri="{386F3935-93C4-4BCD-93E2-E3B085C9AB24}">
-                <p16:designElem xmlns:p16="http://schemas.microsoft.com/office/powerpoint/2015/main" val="1"/>
-              </p:ext>
-            </p:extLst>
-          </p:nvPr>
-        </p:nvSpPr>
-        <p:spPr>
-          <a:xfrm>
-            <a:off x="0" y="0"/>
-            <a:ext cx="3581400" cy="6858000"/>
-          </a:xfrm>
-          <a:custGeom>
-            <a:avLst/>
-            <a:gdLst>
-              <a:gd name="connsiteX0" fmla="*/ 0 w 3581400"/>
-              <a:gd name="connsiteY0" fmla="*/ 0 h 6858000"/>
-              <a:gd name="connsiteX1" fmla="*/ 405246 w 3581400"/>
-              <a:gd name="connsiteY1" fmla="*/ 0 h 6858000"/>
-              <a:gd name="connsiteX2" fmla="*/ 3581400 w 3581400"/>
-              <a:gd name="connsiteY2" fmla="*/ 6858000 h 6858000"/>
-              <a:gd name="connsiteX3" fmla="*/ 0 w 3581400"/>
-              <a:gd name="connsiteY3" fmla="*/ 6858000 h 6858000"/>
-            </a:gdLst>
-            <a:ahLst/>
-            <a:cxnLst>
-              <a:cxn ang="0">
-                <a:pos x="connsiteX0" y="connsiteY0"/>
-              </a:cxn>
-              <a:cxn ang="0">
-                <a:pos x="connsiteX1" y="connsiteY1"/>
-              </a:cxn>
-              <a:cxn ang="0">
-                <a:pos x="connsiteX2" y="connsiteY2"/>
-              </a:cxn>
-              <a:cxn ang="0">
-                <a:pos x="connsiteX3" y="connsiteY3"/>
-              </a:cxn>
-            </a:cxnLst>
-            <a:rect l="l" t="t" r="r" b="b"/>
-            <a:pathLst>
-              <a:path w="3581400" h="6858000">
-                <a:moveTo>
-                  <a:pt x="0" y="0"/>
-                </a:moveTo>
-                <a:lnTo>
-                  <a:pt x="405246" y="0"/>
-                </a:lnTo>
-                <a:lnTo>
-                  <a:pt x="3581400" y="6858000"/>
-                </a:lnTo>
-                <a:lnTo>
-                  <a:pt x="0" y="6858000"/>
-                </a:lnTo>
-                <a:close/>
-              </a:path>
-            </a:pathLst>
-          </a:custGeom>
-          <a:solidFill>
-            <a:schemeClr val="bg1">
-              <a:alpha val="30000"/>
-            </a:schemeClr>
-          </a:solidFill>
-          <a:ln>
-            <a:noFill/>
-          </a:ln>
-        </p:spPr>
-        <p:style>
-          <a:lnRef idx="2">
-            <a:schemeClr val="accent1">
-              <a:shade val="50000"/>
-            </a:schemeClr>
-          </a:lnRef>
-          <a:fillRef idx="1">
-            <a:schemeClr val="accent1"/>
-          </a:fillRef>
-          <a:effectRef idx="0">
-            <a:schemeClr val="accent1"/>
-          </a:effectRef>
-          <a:fontRef idx="minor">
-            <a:schemeClr val="lt1"/>
-          </a:fontRef>
-        </p:style>
-        <p:txBody>
-          <a:bodyPr wrap="square" rtlCol="0" anchor="ctr">
-            <a:noAutofit/>
-          </a:bodyPr>
-          <a:lstStyle/>
-          <a:p>
-            <a:pPr algn="ctr"/>
-            <a:endParaRPr lang="en-US"/>
-          </a:p>
-        </p:txBody>
-      </p:sp>
-      <p:sp>
-        <p:nvSpPr>
-          <p:cNvPr id="5" name="Espaço Reservado para Conteúdo 4">
-            <a:extLst>
-              <a:ext uri="{FF2B5EF4-FFF2-40B4-BE49-F238E27FC236}">
-                <a16:creationId xmlns:a16="http://schemas.microsoft.com/office/drawing/2014/main" id="{3AA23E56-D915-4DBB-93D9-1707A38FFABB}"/>
-              </a:ext>
-            </a:extLst>
-          </p:cNvPr>
-          <p:cNvSpPr>
-            <a:spLocks noGrp="1"/>
-          </p:cNvSpPr>
-          <p:nvPr>
-            <p:ph idx="1"/>
-          </p:nvPr>
-        </p:nvSpPr>
-        <p:spPr>
-          <a:xfrm>
-            <a:off x="635576" y="1949913"/>
-            <a:ext cx="11020805" cy="4424254"/>
-          </a:xfrm>
-        </p:spPr>
-        <p:txBody>
-          <a:bodyPr>
-            <a:normAutofit fontScale="85000" lnSpcReduction="20000"/>
-          </a:bodyPr>
-          <a:lstStyle/>
-          <a:p>
-            <a:r>
-              <a:rPr lang="pt-BR" i="1" dirty="0" err="1"/>
-              <a:t>Propensity</a:t>
-            </a:r>
-            <a:r>
-              <a:rPr lang="pt-BR" i="1" dirty="0"/>
-              <a:t> Score </a:t>
-            </a:r>
-            <a:r>
-              <a:rPr lang="pt-BR" i="1" dirty="0" err="1"/>
-              <a:t>Matching</a:t>
-            </a:r>
-            <a:r>
-              <a:rPr lang="pt-BR" i="1" dirty="0"/>
-              <a:t> </a:t>
-            </a:r>
-            <a:r>
-              <a:rPr lang="pt-BR" dirty="0"/>
-              <a:t>(</a:t>
-            </a:r>
-            <a:r>
-              <a:rPr lang="pt-BR" i="1" dirty="0" err="1"/>
-              <a:t>Panel</a:t>
-            </a:r>
-            <a:r>
-              <a:rPr lang="pt-BR" i="1" dirty="0"/>
-              <a:t> Data: TABELA-DINAMICAZ</a:t>
-            </a:r>
-            <a:r>
-              <a:rPr lang="pt-BR" dirty="0"/>
-              <a:t>):</a:t>
-            </a:r>
-          </a:p>
-          <a:p>
-            <a:pPr lvl="1"/>
-            <a:r>
-              <a:rPr lang="pt-BR" dirty="0"/>
-              <a:t>PETRO_PETRO </a:t>
-            </a:r>
-          </a:p>
-          <a:p>
-            <a:pPr lvl="1"/>
-            <a:r>
-              <a:rPr lang="pt-BR" dirty="0"/>
-              <a:t>PETRO_LATTES </a:t>
-            </a:r>
-          </a:p>
-          <a:p>
-            <a:pPr lvl="1"/>
-            <a:r>
-              <a:rPr lang="pt-BR" dirty="0"/>
-              <a:t>CENPES_LATTES</a:t>
-            </a:r>
-          </a:p>
-          <a:p>
-            <a:pPr lvl="1"/>
-            <a:r>
-              <a:rPr lang="pt-BR" dirty="0"/>
-              <a:t>PETRO: PETRO_PETRO+PETRO_LATTES+CENPES_LATTES</a:t>
-            </a:r>
-          </a:p>
-          <a:p>
-            <a:r>
-              <a:rPr lang="pt-BR" dirty="0"/>
-              <a:t>Variáveis de Impacto: </a:t>
-            </a:r>
-          </a:p>
-          <a:p>
-            <a:pPr lvl="1"/>
-            <a:r>
-              <a:rPr lang="pt-BR" dirty="0"/>
-              <a:t>Total de Artigos</a:t>
-            </a:r>
-          </a:p>
-          <a:p>
-            <a:pPr lvl="1"/>
-            <a:r>
-              <a:rPr lang="pt-BR" dirty="0"/>
-              <a:t>Total de Livros + Capítulo de Livros</a:t>
-            </a:r>
-          </a:p>
-          <a:p>
-            <a:pPr lvl="1"/>
-            <a:r>
-              <a:rPr lang="pt-BR" dirty="0"/>
-              <a:t>Indicador Sintético: Participação Congresso, Bancas, Cursos extensão, Seminário, Tradução</a:t>
-            </a:r>
-          </a:p>
-          <a:p>
-            <a:r>
-              <a:rPr lang="pt-BR" dirty="0"/>
-              <a:t>Variáveis Controle: Idade acadêmica, Local de Nascimento (Brasil/Continente), Área de Conhecimento (</a:t>
-            </a:r>
-            <a:r>
-              <a:rPr lang="pt-BR" dirty="0" err="1"/>
-              <a:t>Eng</a:t>
-            </a:r>
-            <a:r>
-              <a:rPr lang="pt-BR" dirty="0"/>
-              <a:t>, Exatas, Saúde...), Nota Capes (Mestrado/Doutorado), </a:t>
-            </a:r>
-          </a:p>
-          <a:p>
-            <a:r>
-              <a:rPr lang="pt-BR" dirty="0"/>
-              <a:t>Número de Coautores, Nº Locais Trabalhados, Sigla Local de Formação, Tipo Vinculo Empregatício (Livre, CLT, Colaborador, Dedicação Exclusiva), Gênero, Ocupa cardos de Direção.</a:t>
-            </a:r>
-          </a:p>
-        </p:txBody>
-      </p:sp>
-      <p:sp>
-        <p:nvSpPr>
-          <p:cNvPr id="7" name="Título 6">
-            <a:extLst>
-              <a:ext uri="{FF2B5EF4-FFF2-40B4-BE49-F238E27FC236}">
-                <a16:creationId xmlns:a16="http://schemas.microsoft.com/office/drawing/2014/main" id="{9185C0B6-0A3F-44DF-AAE8-93CE431DD0F2}"/>
-              </a:ext>
-            </a:extLst>
-          </p:cNvPr>
-          <p:cNvSpPr>
-            <a:spLocks noGrp="1"/>
-          </p:cNvSpPr>
-          <p:nvPr>
-            <p:ph type="title"/>
-          </p:nvPr>
-        </p:nvSpPr>
-        <p:spPr/>
-        <p:txBody>
-          <a:bodyPr>
-            <a:normAutofit/>
-          </a:bodyPr>
-          <a:lstStyle/>
-          <a:p>
-            <a:r>
-              <a:rPr lang="pt-BR" sz="4200" dirty="0"/>
-              <a:t>Relatório 1: Impacto da Petrobrás sobre a Produtividade Acadêmica dos Pesquisadores</a:t>
-            </a:r>
-          </a:p>
-        </p:txBody>
-      </p:sp>
-    </p:spTree>
-    <p:extLst>
-      <p:ext uri="{BB962C8B-B14F-4D97-AF65-F5344CB8AC3E}">
-        <p14:creationId xmlns:p14="http://schemas.microsoft.com/office/powerpoint/2010/main" val="2497686905"/>
-      </p:ext>
-    </p:extLst>
-  </p:cSld>
-  <p:clrMapOvr>
-    <a:overrideClrMapping bg1="dk1" tx1="lt1" bg2="dk2" tx2="lt2" accent1="accent1" accent2="accent2" accent3="accent3" accent4="accent4" accent5="accent5" accent6="accent6" hlink="hlink" folHlink="folHlink"/>
-  </p:clrMapOvr>
-</p:sld>
-</file>
-
-<file path=ppt/slides/slide4.xml><?xml version="1.0" encoding="utf-8"?>
-<p:sld xmlns:a="http://schemas.openxmlformats.org/drawingml/2006/main" xmlns:r="http://schemas.openxmlformats.org/officeDocument/2006/relationships" xmlns:p="http://schemas.openxmlformats.org/presentationml/2006/main">
-  <p:cSld>
-    <p:bg>
-      <p:bgPr>
-        <a:solidFill>
-          <a:srgbClr val="404040"/>
-        </a:solidFill>
-        <a:effectLst/>
-      </p:bgPr>
-    </p:bg>
-    <p:spTree>
-      <p:nvGrpSpPr>
-        <p:cNvPr id="1" name=""/>
-        <p:cNvGrpSpPr/>
-        <p:nvPr/>
-      </p:nvGrpSpPr>
-      <p:grpSpPr>
-        <a:xfrm>
-          <a:off x="0" y="0"/>
-          <a:ext cx="0" cy="0"/>
-          <a:chOff x="0" y="0"/>
-          <a:chExt cx="0" cy="0"/>
-        </a:xfrm>
-      </p:grpSpPr>
-      <p:sp>
-        <p:nvSpPr>
-          <p:cNvPr id="9" name="Rectangle 8">
-            <a:extLst>
-              <a:ext uri="{FF2B5EF4-FFF2-40B4-BE49-F238E27FC236}">
-                <a16:creationId xmlns:a16="http://schemas.microsoft.com/office/drawing/2014/main" id="{3B0DF90E-6BAD-4E82-8FDF-717C9A357378}"/>
-              </a:ext>
-              <a:ext uri="{C183D7F6-B498-43B3-948B-1728B52AA6E4}">
-                <adec:decorative xmlns:adec="http://schemas.microsoft.com/office/drawing/2017/decorative" val="1"/>
-              </a:ext>
-            </a:extLst>
-          </p:cNvPr>
-          <p:cNvSpPr>
-            <a:spLocks noGrp="1" noRot="1" noChangeAspect="1" noMove="1" noResize="1" noEditPoints="1" noAdjustHandles="1" noChangeArrowheads="1" noChangeShapeType="1" noTextEdit="1"/>
-          </p:cNvSpPr>
-          <p:nvPr>
-            <p:extLst>
-              <p:ext uri="{386F3935-93C4-4BCD-93E2-E3B085C9AB24}">
-                <p16:designElem xmlns:p16="http://schemas.microsoft.com/office/powerpoint/2015/main" val="1"/>
-              </p:ext>
-            </p:extLst>
-          </p:nvPr>
-        </p:nvSpPr>
-        <p:spPr>
-          <a:xfrm>
-            <a:off x="0" y="-3324"/>
-            <a:ext cx="12192000" cy="6861324"/>
-          </a:xfrm>
-          <a:prstGeom prst="rect">
-            <a:avLst/>
-          </a:prstGeom>
-          <a:solidFill>
-            <a:srgbClr val="404040"/>
-          </a:solidFill>
-          <a:ln>
-            <a:noFill/>
-          </a:ln>
-        </p:spPr>
-        <p:style>
-          <a:lnRef idx="2">
-            <a:schemeClr val="accent1">
-              <a:shade val="50000"/>
-            </a:schemeClr>
-          </a:lnRef>
-          <a:fillRef idx="1">
-            <a:schemeClr val="accent1"/>
-          </a:fillRef>
-          <a:effectRef idx="0">
-            <a:schemeClr val="accent1"/>
-          </a:effectRef>
-          <a:fontRef idx="minor">
-            <a:schemeClr val="lt1"/>
-          </a:fontRef>
-        </p:style>
-        <p:txBody>
-          <a:bodyPr rtlCol="0" anchor="ctr"/>
-          <a:lstStyle/>
-          <a:p>
-            <a:pPr algn="ctr"/>
-            <a:endParaRPr lang="en-US"/>
-          </a:p>
-        </p:txBody>
-      </p:sp>
-      <p:sp>
-        <p:nvSpPr>
-          <p:cNvPr id="11" name="Freeform 13">
-            <a:extLst>
-              <a:ext uri="{FF2B5EF4-FFF2-40B4-BE49-F238E27FC236}">
-                <a16:creationId xmlns:a16="http://schemas.microsoft.com/office/drawing/2014/main" id="{13DCC859-0434-4BB8-B6C5-09C88AE698FB}"/>
-              </a:ext>
-              <a:ext uri="{C183D7F6-B498-43B3-948B-1728B52AA6E4}">
-                <adec:decorative xmlns:adec="http://schemas.microsoft.com/office/drawing/2017/decorative" val="1"/>
-              </a:ext>
-            </a:extLst>
-          </p:cNvPr>
-          <p:cNvSpPr>
-            <a:spLocks noGrp="1" noRot="1" noChangeAspect="1" noMove="1" noResize="1" noEditPoints="1" noAdjustHandles="1" noChangeArrowheads="1" noChangeShapeType="1" noTextEdit="1"/>
-          </p:cNvSpPr>
-          <p:nvPr>
-            <p:extLst>
-              <p:ext uri="{386F3935-93C4-4BCD-93E2-E3B085C9AB24}">
-                <p16:designElem xmlns:p16="http://schemas.microsoft.com/office/powerpoint/2015/main" val="1"/>
-              </p:ext>
-            </p:extLst>
-          </p:nvPr>
-        </p:nvSpPr>
-        <p:spPr>
-          <a:xfrm>
-            <a:off x="0" y="0"/>
-            <a:ext cx="11786754" cy="6858000"/>
-          </a:xfrm>
-          <a:custGeom>
-            <a:avLst/>
-            <a:gdLst>
-              <a:gd name="connsiteX0" fmla="*/ 0 w 11786754"/>
-              <a:gd name="connsiteY0" fmla="*/ 0 h 6858000"/>
-              <a:gd name="connsiteX1" fmla="*/ 8610600 w 11786754"/>
-              <a:gd name="connsiteY1" fmla="*/ 0 h 6858000"/>
-              <a:gd name="connsiteX2" fmla="*/ 11786754 w 11786754"/>
-              <a:gd name="connsiteY2" fmla="*/ 6858000 h 6858000"/>
-              <a:gd name="connsiteX3" fmla="*/ 0 w 11786754"/>
-              <a:gd name="connsiteY3" fmla="*/ 6858000 h 6858000"/>
-            </a:gdLst>
-            <a:ahLst/>
-            <a:cxnLst>
-              <a:cxn ang="0">
-                <a:pos x="connsiteX0" y="connsiteY0"/>
-              </a:cxn>
-              <a:cxn ang="0">
-                <a:pos x="connsiteX1" y="connsiteY1"/>
-              </a:cxn>
-              <a:cxn ang="0">
-                <a:pos x="connsiteX2" y="connsiteY2"/>
-              </a:cxn>
-              <a:cxn ang="0">
-                <a:pos x="connsiteX3" y="connsiteY3"/>
-              </a:cxn>
-            </a:cxnLst>
-            <a:rect l="l" t="t" r="r" b="b"/>
-            <a:pathLst>
-              <a:path w="11786754" h="6858000">
-                <a:moveTo>
-                  <a:pt x="0" y="0"/>
-                </a:moveTo>
-                <a:lnTo>
-                  <a:pt x="8610600" y="0"/>
-                </a:lnTo>
-                <a:lnTo>
-                  <a:pt x="11786754" y="6858000"/>
-                </a:lnTo>
-                <a:lnTo>
-                  <a:pt x="0" y="6858000"/>
-                </a:lnTo>
-                <a:close/>
-              </a:path>
-            </a:pathLst>
-          </a:custGeom>
-          <a:solidFill>
-            <a:schemeClr val="bg1">
-              <a:alpha val="30000"/>
-            </a:schemeClr>
-          </a:solidFill>
-          <a:ln>
-            <a:noFill/>
-          </a:ln>
-        </p:spPr>
-        <p:style>
-          <a:lnRef idx="2">
-            <a:schemeClr val="accent1">
-              <a:shade val="50000"/>
-            </a:schemeClr>
-          </a:lnRef>
-          <a:fillRef idx="1">
-            <a:schemeClr val="accent1"/>
-          </a:fillRef>
-          <a:effectRef idx="0">
-            <a:schemeClr val="accent1"/>
-          </a:effectRef>
-          <a:fontRef idx="minor">
-            <a:schemeClr val="lt1"/>
-          </a:fontRef>
-        </p:style>
-        <p:txBody>
-          <a:bodyPr rtlCol="0" anchor="ctr"/>
-          <a:lstStyle/>
-          <a:p>
-            <a:pPr algn="ctr"/>
-            <a:endParaRPr lang="en-US"/>
-          </a:p>
-        </p:txBody>
-      </p:sp>
-      <p:sp>
-        <p:nvSpPr>
-          <p:cNvPr id="13" name="Freeform 11">
-            <a:extLst>
-              <a:ext uri="{FF2B5EF4-FFF2-40B4-BE49-F238E27FC236}">
-                <a16:creationId xmlns:a16="http://schemas.microsoft.com/office/drawing/2014/main" id="{08E7ACFB-B791-4C23-8B17-013FEDC09A89}"/>
-              </a:ext>
-              <a:ext uri="{C183D7F6-B498-43B3-948B-1728B52AA6E4}">
-                <adec:decorative xmlns:adec="http://schemas.microsoft.com/office/drawing/2017/decorative" val="1"/>
-              </a:ext>
-            </a:extLst>
-          </p:cNvPr>
-          <p:cNvSpPr>
-            <a:spLocks noGrp="1" noRot="1" noChangeAspect="1" noMove="1" noResize="1" noEditPoints="1" noAdjustHandles="1" noChangeArrowheads="1" noChangeShapeType="1" noTextEdit="1"/>
-          </p:cNvSpPr>
-          <p:nvPr>
-            <p:extLst>
-              <p:ext uri="{386F3935-93C4-4BCD-93E2-E3B085C9AB24}">
-                <p16:designElem xmlns:p16="http://schemas.microsoft.com/office/powerpoint/2015/main" val="1"/>
-              </p:ext>
-            </p:extLst>
-          </p:nvPr>
-        </p:nvSpPr>
-        <p:spPr>
-          <a:xfrm>
-            <a:off x="0" y="0"/>
-            <a:ext cx="3581400" cy="6858000"/>
-          </a:xfrm>
-          <a:custGeom>
-            <a:avLst/>
-            <a:gdLst>
-              <a:gd name="connsiteX0" fmla="*/ 0 w 3581400"/>
-              <a:gd name="connsiteY0" fmla="*/ 0 h 6858000"/>
-              <a:gd name="connsiteX1" fmla="*/ 405246 w 3581400"/>
-              <a:gd name="connsiteY1" fmla="*/ 0 h 6858000"/>
-              <a:gd name="connsiteX2" fmla="*/ 3581400 w 3581400"/>
-              <a:gd name="connsiteY2" fmla="*/ 6858000 h 6858000"/>
-              <a:gd name="connsiteX3" fmla="*/ 0 w 3581400"/>
-              <a:gd name="connsiteY3" fmla="*/ 6858000 h 6858000"/>
-            </a:gdLst>
-            <a:ahLst/>
-            <a:cxnLst>
-              <a:cxn ang="0">
-                <a:pos x="connsiteX0" y="connsiteY0"/>
-              </a:cxn>
-              <a:cxn ang="0">
-                <a:pos x="connsiteX1" y="connsiteY1"/>
-              </a:cxn>
-              <a:cxn ang="0">
-                <a:pos x="connsiteX2" y="connsiteY2"/>
-              </a:cxn>
-              <a:cxn ang="0">
-                <a:pos x="connsiteX3" y="connsiteY3"/>
-              </a:cxn>
-            </a:cxnLst>
-            <a:rect l="l" t="t" r="r" b="b"/>
-            <a:pathLst>
-              <a:path w="3581400" h="6858000">
-                <a:moveTo>
-                  <a:pt x="0" y="0"/>
-                </a:moveTo>
-                <a:lnTo>
-                  <a:pt x="405246" y="0"/>
-                </a:lnTo>
-                <a:lnTo>
-                  <a:pt x="3581400" y="6858000"/>
-                </a:lnTo>
-                <a:lnTo>
-                  <a:pt x="0" y="6858000"/>
-                </a:lnTo>
-                <a:close/>
-              </a:path>
-            </a:pathLst>
-          </a:custGeom>
-          <a:solidFill>
-            <a:schemeClr val="bg1">
-              <a:alpha val="30000"/>
-            </a:schemeClr>
-          </a:solidFill>
-          <a:ln>
-            <a:noFill/>
-          </a:ln>
-        </p:spPr>
-        <p:style>
-          <a:lnRef idx="2">
-            <a:schemeClr val="accent1">
-              <a:shade val="50000"/>
-            </a:schemeClr>
-          </a:lnRef>
-          <a:fillRef idx="1">
-            <a:schemeClr val="accent1"/>
-          </a:fillRef>
-          <a:effectRef idx="0">
-            <a:schemeClr val="accent1"/>
-          </a:effectRef>
-          <a:fontRef idx="minor">
-            <a:schemeClr val="lt1"/>
-          </a:fontRef>
-        </p:style>
-        <p:txBody>
-          <a:bodyPr wrap="square" rtlCol="0" anchor="ctr">
-            <a:noAutofit/>
-          </a:bodyPr>
-          <a:lstStyle/>
-          <a:p>
-            <a:pPr algn="ctr"/>
-            <a:endParaRPr lang="en-US"/>
-          </a:p>
-        </p:txBody>
-      </p:sp>
-      <p:sp>
-        <p:nvSpPr>
-          <p:cNvPr id="5" name="Espaço Reservado para Conteúdo 4">
-            <a:extLst>
-              <a:ext uri="{FF2B5EF4-FFF2-40B4-BE49-F238E27FC236}">
-                <a16:creationId xmlns:a16="http://schemas.microsoft.com/office/drawing/2014/main" id="{3AA23E56-D915-4DBB-93D9-1707A38FFABB}"/>
-              </a:ext>
-            </a:extLst>
-          </p:cNvPr>
-          <p:cNvSpPr>
-            <a:spLocks noGrp="1"/>
-          </p:cNvSpPr>
-          <p:nvPr>
-            <p:ph idx="1"/>
-          </p:nvPr>
-        </p:nvSpPr>
-        <p:spPr>
-          <a:xfrm>
-            <a:off x="635576" y="1949913"/>
-            <a:ext cx="10976415" cy="4468642"/>
-          </a:xfrm>
-        </p:spPr>
-        <p:txBody>
-          <a:bodyPr>
-            <a:normAutofit fontScale="85000" lnSpcReduction="20000"/>
-          </a:bodyPr>
-          <a:lstStyle/>
-          <a:p>
-            <a:r>
-              <a:rPr lang="pt-BR" i="1" dirty="0" err="1"/>
-              <a:t>Propensity</a:t>
-            </a:r>
-            <a:r>
-              <a:rPr lang="pt-BR" i="1" dirty="0"/>
-              <a:t> Score </a:t>
-            </a:r>
-            <a:r>
-              <a:rPr lang="pt-BR" i="1" dirty="0" err="1"/>
-              <a:t>Matching</a:t>
-            </a:r>
-            <a:r>
-              <a:rPr lang="pt-BR" i="1" dirty="0"/>
-              <a:t> </a:t>
-            </a:r>
-            <a:r>
-              <a:rPr lang="pt-BR" dirty="0"/>
-              <a:t>com Tratamentos (</a:t>
-            </a:r>
-            <a:r>
-              <a:rPr lang="pt-BR" i="1" dirty="0"/>
-              <a:t>Cross-</a:t>
-            </a:r>
-            <a:r>
-              <a:rPr lang="pt-BR" i="1" dirty="0" err="1"/>
-              <a:t>section</a:t>
-            </a:r>
-            <a:r>
-              <a:rPr lang="pt-BR" i="1" dirty="0"/>
-              <a:t> </a:t>
-            </a:r>
-            <a:r>
-              <a:rPr lang="pt-BR" dirty="0"/>
-              <a:t>DADOS-ESTATICOS):</a:t>
-            </a:r>
-          </a:p>
-          <a:p>
-            <a:pPr lvl="1"/>
-            <a:r>
-              <a:rPr lang="pt-BR" dirty="0"/>
-              <a:t>ANP_LATTES  </a:t>
-            </a:r>
-          </a:p>
-          <a:p>
-            <a:pPr lvl="1"/>
-            <a:r>
-              <a:rPr lang="pt-BR" dirty="0"/>
-              <a:t>ANP_ANP</a:t>
-            </a:r>
-          </a:p>
-          <a:p>
-            <a:pPr lvl="1"/>
-            <a:r>
-              <a:rPr lang="pt-BR" dirty="0"/>
-              <a:t>PETRO: PETRO_PETRO+PETRO_LATTES+CENPES_LATTES</a:t>
-            </a:r>
-          </a:p>
-          <a:p>
-            <a:r>
-              <a:rPr lang="pt-BR" dirty="0"/>
-              <a:t>Variáveis de Impacto: </a:t>
-            </a:r>
-          </a:p>
-          <a:p>
-            <a:pPr lvl="1"/>
-            <a:r>
-              <a:rPr lang="pt-BR" dirty="0"/>
-              <a:t>Total de Artigos por </a:t>
-            </a:r>
-            <a:r>
-              <a:rPr lang="pt-BR" dirty="0" err="1"/>
-              <a:t>Qualis</a:t>
-            </a:r>
-            <a:r>
-              <a:rPr lang="pt-BR" dirty="0"/>
-              <a:t>: A1, A2, B1, B2, ...,C</a:t>
-            </a:r>
-          </a:p>
-          <a:p>
-            <a:pPr lvl="1"/>
-            <a:r>
-              <a:rPr lang="pt-BR" dirty="0"/>
-              <a:t>Total de Artigos por Grande Área: Engenharias, Ciências Exatas e da Terra, Biológicas</a:t>
-            </a:r>
-          </a:p>
-          <a:p>
-            <a:pPr lvl="1"/>
-            <a:r>
-              <a:rPr lang="pt-BR" dirty="0"/>
-              <a:t>Total de Artigos por </a:t>
-            </a:r>
-            <a:r>
-              <a:rPr lang="pt-BR" dirty="0" err="1"/>
-              <a:t>Qualis</a:t>
-            </a:r>
-            <a:r>
-              <a:rPr lang="pt-BR" dirty="0"/>
-              <a:t> e Grande Área</a:t>
-            </a:r>
-          </a:p>
-          <a:p>
-            <a:pPr lvl="1"/>
-            <a:endParaRPr lang="pt-BR" dirty="0"/>
-          </a:p>
-          <a:p>
-            <a:r>
-              <a:rPr lang="pt-BR" dirty="0"/>
-              <a:t>Variáveis Controle: Idade acadêmica, Local de Nascimento (Brasil/Continente), Área de Conhecimento (</a:t>
-            </a:r>
-            <a:r>
-              <a:rPr lang="pt-BR" dirty="0" err="1"/>
-              <a:t>Eng</a:t>
-            </a:r>
-            <a:r>
-              <a:rPr lang="pt-BR" dirty="0"/>
-              <a:t>, Exatas, Saúde...), Nota Capes (Mestrado/Doutorado), </a:t>
-            </a:r>
-          </a:p>
-          <a:p>
-            <a:r>
-              <a:rPr lang="pt-BR" dirty="0"/>
-              <a:t>Número de Coautores, Nº Locais Trabalhados, Sigla Local de Formação, Tipo Vinculo Empregatício (Livre, CLT, Colaborador, Dedicação Exclusiva), Gênero, Ocupa cardos de Direção (Binário).</a:t>
-            </a:r>
-          </a:p>
-          <a:p>
-            <a:endParaRPr lang="pt-BR" dirty="0"/>
-          </a:p>
-          <a:p>
-            <a:endParaRPr lang="pt-BR" dirty="0"/>
-          </a:p>
-        </p:txBody>
-      </p:sp>
-      <p:sp>
-        <p:nvSpPr>
-          <p:cNvPr id="7" name="Título 6">
-            <a:extLst>
-              <a:ext uri="{FF2B5EF4-FFF2-40B4-BE49-F238E27FC236}">
-                <a16:creationId xmlns:a16="http://schemas.microsoft.com/office/drawing/2014/main" id="{9185C0B6-0A3F-44DF-AAE8-93CE431DD0F2}"/>
-              </a:ext>
-            </a:extLst>
-          </p:cNvPr>
-          <p:cNvSpPr>
-            <a:spLocks noGrp="1"/>
-          </p:cNvSpPr>
-          <p:nvPr>
-            <p:ph type="title"/>
-          </p:nvPr>
-        </p:nvSpPr>
-        <p:spPr/>
-        <p:txBody>
-          <a:bodyPr>
-            <a:normAutofit/>
-          </a:bodyPr>
-          <a:lstStyle/>
-          <a:p>
-            <a:r>
-              <a:rPr lang="pt-BR" sz="4200" dirty="0"/>
-              <a:t>Relatório 2: Impacto da ANP sobre a Produtividade Acadêmica dos Pesquisadores</a:t>
-            </a:r>
-          </a:p>
-        </p:txBody>
-      </p:sp>
-    </p:spTree>
-    <p:extLst>
-      <p:ext uri="{BB962C8B-B14F-4D97-AF65-F5344CB8AC3E}">
-        <p14:creationId xmlns:p14="http://schemas.microsoft.com/office/powerpoint/2010/main" val="352862096"/>
-      </p:ext>
-    </p:extLst>
-  </p:cSld>
-  <p:clrMapOvr>
-    <a:overrideClrMapping bg1="dk1" tx1="lt1" bg2="dk2" tx2="lt2" accent1="accent1" accent2="accent2" accent3="accent3" accent4="accent4" accent5="accent5" accent6="accent6" hlink="hlink" folHlink="folHlink"/>
-  </p:clrMapOvr>
-</p:sld>
-</file>
-
-<file path=ppt/slides/slide5.xml><?xml version="1.0" encoding="utf-8"?>
-<p:sld xmlns:a="http://schemas.openxmlformats.org/drawingml/2006/main" xmlns:r="http://schemas.openxmlformats.org/officeDocument/2006/relationships" xmlns:p="http://schemas.openxmlformats.org/presentationml/2006/main">
-  <p:cSld>
-    <p:bg>
-      <p:bgPr>
-        <a:solidFill>
-          <a:srgbClr val="404040"/>
-        </a:solidFill>
-        <a:effectLst/>
-      </p:bgPr>
-    </p:bg>
-    <p:spTree>
-      <p:nvGrpSpPr>
-        <p:cNvPr id="1" name=""/>
-        <p:cNvGrpSpPr/>
-        <p:nvPr/>
-      </p:nvGrpSpPr>
-      <p:grpSpPr>
-        <a:xfrm>
-          <a:off x="0" y="0"/>
-          <a:ext cx="0" cy="0"/>
-          <a:chOff x="0" y="0"/>
-          <a:chExt cx="0" cy="0"/>
-        </a:xfrm>
-      </p:grpSpPr>
-      <p:sp>
-        <p:nvSpPr>
-          <p:cNvPr id="9" name="Rectangle 8">
-            <a:extLst>
-              <a:ext uri="{FF2B5EF4-FFF2-40B4-BE49-F238E27FC236}">
-                <a16:creationId xmlns:a16="http://schemas.microsoft.com/office/drawing/2014/main" id="{3B0DF90E-6BAD-4E82-8FDF-717C9A357378}"/>
-              </a:ext>
-              <a:ext uri="{C183D7F6-B498-43B3-948B-1728B52AA6E4}">
-                <adec:decorative xmlns:adec="http://schemas.microsoft.com/office/drawing/2017/decorative" val="1"/>
-              </a:ext>
-            </a:extLst>
-          </p:cNvPr>
-          <p:cNvSpPr>
-            <a:spLocks noGrp="1" noRot="1" noChangeAspect="1" noMove="1" noResize="1" noEditPoints="1" noAdjustHandles="1" noChangeArrowheads="1" noChangeShapeType="1" noTextEdit="1"/>
-          </p:cNvSpPr>
-          <p:nvPr>
-            <p:extLst>
-              <p:ext uri="{386F3935-93C4-4BCD-93E2-E3B085C9AB24}">
-                <p16:designElem xmlns:p16="http://schemas.microsoft.com/office/powerpoint/2015/main" val="1"/>
-              </p:ext>
-            </p:extLst>
-          </p:nvPr>
-        </p:nvSpPr>
-        <p:spPr>
-          <a:xfrm>
-            <a:off x="0" y="-3324"/>
-            <a:ext cx="12192000" cy="6861324"/>
-          </a:xfrm>
-          <a:prstGeom prst="rect">
-            <a:avLst/>
-          </a:prstGeom>
-          <a:solidFill>
-            <a:srgbClr val="404040"/>
-          </a:solidFill>
-          <a:ln>
-            <a:noFill/>
-          </a:ln>
-        </p:spPr>
-        <p:style>
-          <a:lnRef idx="2">
-            <a:schemeClr val="accent1">
-              <a:shade val="50000"/>
-            </a:schemeClr>
-          </a:lnRef>
-          <a:fillRef idx="1">
-            <a:schemeClr val="accent1"/>
-          </a:fillRef>
-          <a:effectRef idx="0">
-            <a:schemeClr val="accent1"/>
-          </a:effectRef>
-          <a:fontRef idx="minor">
-            <a:schemeClr val="lt1"/>
-          </a:fontRef>
-        </p:style>
-        <p:txBody>
-          <a:bodyPr rtlCol="0" anchor="ctr"/>
-          <a:lstStyle/>
-          <a:p>
-            <a:pPr algn="ctr"/>
-            <a:endParaRPr lang="en-US"/>
-          </a:p>
-        </p:txBody>
-      </p:sp>
-      <p:sp>
-        <p:nvSpPr>
-          <p:cNvPr id="11" name="Freeform 13">
-            <a:extLst>
-              <a:ext uri="{FF2B5EF4-FFF2-40B4-BE49-F238E27FC236}">
-                <a16:creationId xmlns:a16="http://schemas.microsoft.com/office/drawing/2014/main" id="{13DCC859-0434-4BB8-B6C5-09C88AE698FB}"/>
-              </a:ext>
-              <a:ext uri="{C183D7F6-B498-43B3-948B-1728B52AA6E4}">
-                <adec:decorative xmlns:adec="http://schemas.microsoft.com/office/drawing/2017/decorative" val="1"/>
-              </a:ext>
-            </a:extLst>
-          </p:cNvPr>
-          <p:cNvSpPr>
-            <a:spLocks noGrp="1" noRot="1" noChangeAspect="1" noMove="1" noResize="1" noEditPoints="1" noAdjustHandles="1" noChangeArrowheads="1" noChangeShapeType="1" noTextEdit="1"/>
-          </p:cNvSpPr>
-          <p:nvPr>
-            <p:extLst>
-              <p:ext uri="{386F3935-93C4-4BCD-93E2-E3B085C9AB24}">
-                <p16:designElem xmlns:p16="http://schemas.microsoft.com/office/powerpoint/2015/main" val="1"/>
-              </p:ext>
-            </p:extLst>
-          </p:nvPr>
-        </p:nvSpPr>
-        <p:spPr>
-          <a:xfrm>
-            <a:off x="0" y="0"/>
-            <a:ext cx="11786754" cy="6858000"/>
-          </a:xfrm>
-          <a:custGeom>
-            <a:avLst/>
-            <a:gdLst>
-              <a:gd name="connsiteX0" fmla="*/ 0 w 11786754"/>
-              <a:gd name="connsiteY0" fmla="*/ 0 h 6858000"/>
-              <a:gd name="connsiteX1" fmla="*/ 8610600 w 11786754"/>
-              <a:gd name="connsiteY1" fmla="*/ 0 h 6858000"/>
-              <a:gd name="connsiteX2" fmla="*/ 11786754 w 11786754"/>
-              <a:gd name="connsiteY2" fmla="*/ 6858000 h 6858000"/>
-              <a:gd name="connsiteX3" fmla="*/ 0 w 11786754"/>
-              <a:gd name="connsiteY3" fmla="*/ 6858000 h 6858000"/>
-            </a:gdLst>
-            <a:ahLst/>
-            <a:cxnLst>
-              <a:cxn ang="0">
-                <a:pos x="connsiteX0" y="connsiteY0"/>
-              </a:cxn>
-              <a:cxn ang="0">
-                <a:pos x="connsiteX1" y="connsiteY1"/>
-              </a:cxn>
-              <a:cxn ang="0">
-                <a:pos x="connsiteX2" y="connsiteY2"/>
-              </a:cxn>
-              <a:cxn ang="0">
-                <a:pos x="connsiteX3" y="connsiteY3"/>
-              </a:cxn>
-            </a:cxnLst>
-            <a:rect l="l" t="t" r="r" b="b"/>
-            <a:pathLst>
-              <a:path w="11786754" h="6858000">
-                <a:moveTo>
-                  <a:pt x="0" y="0"/>
-                </a:moveTo>
-                <a:lnTo>
-                  <a:pt x="8610600" y="0"/>
-                </a:lnTo>
-                <a:lnTo>
-                  <a:pt x="11786754" y="6858000"/>
-                </a:lnTo>
-                <a:lnTo>
-                  <a:pt x="0" y="6858000"/>
-                </a:lnTo>
-                <a:close/>
-              </a:path>
-            </a:pathLst>
-          </a:custGeom>
-          <a:solidFill>
-            <a:schemeClr val="bg1">
-              <a:alpha val="30000"/>
-            </a:schemeClr>
-          </a:solidFill>
-          <a:ln>
-            <a:noFill/>
-          </a:ln>
-        </p:spPr>
-        <p:style>
-          <a:lnRef idx="2">
-            <a:schemeClr val="accent1">
-              <a:shade val="50000"/>
-            </a:schemeClr>
-          </a:lnRef>
-          <a:fillRef idx="1">
-            <a:schemeClr val="accent1"/>
-          </a:fillRef>
-          <a:effectRef idx="0">
-            <a:schemeClr val="accent1"/>
-          </a:effectRef>
-          <a:fontRef idx="minor">
-            <a:schemeClr val="lt1"/>
-          </a:fontRef>
-        </p:style>
-        <p:txBody>
-          <a:bodyPr rtlCol="0" anchor="ctr"/>
-          <a:lstStyle/>
-          <a:p>
-            <a:pPr algn="ctr"/>
-            <a:endParaRPr lang="en-US"/>
-          </a:p>
-        </p:txBody>
-      </p:sp>
-      <p:sp>
-        <p:nvSpPr>
-          <p:cNvPr id="13" name="Freeform 11">
-            <a:extLst>
-              <a:ext uri="{FF2B5EF4-FFF2-40B4-BE49-F238E27FC236}">
-                <a16:creationId xmlns:a16="http://schemas.microsoft.com/office/drawing/2014/main" id="{08E7ACFB-B791-4C23-8B17-013FEDC09A89}"/>
-              </a:ext>
-              <a:ext uri="{C183D7F6-B498-43B3-948B-1728B52AA6E4}">
-                <adec:decorative xmlns:adec="http://schemas.microsoft.com/office/drawing/2017/decorative" val="1"/>
-              </a:ext>
-            </a:extLst>
-          </p:cNvPr>
-          <p:cNvSpPr>
-            <a:spLocks noGrp="1" noRot="1" noChangeAspect="1" noMove="1" noResize="1" noEditPoints="1" noAdjustHandles="1" noChangeArrowheads="1" noChangeShapeType="1" noTextEdit="1"/>
-          </p:cNvSpPr>
-          <p:nvPr>
-            <p:extLst>
-              <p:ext uri="{386F3935-93C4-4BCD-93E2-E3B085C9AB24}">
-                <p16:designElem xmlns:p16="http://schemas.microsoft.com/office/powerpoint/2015/main" val="1"/>
-              </p:ext>
-            </p:extLst>
-          </p:nvPr>
-        </p:nvSpPr>
-        <p:spPr>
-          <a:xfrm>
-            <a:off x="0" y="0"/>
-            <a:ext cx="3581400" cy="6858000"/>
-          </a:xfrm>
-          <a:custGeom>
-            <a:avLst/>
-            <a:gdLst>
-              <a:gd name="connsiteX0" fmla="*/ 0 w 3581400"/>
-              <a:gd name="connsiteY0" fmla="*/ 0 h 6858000"/>
-              <a:gd name="connsiteX1" fmla="*/ 405246 w 3581400"/>
-              <a:gd name="connsiteY1" fmla="*/ 0 h 6858000"/>
-              <a:gd name="connsiteX2" fmla="*/ 3581400 w 3581400"/>
-              <a:gd name="connsiteY2" fmla="*/ 6858000 h 6858000"/>
-              <a:gd name="connsiteX3" fmla="*/ 0 w 3581400"/>
-              <a:gd name="connsiteY3" fmla="*/ 6858000 h 6858000"/>
-            </a:gdLst>
-            <a:ahLst/>
-            <a:cxnLst>
-              <a:cxn ang="0">
-                <a:pos x="connsiteX0" y="connsiteY0"/>
-              </a:cxn>
-              <a:cxn ang="0">
-                <a:pos x="connsiteX1" y="connsiteY1"/>
-              </a:cxn>
-              <a:cxn ang="0">
-                <a:pos x="connsiteX2" y="connsiteY2"/>
-              </a:cxn>
-              <a:cxn ang="0">
-                <a:pos x="connsiteX3" y="connsiteY3"/>
-              </a:cxn>
-            </a:cxnLst>
-            <a:rect l="l" t="t" r="r" b="b"/>
-            <a:pathLst>
-              <a:path w="3581400" h="6858000">
-                <a:moveTo>
-                  <a:pt x="0" y="0"/>
-                </a:moveTo>
-                <a:lnTo>
-                  <a:pt x="405246" y="0"/>
-                </a:lnTo>
-                <a:lnTo>
-                  <a:pt x="3581400" y="6858000"/>
-                </a:lnTo>
-                <a:lnTo>
-                  <a:pt x="0" y="6858000"/>
-                </a:lnTo>
-                <a:close/>
-              </a:path>
-            </a:pathLst>
-          </a:custGeom>
-          <a:solidFill>
-            <a:schemeClr val="bg1">
-              <a:alpha val="30000"/>
-            </a:schemeClr>
-          </a:solidFill>
-          <a:ln>
-            <a:noFill/>
-          </a:ln>
-        </p:spPr>
-        <p:style>
-          <a:lnRef idx="2">
-            <a:schemeClr val="accent1">
-              <a:shade val="50000"/>
-            </a:schemeClr>
-          </a:lnRef>
-          <a:fillRef idx="1">
-            <a:schemeClr val="accent1"/>
-          </a:fillRef>
-          <a:effectRef idx="0">
-            <a:schemeClr val="accent1"/>
-          </a:effectRef>
-          <a:fontRef idx="minor">
-            <a:schemeClr val="lt1"/>
-          </a:fontRef>
-        </p:style>
-        <p:txBody>
-          <a:bodyPr wrap="square" rtlCol="0" anchor="ctr">
-            <a:noAutofit/>
-          </a:bodyPr>
-          <a:lstStyle/>
-          <a:p>
-            <a:pPr algn="ctr"/>
-            <a:endParaRPr lang="en-US"/>
-          </a:p>
-        </p:txBody>
-      </p:sp>
-      <p:sp>
-        <p:nvSpPr>
-          <p:cNvPr id="5" name="Espaço Reservado para Conteúdo 4">
-            <a:extLst>
-              <a:ext uri="{FF2B5EF4-FFF2-40B4-BE49-F238E27FC236}">
-                <a16:creationId xmlns:a16="http://schemas.microsoft.com/office/drawing/2014/main" id="{3AA23E56-D915-4DBB-93D9-1707A38FFABB}"/>
-              </a:ext>
-            </a:extLst>
-          </p:cNvPr>
-          <p:cNvSpPr>
-            <a:spLocks noGrp="1"/>
-          </p:cNvSpPr>
-          <p:nvPr>
-            <p:ph idx="1"/>
-          </p:nvPr>
-        </p:nvSpPr>
-        <p:spPr/>
         <p:txBody>
           <a:bodyPr>
             <a:normAutofit/>
@@ -8526,820 +7905,8 @@
           </a:p>
         </p:txBody>
       </p:sp>
-      <p:sp>
-        <p:nvSpPr>
-          <p:cNvPr id="10" name="Espaço Reservado para Conteúdo 4">
-            <a:extLst>
-              <a:ext uri="{FF2B5EF4-FFF2-40B4-BE49-F238E27FC236}">
-                <a16:creationId xmlns:a16="http://schemas.microsoft.com/office/drawing/2014/main" id="{6A4976F1-1484-44AF-AFEA-E903B919B238}"/>
-              </a:ext>
-            </a:extLst>
-          </p:cNvPr>
-          <p:cNvSpPr txBox="1">
-            <a:spLocks/>
-          </p:cNvSpPr>
-          <p:nvPr/>
-        </p:nvSpPr>
-        <p:spPr>
-          <a:xfrm>
-            <a:off x="405246" y="1690687"/>
-            <a:ext cx="11304401" cy="4630214"/>
-          </a:xfrm>
-          <a:prstGeom prst="rect">
-            <a:avLst/>
-          </a:prstGeom>
-        </p:spPr>
-        <p:txBody>
-          <a:bodyPr vert="horz" lIns="91440" tIns="45720" rIns="91440" bIns="45720" rtlCol="0">
-            <a:normAutofit/>
-          </a:bodyPr>
-          <a:lstStyle>
-            <a:lvl1pPr marL="228600" indent="-228600" algn="l" defTabSz="914400" rtl="0" eaLnBrk="1" latinLnBrk="0" hangingPunct="1">
-              <a:lnSpc>
-                <a:spcPct val="90000"/>
-              </a:lnSpc>
-              <a:spcBef>
-                <a:spcPts val="1000"/>
-              </a:spcBef>
-              <a:buFont typeface="Arial" panose="020B0604020202020204" pitchFamily="34" charset="0"/>
-              <a:buChar char="•"/>
-              <a:defRPr sz="2800" kern="1200">
-                <a:solidFill>
-                  <a:schemeClr val="tx1"/>
-                </a:solidFill>
-                <a:latin typeface="+mn-lt"/>
-                <a:ea typeface="+mn-ea"/>
-                <a:cs typeface="+mn-cs"/>
-              </a:defRPr>
-            </a:lvl1pPr>
-            <a:lvl2pPr marL="685800" indent="-228600" algn="l" defTabSz="914400" rtl="0" eaLnBrk="1" latinLnBrk="0" hangingPunct="1">
-              <a:lnSpc>
-                <a:spcPct val="90000"/>
-              </a:lnSpc>
-              <a:spcBef>
-                <a:spcPts val="500"/>
-              </a:spcBef>
-              <a:buFont typeface="Arial" panose="020B0604020202020204" pitchFamily="34" charset="0"/>
-              <a:buChar char="•"/>
-              <a:defRPr sz="2400" kern="1200">
-                <a:solidFill>
-                  <a:schemeClr val="tx1"/>
-                </a:solidFill>
-                <a:latin typeface="+mn-lt"/>
-                <a:ea typeface="+mn-ea"/>
-                <a:cs typeface="+mn-cs"/>
-              </a:defRPr>
-            </a:lvl2pPr>
-            <a:lvl3pPr marL="1143000" indent="-228600" algn="l" defTabSz="914400" rtl="0" eaLnBrk="1" latinLnBrk="0" hangingPunct="1">
-              <a:lnSpc>
-                <a:spcPct val="90000"/>
-              </a:lnSpc>
-              <a:spcBef>
-                <a:spcPts val="500"/>
-              </a:spcBef>
-              <a:buFont typeface="Arial" panose="020B0604020202020204" pitchFamily="34" charset="0"/>
-              <a:buChar char="•"/>
-              <a:defRPr sz="2000" kern="1200">
-                <a:solidFill>
-                  <a:schemeClr val="tx1"/>
-                </a:solidFill>
-                <a:latin typeface="+mn-lt"/>
-                <a:ea typeface="+mn-ea"/>
-                <a:cs typeface="+mn-cs"/>
-              </a:defRPr>
-            </a:lvl3pPr>
-            <a:lvl4pPr marL="1600200" indent="-228600" algn="l" defTabSz="914400" rtl="0" eaLnBrk="1" latinLnBrk="0" hangingPunct="1">
-              <a:lnSpc>
-                <a:spcPct val="90000"/>
-              </a:lnSpc>
-              <a:spcBef>
-                <a:spcPts val="500"/>
-              </a:spcBef>
-              <a:buFont typeface="Arial" panose="020B0604020202020204" pitchFamily="34" charset="0"/>
-              <a:buChar char="•"/>
-              <a:defRPr sz="1800" kern="1200">
-                <a:solidFill>
-                  <a:schemeClr val="tx1"/>
-                </a:solidFill>
-                <a:latin typeface="+mn-lt"/>
-                <a:ea typeface="+mn-ea"/>
-                <a:cs typeface="+mn-cs"/>
-              </a:defRPr>
-            </a:lvl4pPr>
-            <a:lvl5pPr marL="2057400" indent="-228600" algn="l" defTabSz="914400" rtl="0" eaLnBrk="1" latinLnBrk="0" hangingPunct="1">
-              <a:lnSpc>
-                <a:spcPct val="90000"/>
-              </a:lnSpc>
-              <a:spcBef>
-                <a:spcPts val="500"/>
-              </a:spcBef>
-              <a:buFont typeface="Arial" panose="020B0604020202020204" pitchFamily="34" charset="0"/>
-              <a:buChar char="•"/>
-              <a:defRPr sz="1800" kern="1200">
-                <a:solidFill>
-                  <a:schemeClr val="tx1"/>
-                </a:solidFill>
-                <a:latin typeface="+mn-lt"/>
-                <a:ea typeface="+mn-ea"/>
-                <a:cs typeface="+mn-cs"/>
-              </a:defRPr>
-            </a:lvl5pPr>
-            <a:lvl6pPr marL="2514600" indent="-228600" algn="l" defTabSz="914400" rtl="0" eaLnBrk="1" latinLnBrk="0" hangingPunct="1">
-              <a:lnSpc>
-                <a:spcPct val="90000"/>
-              </a:lnSpc>
-              <a:spcBef>
-                <a:spcPts val="500"/>
-              </a:spcBef>
-              <a:buFont typeface="Arial" panose="020B0604020202020204" pitchFamily="34" charset="0"/>
-              <a:buChar char="•"/>
-              <a:defRPr sz="1800" kern="1200">
-                <a:solidFill>
-                  <a:schemeClr val="tx1"/>
-                </a:solidFill>
-                <a:latin typeface="+mn-lt"/>
-                <a:ea typeface="+mn-ea"/>
-                <a:cs typeface="+mn-cs"/>
-              </a:defRPr>
-            </a:lvl6pPr>
-            <a:lvl7pPr marL="2971800" indent="-228600" algn="l" defTabSz="914400" rtl="0" eaLnBrk="1" latinLnBrk="0" hangingPunct="1">
-              <a:lnSpc>
-                <a:spcPct val="90000"/>
-              </a:lnSpc>
-              <a:spcBef>
-                <a:spcPts val="500"/>
-              </a:spcBef>
-              <a:buFont typeface="Arial" panose="020B0604020202020204" pitchFamily="34" charset="0"/>
-              <a:buChar char="•"/>
-              <a:defRPr sz="1800" kern="1200">
-                <a:solidFill>
-                  <a:schemeClr val="tx1"/>
-                </a:solidFill>
-                <a:latin typeface="+mn-lt"/>
-                <a:ea typeface="+mn-ea"/>
-                <a:cs typeface="+mn-cs"/>
-              </a:defRPr>
-            </a:lvl7pPr>
-            <a:lvl8pPr marL="3429000" indent="-228600" algn="l" defTabSz="914400" rtl="0" eaLnBrk="1" latinLnBrk="0" hangingPunct="1">
-              <a:lnSpc>
-                <a:spcPct val="90000"/>
-              </a:lnSpc>
-              <a:spcBef>
-                <a:spcPts val="500"/>
-              </a:spcBef>
-              <a:buFont typeface="Arial" panose="020B0604020202020204" pitchFamily="34" charset="0"/>
-              <a:buChar char="•"/>
-              <a:defRPr sz="1800" kern="1200">
-                <a:solidFill>
-                  <a:schemeClr val="tx1"/>
-                </a:solidFill>
-                <a:latin typeface="+mn-lt"/>
-                <a:ea typeface="+mn-ea"/>
-                <a:cs typeface="+mn-cs"/>
-              </a:defRPr>
-            </a:lvl8pPr>
-            <a:lvl9pPr marL="3886200" indent="-228600" algn="l" defTabSz="914400" rtl="0" eaLnBrk="1" latinLnBrk="0" hangingPunct="1">
-              <a:lnSpc>
-                <a:spcPct val="90000"/>
-              </a:lnSpc>
-              <a:spcBef>
-                <a:spcPts val="500"/>
-              </a:spcBef>
-              <a:buFont typeface="Arial" panose="020B0604020202020204" pitchFamily="34" charset="0"/>
-              <a:buChar char="•"/>
-              <a:defRPr sz="1800" kern="1200">
-                <a:solidFill>
-                  <a:schemeClr val="tx1"/>
-                </a:solidFill>
-                <a:latin typeface="+mn-lt"/>
-                <a:ea typeface="+mn-ea"/>
-                <a:cs typeface="+mn-cs"/>
-              </a:defRPr>
-            </a:lvl9pPr>
-          </a:lstStyle>
-          <a:p>
-            <a:r>
-              <a:rPr lang="pt-BR" i="1" dirty="0"/>
-              <a:t>Modelo para Dados em Painel</a:t>
-            </a:r>
-            <a:r>
-              <a:rPr lang="pt-BR" dirty="0"/>
-              <a:t> (TABELA-PRODUCAO-AI):</a:t>
-            </a:r>
-          </a:p>
-          <a:p>
-            <a:pPr lvl="1"/>
-            <a:r>
-              <a:rPr lang="pt-BR" dirty="0"/>
-              <a:t>Descrição das Palavras Chave: </a:t>
-            </a:r>
-          </a:p>
-          <a:p>
-            <a:pPr lvl="2"/>
-            <a:r>
-              <a:rPr lang="en-US" i="1" dirty="0" err="1"/>
-              <a:t>Baruffaldi</a:t>
-            </a:r>
-            <a:r>
-              <a:rPr lang="en-US" dirty="0"/>
-              <a:t> </a:t>
-            </a:r>
-            <a:r>
-              <a:rPr lang="en-US" i="1" dirty="0"/>
-              <a:t>et al. </a:t>
-            </a:r>
-            <a:r>
-              <a:rPr lang="en-US" dirty="0"/>
-              <a:t>(2020) OECD Working Paper</a:t>
-            </a:r>
-          </a:p>
-          <a:p>
-            <a:pPr lvl="2"/>
-            <a:r>
-              <a:rPr lang="en-US" dirty="0" err="1"/>
-              <a:t>Busca</a:t>
-            </a:r>
-            <a:r>
-              <a:rPr lang="en-US" dirty="0"/>
-              <a:t> de </a:t>
-            </a:r>
-            <a:r>
-              <a:rPr lang="en-US" dirty="0" err="1"/>
-              <a:t>palavras-chave</a:t>
-            </a:r>
-            <a:r>
-              <a:rPr lang="en-US" dirty="0"/>
-              <a:t> e </a:t>
-            </a:r>
-            <a:r>
-              <a:rPr lang="en-US" dirty="0" err="1"/>
-              <a:t>nos</a:t>
-            </a:r>
-            <a:r>
-              <a:rPr lang="en-US" dirty="0"/>
-              <a:t> </a:t>
-            </a:r>
-            <a:r>
-              <a:rPr lang="en-US" dirty="0" err="1"/>
-              <a:t>título</a:t>
-            </a:r>
-            <a:r>
-              <a:rPr lang="en-US" dirty="0"/>
-              <a:t> de </a:t>
-            </a:r>
-            <a:r>
-              <a:rPr lang="en-US" dirty="0" err="1"/>
-              <a:t>artigo</a:t>
-            </a:r>
-            <a:r>
-              <a:rPr lang="en-US" dirty="0"/>
-              <a:t>, </a:t>
-            </a:r>
-            <a:r>
-              <a:rPr lang="en-US" dirty="0" err="1"/>
-              <a:t>título</a:t>
-            </a:r>
-            <a:r>
-              <a:rPr lang="en-US" dirty="0"/>
-              <a:t> de </a:t>
-            </a:r>
-            <a:r>
-              <a:rPr lang="en-US" dirty="0" err="1"/>
-              <a:t>revista</a:t>
-            </a:r>
-            <a:r>
-              <a:rPr lang="en-US" dirty="0"/>
-              <a:t>, </a:t>
-            </a:r>
-            <a:r>
-              <a:rPr lang="en-US" dirty="0" err="1"/>
-              <a:t>descrições</a:t>
-            </a:r>
-            <a:r>
-              <a:rPr lang="en-US" dirty="0"/>
-              <a:t> e </a:t>
-            </a:r>
-            <a:r>
-              <a:rPr lang="en-US" dirty="0" err="1"/>
-              <a:t>resumos</a:t>
-            </a:r>
-            <a:r>
-              <a:rPr lang="en-US" dirty="0"/>
-              <a:t> </a:t>
-            </a:r>
-            <a:r>
-              <a:rPr lang="en-US" dirty="0" err="1"/>
-              <a:t>nos</a:t>
-            </a:r>
-            <a:r>
-              <a:rPr lang="en-US" dirty="0"/>
-              <a:t> </a:t>
-            </a:r>
-            <a:r>
-              <a:rPr lang="en-US" dirty="0" err="1"/>
-              <a:t>artigos</a:t>
-            </a:r>
-            <a:r>
-              <a:rPr lang="en-US" dirty="0"/>
-              <a:t>, </a:t>
-            </a:r>
-            <a:r>
-              <a:rPr lang="en-US" dirty="0" err="1"/>
-              <a:t>patentes</a:t>
-            </a:r>
-            <a:r>
-              <a:rPr lang="en-US" dirty="0"/>
-              <a:t>, </a:t>
-            </a:r>
-            <a:r>
-              <a:rPr lang="en-US" dirty="0" err="1"/>
-              <a:t>livros</a:t>
-            </a:r>
-            <a:r>
-              <a:rPr lang="en-US" dirty="0"/>
-              <a:t>, </a:t>
-            </a:r>
-            <a:r>
-              <a:rPr lang="en-US" dirty="0" err="1"/>
-              <a:t>capítulo</a:t>
-            </a:r>
-            <a:r>
-              <a:rPr lang="en-US" dirty="0"/>
-              <a:t> de </a:t>
-            </a:r>
-            <a:r>
-              <a:rPr lang="en-US" dirty="0" err="1"/>
-              <a:t>lívro</a:t>
-            </a:r>
-            <a:r>
-              <a:rPr lang="en-US" dirty="0"/>
-              <a:t> e </a:t>
-            </a:r>
-            <a:r>
-              <a:rPr lang="en-US" dirty="0" err="1"/>
-              <a:t>apresentação</a:t>
-            </a:r>
-            <a:r>
-              <a:rPr lang="en-US" dirty="0"/>
-              <a:t> </a:t>
-            </a:r>
-            <a:r>
-              <a:rPr lang="en-US" dirty="0" err="1"/>
-              <a:t>em</a:t>
-            </a:r>
-            <a:r>
-              <a:rPr lang="en-US" dirty="0"/>
-              <a:t> </a:t>
-            </a:r>
-            <a:r>
-              <a:rPr lang="en-US" dirty="0" err="1"/>
-              <a:t>congresso</a:t>
-            </a:r>
-            <a:endParaRPr lang="pt-BR" dirty="0"/>
-          </a:p>
-          <a:p>
-            <a:pPr lvl="2"/>
-            <a:endParaRPr lang="pt-BR" dirty="0"/>
-          </a:p>
-          <a:p>
-            <a:pPr lvl="1"/>
-            <a:r>
-              <a:rPr lang="pt-BR" dirty="0"/>
-              <a:t>Descritivo da Produção Acadêmica por Tratamento (pronto):</a:t>
-            </a:r>
-          </a:p>
-          <a:p>
-            <a:pPr lvl="2"/>
-            <a:r>
-              <a:rPr lang="pt-BR" dirty="0"/>
-              <a:t>Total de Artigos AI: A1, A2, B1,...,C.</a:t>
-            </a:r>
-          </a:p>
-          <a:p>
-            <a:pPr lvl="2"/>
-            <a:r>
-              <a:rPr lang="pt-BR" dirty="0"/>
-              <a:t>Total de Livros/Capitulo de Livro AI</a:t>
-            </a:r>
-          </a:p>
-          <a:p>
-            <a:pPr lvl="2"/>
-            <a:r>
-              <a:rPr lang="pt-BR" dirty="0"/>
-              <a:t>Total de Patentes AI</a:t>
-            </a:r>
-          </a:p>
-          <a:p>
-            <a:pPr lvl="2"/>
-            <a:r>
-              <a:rPr lang="pt-BR" dirty="0"/>
-              <a:t>Total de Apresentação AI em congresso</a:t>
-            </a:r>
-          </a:p>
-          <a:p>
-            <a:pPr marL="457200" lvl="1" indent="0">
-              <a:buNone/>
-            </a:pPr>
-            <a:endParaRPr lang="pt-BR" i="1" dirty="0">
-              <a:latin typeface="Cambria Math" panose="02040503050406030204" pitchFamily="18" charset="0"/>
-            </a:endParaRPr>
-          </a:p>
-        </p:txBody>
-      </p:sp>
-    </p:spTree>
-    <p:extLst>
-      <p:ext uri="{BB962C8B-B14F-4D97-AF65-F5344CB8AC3E}">
-        <p14:creationId xmlns:p14="http://schemas.microsoft.com/office/powerpoint/2010/main" val="990662711"/>
-      </p:ext>
-    </p:extLst>
-  </p:cSld>
-  <p:clrMapOvr>
-    <a:overrideClrMapping bg1="dk1" tx1="lt1" bg2="dk2" tx2="lt2" accent1="accent1" accent2="accent2" accent3="accent3" accent4="accent4" accent5="accent5" accent6="accent6" hlink="hlink" folHlink="folHlink"/>
-  </p:clrMapOvr>
-</p:sld>
-</file>
-
-<file path=ppt/slides/slide6.xml><?xml version="1.0" encoding="utf-8"?>
-<p:sld xmlns:a="http://schemas.openxmlformats.org/drawingml/2006/main" xmlns:r="http://schemas.openxmlformats.org/officeDocument/2006/relationships" xmlns:p="http://schemas.openxmlformats.org/presentationml/2006/main">
-  <p:cSld>
-    <p:bg>
-      <p:bgPr>
-        <a:solidFill>
-          <a:srgbClr val="404040"/>
-        </a:solidFill>
-        <a:effectLst/>
-      </p:bgPr>
-    </p:bg>
-    <p:spTree>
-      <p:nvGrpSpPr>
-        <p:cNvPr id="1" name=""/>
-        <p:cNvGrpSpPr/>
-        <p:nvPr/>
-      </p:nvGrpSpPr>
-      <p:grpSpPr>
-        <a:xfrm>
-          <a:off x="0" y="0"/>
-          <a:ext cx="0" cy="0"/>
-          <a:chOff x="0" y="0"/>
-          <a:chExt cx="0" cy="0"/>
-        </a:xfrm>
-      </p:grpSpPr>
-      <p:sp>
-        <p:nvSpPr>
-          <p:cNvPr id="9" name="Rectangle 8">
-            <a:extLst>
-              <a:ext uri="{FF2B5EF4-FFF2-40B4-BE49-F238E27FC236}">
-                <a16:creationId xmlns:a16="http://schemas.microsoft.com/office/drawing/2014/main" id="{3B0DF90E-6BAD-4E82-8FDF-717C9A357378}"/>
-              </a:ext>
-              <a:ext uri="{C183D7F6-B498-43B3-948B-1728B52AA6E4}">
-                <adec:decorative xmlns:adec="http://schemas.microsoft.com/office/drawing/2017/decorative" val="1"/>
-              </a:ext>
-            </a:extLst>
-          </p:cNvPr>
-          <p:cNvSpPr>
-            <a:spLocks noGrp="1" noRot="1" noChangeAspect="1" noMove="1" noResize="1" noEditPoints="1" noAdjustHandles="1" noChangeArrowheads="1" noChangeShapeType="1" noTextEdit="1"/>
-          </p:cNvSpPr>
-          <p:nvPr>
-            <p:extLst>
-              <p:ext uri="{386F3935-93C4-4BCD-93E2-E3B085C9AB24}">
-                <p16:designElem xmlns:p16="http://schemas.microsoft.com/office/powerpoint/2015/main" val="1"/>
-              </p:ext>
-            </p:extLst>
-          </p:nvPr>
-        </p:nvSpPr>
-        <p:spPr>
-          <a:xfrm>
-            <a:off x="0" y="-3324"/>
-            <a:ext cx="12192000" cy="6861324"/>
-          </a:xfrm>
-          <a:prstGeom prst="rect">
-            <a:avLst/>
-          </a:prstGeom>
-          <a:solidFill>
-            <a:srgbClr val="404040"/>
-          </a:solidFill>
-          <a:ln>
-            <a:noFill/>
-          </a:ln>
-        </p:spPr>
-        <p:style>
-          <a:lnRef idx="2">
-            <a:schemeClr val="accent1">
-              <a:shade val="50000"/>
-            </a:schemeClr>
-          </a:lnRef>
-          <a:fillRef idx="1">
-            <a:schemeClr val="accent1"/>
-          </a:fillRef>
-          <a:effectRef idx="0">
-            <a:schemeClr val="accent1"/>
-          </a:effectRef>
-          <a:fontRef idx="minor">
-            <a:schemeClr val="lt1"/>
-          </a:fontRef>
-        </p:style>
-        <p:txBody>
-          <a:bodyPr rtlCol="0" anchor="ctr"/>
-          <a:lstStyle/>
-          <a:p>
-            <a:pPr algn="ctr"/>
-            <a:endParaRPr lang="en-US"/>
-          </a:p>
-        </p:txBody>
-      </p:sp>
-      <p:sp>
-        <p:nvSpPr>
-          <p:cNvPr id="11" name="Freeform 13">
-            <a:extLst>
-              <a:ext uri="{FF2B5EF4-FFF2-40B4-BE49-F238E27FC236}">
-                <a16:creationId xmlns:a16="http://schemas.microsoft.com/office/drawing/2014/main" id="{13DCC859-0434-4BB8-B6C5-09C88AE698FB}"/>
-              </a:ext>
-              <a:ext uri="{C183D7F6-B498-43B3-948B-1728B52AA6E4}">
-                <adec:decorative xmlns:adec="http://schemas.microsoft.com/office/drawing/2017/decorative" val="1"/>
-              </a:ext>
-            </a:extLst>
-          </p:cNvPr>
-          <p:cNvSpPr>
-            <a:spLocks noGrp="1" noRot="1" noChangeAspect="1" noMove="1" noResize="1" noEditPoints="1" noAdjustHandles="1" noChangeArrowheads="1" noChangeShapeType="1" noTextEdit="1"/>
-          </p:cNvSpPr>
-          <p:nvPr>
-            <p:extLst>
-              <p:ext uri="{386F3935-93C4-4BCD-93E2-E3B085C9AB24}">
-                <p16:designElem xmlns:p16="http://schemas.microsoft.com/office/powerpoint/2015/main" val="1"/>
-              </p:ext>
-            </p:extLst>
-          </p:nvPr>
-        </p:nvSpPr>
-        <p:spPr>
-          <a:xfrm>
-            <a:off x="0" y="0"/>
-            <a:ext cx="11786754" cy="6858000"/>
-          </a:xfrm>
-          <a:custGeom>
-            <a:avLst/>
-            <a:gdLst>
-              <a:gd name="connsiteX0" fmla="*/ 0 w 11786754"/>
-              <a:gd name="connsiteY0" fmla="*/ 0 h 6858000"/>
-              <a:gd name="connsiteX1" fmla="*/ 8610600 w 11786754"/>
-              <a:gd name="connsiteY1" fmla="*/ 0 h 6858000"/>
-              <a:gd name="connsiteX2" fmla="*/ 11786754 w 11786754"/>
-              <a:gd name="connsiteY2" fmla="*/ 6858000 h 6858000"/>
-              <a:gd name="connsiteX3" fmla="*/ 0 w 11786754"/>
-              <a:gd name="connsiteY3" fmla="*/ 6858000 h 6858000"/>
-            </a:gdLst>
-            <a:ahLst/>
-            <a:cxnLst>
-              <a:cxn ang="0">
-                <a:pos x="connsiteX0" y="connsiteY0"/>
-              </a:cxn>
-              <a:cxn ang="0">
-                <a:pos x="connsiteX1" y="connsiteY1"/>
-              </a:cxn>
-              <a:cxn ang="0">
-                <a:pos x="connsiteX2" y="connsiteY2"/>
-              </a:cxn>
-              <a:cxn ang="0">
-                <a:pos x="connsiteX3" y="connsiteY3"/>
-              </a:cxn>
-            </a:cxnLst>
-            <a:rect l="l" t="t" r="r" b="b"/>
-            <a:pathLst>
-              <a:path w="11786754" h="6858000">
-                <a:moveTo>
-                  <a:pt x="0" y="0"/>
-                </a:moveTo>
-                <a:lnTo>
-                  <a:pt x="8610600" y="0"/>
-                </a:lnTo>
-                <a:lnTo>
-                  <a:pt x="11786754" y="6858000"/>
-                </a:lnTo>
-                <a:lnTo>
-                  <a:pt x="0" y="6858000"/>
-                </a:lnTo>
-                <a:close/>
-              </a:path>
-            </a:pathLst>
-          </a:custGeom>
-          <a:solidFill>
-            <a:schemeClr val="bg1">
-              <a:alpha val="30000"/>
-            </a:schemeClr>
-          </a:solidFill>
-          <a:ln>
-            <a:noFill/>
-          </a:ln>
-        </p:spPr>
-        <p:style>
-          <a:lnRef idx="2">
-            <a:schemeClr val="accent1">
-              <a:shade val="50000"/>
-            </a:schemeClr>
-          </a:lnRef>
-          <a:fillRef idx="1">
-            <a:schemeClr val="accent1"/>
-          </a:fillRef>
-          <a:effectRef idx="0">
-            <a:schemeClr val="accent1"/>
-          </a:effectRef>
-          <a:fontRef idx="minor">
-            <a:schemeClr val="lt1"/>
-          </a:fontRef>
-        </p:style>
-        <p:txBody>
-          <a:bodyPr rtlCol="0" anchor="ctr"/>
-          <a:lstStyle/>
-          <a:p>
-            <a:pPr algn="ctr"/>
-            <a:endParaRPr lang="en-US"/>
-          </a:p>
-        </p:txBody>
-      </p:sp>
-      <p:sp>
-        <p:nvSpPr>
-          <p:cNvPr id="13" name="Freeform 11">
-            <a:extLst>
-              <a:ext uri="{FF2B5EF4-FFF2-40B4-BE49-F238E27FC236}">
-                <a16:creationId xmlns:a16="http://schemas.microsoft.com/office/drawing/2014/main" id="{08E7ACFB-B791-4C23-8B17-013FEDC09A89}"/>
-              </a:ext>
-              <a:ext uri="{C183D7F6-B498-43B3-948B-1728B52AA6E4}">
-                <adec:decorative xmlns:adec="http://schemas.microsoft.com/office/drawing/2017/decorative" val="1"/>
-              </a:ext>
-            </a:extLst>
-          </p:cNvPr>
-          <p:cNvSpPr>
-            <a:spLocks noGrp="1" noRot="1" noChangeAspect="1" noMove="1" noResize="1" noEditPoints="1" noAdjustHandles="1" noChangeArrowheads="1" noChangeShapeType="1" noTextEdit="1"/>
-          </p:cNvSpPr>
-          <p:nvPr>
-            <p:extLst>
-              <p:ext uri="{386F3935-93C4-4BCD-93E2-E3B085C9AB24}">
-                <p16:designElem xmlns:p16="http://schemas.microsoft.com/office/powerpoint/2015/main" val="1"/>
-              </p:ext>
-            </p:extLst>
-          </p:nvPr>
-        </p:nvSpPr>
-        <p:spPr>
-          <a:xfrm>
-            <a:off x="0" y="0"/>
-            <a:ext cx="3581400" cy="6858000"/>
-          </a:xfrm>
-          <a:custGeom>
-            <a:avLst/>
-            <a:gdLst>
-              <a:gd name="connsiteX0" fmla="*/ 0 w 3581400"/>
-              <a:gd name="connsiteY0" fmla="*/ 0 h 6858000"/>
-              <a:gd name="connsiteX1" fmla="*/ 405246 w 3581400"/>
-              <a:gd name="connsiteY1" fmla="*/ 0 h 6858000"/>
-              <a:gd name="connsiteX2" fmla="*/ 3581400 w 3581400"/>
-              <a:gd name="connsiteY2" fmla="*/ 6858000 h 6858000"/>
-              <a:gd name="connsiteX3" fmla="*/ 0 w 3581400"/>
-              <a:gd name="connsiteY3" fmla="*/ 6858000 h 6858000"/>
-            </a:gdLst>
-            <a:ahLst/>
-            <a:cxnLst>
-              <a:cxn ang="0">
-                <a:pos x="connsiteX0" y="connsiteY0"/>
-              </a:cxn>
-              <a:cxn ang="0">
-                <a:pos x="connsiteX1" y="connsiteY1"/>
-              </a:cxn>
-              <a:cxn ang="0">
-                <a:pos x="connsiteX2" y="connsiteY2"/>
-              </a:cxn>
-              <a:cxn ang="0">
-                <a:pos x="connsiteX3" y="connsiteY3"/>
-              </a:cxn>
-            </a:cxnLst>
-            <a:rect l="l" t="t" r="r" b="b"/>
-            <a:pathLst>
-              <a:path w="3581400" h="6858000">
-                <a:moveTo>
-                  <a:pt x="0" y="0"/>
-                </a:moveTo>
-                <a:lnTo>
-                  <a:pt x="405246" y="0"/>
-                </a:lnTo>
-                <a:lnTo>
-                  <a:pt x="3581400" y="6858000"/>
-                </a:lnTo>
-                <a:lnTo>
-                  <a:pt x="0" y="6858000"/>
-                </a:lnTo>
-                <a:close/>
-              </a:path>
-            </a:pathLst>
-          </a:custGeom>
-          <a:solidFill>
-            <a:schemeClr val="bg1">
-              <a:alpha val="30000"/>
-            </a:schemeClr>
-          </a:solidFill>
-          <a:ln>
-            <a:noFill/>
-          </a:ln>
-        </p:spPr>
-        <p:style>
-          <a:lnRef idx="2">
-            <a:schemeClr val="accent1">
-              <a:shade val="50000"/>
-            </a:schemeClr>
-          </a:lnRef>
-          <a:fillRef idx="1">
-            <a:schemeClr val="accent1"/>
-          </a:fillRef>
-          <a:effectRef idx="0">
-            <a:schemeClr val="accent1"/>
-          </a:effectRef>
-          <a:fontRef idx="minor">
-            <a:schemeClr val="lt1"/>
-          </a:fontRef>
-        </p:style>
-        <p:txBody>
-          <a:bodyPr wrap="square" rtlCol="0" anchor="ctr">
-            <a:noAutofit/>
-          </a:bodyPr>
-          <a:lstStyle/>
-          <a:p>
-            <a:pPr algn="ctr"/>
-            <a:endParaRPr lang="en-US"/>
-          </a:p>
-        </p:txBody>
-      </p:sp>
-      <p:sp>
-        <p:nvSpPr>
-          <p:cNvPr id="5" name="Espaço Reservado para Conteúdo 4">
-            <a:extLst>
-              <a:ext uri="{FF2B5EF4-FFF2-40B4-BE49-F238E27FC236}">
-                <a16:creationId xmlns:a16="http://schemas.microsoft.com/office/drawing/2014/main" id="{3AA23E56-D915-4DBB-93D9-1707A38FFABB}"/>
-              </a:ext>
-            </a:extLst>
-          </p:cNvPr>
-          <p:cNvSpPr>
-            <a:spLocks noGrp="1"/>
-          </p:cNvSpPr>
-          <p:nvPr>
-            <p:ph idx="1"/>
-          </p:nvPr>
-        </p:nvSpPr>
-        <p:spPr>
-          <a:xfrm>
-            <a:off x="405247" y="1825625"/>
-            <a:ext cx="10948554" cy="4351338"/>
-          </a:xfrm>
-        </p:spPr>
-        <p:txBody>
-          <a:bodyPr>
-            <a:normAutofit/>
-          </a:bodyPr>
-          <a:lstStyle/>
-          <a:p>
-            <a:endParaRPr lang="pt-BR" dirty="0"/>
-          </a:p>
-          <a:p>
-            <a:endParaRPr lang="pt-BR" dirty="0"/>
-          </a:p>
-          <a:p>
-            <a:endParaRPr lang="pt-BR" dirty="0"/>
-          </a:p>
-        </p:txBody>
-      </p:sp>
-      <p:sp>
-        <p:nvSpPr>
-          <p:cNvPr id="7" name="Título 6">
-            <a:extLst>
-              <a:ext uri="{FF2B5EF4-FFF2-40B4-BE49-F238E27FC236}">
-                <a16:creationId xmlns:a16="http://schemas.microsoft.com/office/drawing/2014/main" id="{9185C0B6-0A3F-44DF-AAE8-93CE431DD0F2}"/>
-              </a:ext>
-            </a:extLst>
-          </p:cNvPr>
-          <p:cNvSpPr>
-            <a:spLocks noGrp="1"/>
-          </p:cNvSpPr>
-          <p:nvPr>
-            <p:ph type="title"/>
-          </p:nvPr>
-        </p:nvSpPr>
-        <p:spPr>
-          <a:xfrm>
-            <a:off x="405246" y="365125"/>
-            <a:ext cx="11499709" cy="1325563"/>
-          </a:xfrm>
-        </p:spPr>
-        <p:txBody>
-          <a:bodyPr>
-            <a:normAutofit/>
-          </a:bodyPr>
-          <a:lstStyle/>
-          <a:p>
-            <a:r>
-              <a:rPr lang="pt-BR" sz="4200" dirty="0"/>
-              <a:t>Relatório 3: Produção Acadêmica em Tecnologia AI</a:t>
-            </a:r>
-          </a:p>
-        </p:txBody>
-      </p:sp>
-      <mc:AlternateContent xmlns:mc="http://schemas.openxmlformats.org/markup-compatibility/2006">
-        <mc:Choice xmlns:a14="http://schemas.microsoft.com/office/drawing/2010/main" Requires="a14">
+      <mc:AlternateContent xmlns:mc="http://schemas.openxmlformats.org/markup-compatibility/2006" xmlns:a14="http://schemas.microsoft.com/office/drawing/2010/main">
+        <mc:Choice Requires="a14">
           <p:sp>
             <p:nvSpPr>
               <p:cNvPr id="10" name="Espaço Reservado para Conteúdo 4">
@@ -10067,7 +8634,7 @@
             </p:txBody>
           </p:sp>
         </mc:Choice>
-        <mc:Fallback>
+        <mc:Fallback xmlns="">
           <p:sp>
             <p:nvSpPr>
               <p:cNvPr id="10" name="Espaço Reservado para Conteúdo 4">
@@ -10125,7 +8692,7 @@
 </p:sld>
 </file>
 
-<file path=ppt/slides/slide7.xml><?xml version="1.0" encoding="utf-8"?>
+<file path=ppt/slides/slide6.xml><?xml version="1.0" encoding="utf-8"?>
 <p:sld xmlns:a="http://schemas.openxmlformats.org/drawingml/2006/main" xmlns:r="http://schemas.openxmlformats.org/officeDocument/2006/relationships" xmlns:p="http://schemas.openxmlformats.org/presentationml/2006/main">
   <p:cSld>
     <p:bg>
@@ -10890,7 +9457,7 @@
 </p:sld>
 </file>
 
-<file path=ppt/slides/slide8.xml><?xml version="1.0" encoding="utf-8"?>
+<file path=ppt/slides/slide7.xml><?xml version="1.0" encoding="utf-8"?>
 <p:sld xmlns:a="http://schemas.openxmlformats.org/drawingml/2006/main" xmlns:r="http://schemas.openxmlformats.org/officeDocument/2006/relationships" xmlns:p="http://schemas.openxmlformats.org/presentationml/2006/main">
   <p:cSld>
     <p:bg>
@@ -11538,7 +10105,7 @@
 </p:sld>
 </file>
 
-<file path=ppt/slides/slide9.xml><?xml version="1.0" encoding="utf-8"?>
+<file path=ppt/slides/slide8.xml><?xml version="1.0" encoding="utf-8"?>
 <p:sld xmlns:a="http://schemas.openxmlformats.org/drawingml/2006/main" xmlns:r="http://schemas.openxmlformats.org/officeDocument/2006/relationships" xmlns:p="http://schemas.openxmlformats.org/presentationml/2006/main">
   <p:cSld>
     <p:bg>
@@ -11912,6 +10479,951 @@
     <p:extLst>
       <p:ext uri="{BB962C8B-B14F-4D97-AF65-F5344CB8AC3E}">
         <p14:creationId xmlns:p14="http://schemas.microsoft.com/office/powerpoint/2010/main" val="204387212"/>
+      </p:ext>
+    </p:extLst>
+  </p:cSld>
+  <p:clrMapOvr>
+    <a:overrideClrMapping bg1="dk1" tx1="lt1" bg2="dk2" tx2="lt2" accent1="accent1" accent2="accent2" accent3="accent3" accent4="accent4" accent5="accent5" accent6="accent6" hlink="hlink" folHlink="folHlink"/>
+  </p:clrMapOvr>
+</p:sld>
+</file>
+
+<file path=ppt/slides/slide9.xml><?xml version="1.0" encoding="utf-8"?>
+<p:sld xmlns:a="http://schemas.openxmlformats.org/drawingml/2006/main" xmlns:r="http://schemas.openxmlformats.org/officeDocument/2006/relationships" xmlns:p="http://schemas.openxmlformats.org/presentationml/2006/main">
+  <p:cSld>
+    <p:bg>
+      <p:bgPr>
+        <a:solidFill>
+          <a:srgbClr val="404040"/>
+        </a:solidFill>
+        <a:effectLst/>
+      </p:bgPr>
+    </p:bg>
+    <p:spTree>
+      <p:nvGrpSpPr>
+        <p:cNvPr id="1" name=""/>
+        <p:cNvGrpSpPr/>
+        <p:nvPr/>
+      </p:nvGrpSpPr>
+      <p:grpSpPr>
+        <a:xfrm>
+          <a:off x="0" y="0"/>
+          <a:ext cx="0" cy="0"/>
+          <a:chOff x="0" y="0"/>
+          <a:chExt cx="0" cy="0"/>
+        </a:xfrm>
+      </p:grpSpPr>
+      <p:sp>
+        <p:nvSpPr>
+          <p:cNvPr id="9" name="Rectangle 8">
+            <a:extLst>
+              <a:ext uri="{FF2B5EF4-FFF2-40B4-BE49-F238E27FC236}">
+                <a16:creationId xmlns:a16="http://schemas.microsoft.com/office/drawing/2014/main" id="{3B0DF90E-6BAD-4E82-8FDF-717C9A357378}"/>
+              </a:ext>
+              <a:ext uri="{C183D7F6-B498-43B3-948B-1728B52AA6E4}">
+                <adec:decorative xmlns:adec="http://schemas.microsoft.com/office/drawing/2017/decorative" val="1"/>
+              </a:ext>
+            </a:extLst>
+          </p:cNvPr>
+          <p:cNvSpPr>
+            <a:spLocks noGrp="1" noRot="1" noChangeAspect="1" noMove="1" noResize="1" noEditPoints="1" noAdjustHandles="1" noChangeArrowheads="1" noChangeShapeType="1" noTextEdit="1"/>
+          </p:cNvSpPr>
+          <p:nvPr>
+            <p:extLst>
+              <p:ext uri="{386F3935-93C4-4BCD-93E2-E3B085C9AB24}">
+                <p16:designElem xmlns:p16="http://schemas.microsoft.com/office/powerpoint/2015/main" val="1"/>
+              </p:ext>
+            </p:extLst>
+          </p:nvPr>
+        </p:nvSpPr>
+        <p:spPr>
+          <a:xfrm>
+            <a:off x="0" y="-3324"/>
+            <a:ext cx="12192000" cy="6861324"/>
+          </a:xfrm>
+          <a:prstGeom prst="rect">
+            <a:avLst/>
+          </a:prstGeom>
+          <a:solidFill>
+            <a:srgbClr val="404040"/>
+          </a:solidFill>
+          <a:ln>
+            <a:noFill/>
+          </a:ln>
+        </p:spPr>
+        <p:style>
+          <a:lnRef idx="2">
+            <a:schemeClr val="accent1">
+              <a:shade val="50000"/>
+            </a:schemeClr>
+          </a:lnRef>
+          <a:fillRef idx="1">
+            <a:schemeClr val="accent1"/>
+          </a:fillRef>
+          <a:effectRef idx="0">
+            <a:schemeClr val="accent1"/>
+          </a:effectRef>
+          <a:fontRef idx="minor">
+            <a:schemeClr val="lt1"/>
+          </a:fontRef>
+        </p:style>
+        <p:txBody>
+          <a:bodyPr rtlCol="0" anchor="ctr"/>
+          <a:lstStyle/>
+          <a:p>
+            <a:pPr algn="ctr"/>
+            <a:endParaRPr lang="en-US"/>
+          </a:p>
+        </p:txBody>
+      </p:sp>
+      <p:sp>
+        <p:nvSpPr>
+          <p:cNvPr id="11" name="Freeform 13">
+            <a:extLst>
+              <a:ext uri="{FF2B5EF4-FFF2-40B4-BE49-F238E27FC236}">
+                <a16:creationId xmlns:a16="http://schemas.microsoft.com/office/drawing/2014/main" id="{13DCC859-0434-4BB8-B6C5-09C88AE698FB}"/>
+              </a:ext>
+              <a:ext uri="{C183D7F6-B498-43B3-948B-1728B52AA6E4}">
+                <adec:decorative xmlns:adec="http://schemas.microsoft.com/office/drawing/2017/decorative" val="1"/>
+              </a:ext>
+            </a:extLst>
+          </p:cNvPr>
+          <p:cNvSpPr>
+            <a:spLocks noGrp="1" noRot="1" noChangeAspect="1" noMove="1" noResize="1" noEditPoints="1" noAdjustHandles="1" noChangeArrowheads="1" noChangeShapeType="1" noTextEdit="1"/>
+          </p:cNvSpPr>
+          <p:nvPr>
+            <p:extLst>
+              <p:ext uri="{386F3935-93C4-4BCD-93E2-E3B085C9AB24}">
+                <p16:designElem xmlns:p16="http://schemas.microsoft.com/office/powerpoint/2015/main" val="1"/>
+              </p:ext>
+            </p:extLst>
+          </p:nvPr>
+        </p:nvSpPr>
+        <p:spPr>
+          <a:xfrm>
+            <a:off x="0" y="0"/>
+            <a:ext cx="11786754" cy="6858000"/>
+          </a:xfrm>
+          <a:custGeom>
+            <a:avLst/>
+            <a:gdLst>
+              <a:gd name="connsiteX0" fmla="*/ 0 w 11786754"/>
+              <a:gd name="connsiteY0" fmla="*/ 0 h 6858000"/>
+              <a:gd name="connsiteX1" fmla="*/ 8610600 w 11786754"/>
+              <a:gd name="connsiteY1" fmla="*/ 0 h 6858000"/>
+              <a:gd name="connsiteX2" fmla="*/ 11786754 w 11786754"/>
+              <a:gd name="connsiteY2" fmla="*/ 6858000 h 6858000"/>
+              <a:gd name="connsiteX3" fmla="*/ 0 w 11786754"/>
+              <a:gd name="connsiteY3" fmla="*/ 6858000 h 6858000"/>
+            </a:gdLst>
+            <a:ahLst/>
+            <a:cxnLst>
+              <a:cxn ang="0">
+                <a:pos x="connsiteX0" y="connsiteY0"/>
+              </a:cxn>
+              <a:cxn ang="0">
+                <a:pos x="connsiteX1" y="connsiteY1"/>
+              </a:cxn>
+              <a:cxn ang="0">
+                <a:pos x="connsiteX2" y="connsiteY2"/>
+              </a:cxn>
+              <a:cxn ang="0">
+                <a:pos x="connsiteX3" y="connsiteY3"/>
+              </a:cxn>
+            </a:cxnLst>
+            <a:rect l="l" t="t" r="r" b="b"/>
+            <a:pathLst>
+              <a:path w="11786754" h="6858000">
+                <a:moveTo>
+                  <a:pt x="0" y="0"/>
+                </a:moveTo>
+                <a:lnTo>
+                  <a:pt x="8610600" y="0"/>
+                </a:lnTo>
+                <a:lnTo>
+                  <a:pt x="11786754" y="6858000"/>
+                </a:lnTo>
+                <a:lnTo>
+                  <a:pt x="0" y="6858000"/>
+                </a:lnTo>
+                <a:close/>
+              </a:path>
+            </a:pathLst>
+          </a:custGeom>
+          <a:solidFill>
+            <a:schemeClr val="bg1">
+              <a:alpha val="30000"/>
+            </a:schemeClr>
+          </a:solidFill>
+          <a:ln>
+            <a:noFill/>
+          </a:ln>
+        </p:spPr>
+        <p:style>
+          <a:lnRef idx="2">
+            <a:schemeClr val="accent1">
+              <a:shade val="50000"/>
+            </a:schemeClr>
+          </a:lnRef>
+          <a:fillRef idx="1">
+            <a:schemeClr val="accent1"/>
+          </a:fillRef>
+          <a:effectRef idx="0">
+            <a:schemeClr val="accent1"/>
+          </a:effectRef>
+          <a:fontRef idx="minor">
+            <a:schemeClr val="lt1"/>
+          </a:fontRef>
+        </p:style>
+        <p:txBody>
+          <a:bodyPr rtlCol="0" anchor="ctr"/>
+          <a:lstStyle/>
+          <a:p>
+            <a:pPr algn="ctr"/>
+            <a:endParaRPr lang="en-US"/>
+          </a:p>
+        </p:txBody>
+      </p:sp>
+      <p:sp>
+        <p:nvSpPr>
+          <p:cNvPr id="13" name="Freeform 11">
+            <a:extLst>
+              <a:ext uri="{FF2B5EF4-FFF2-40B4-BE49-F238E27FC236}">
+                <a16:creationId xmlns:a16="http://schemas.microsoft.com/office/drawing/2014/main" id="{08E7ACFB-B791-4C23-8B17-013FEDC09A89}"/>
+              </a:ext>
+              <a:ext uri="{C183D7F6-B498-43B3-948B-1728B52AA6E4}">
+                <adec:decorative xmlns:adec="http://schemas.microsoft.com/office/drawing/2017/decorative" val="1"/>
+              </a:ext>
+            </a:extLst>
+          </p:cNvPr>
+          <p:cNvSpPr>
+            <a:spLocks noGrp="1" noRot="1" noChangeAspect="1" noMove="1" noResize="1" noEditPoints="1" noAdjustHandles="1" noChangeArrowheads="1" noChangeShapeType="1" noTextEdit="1"/>
+          </p:cNvSpPr>
+          <p:nvPr>
+            <p:extLst>
+              <p:ext uri="{386F3935-93C4-4BCD-93E2-E3B085C9AB24}">
+                <p16:designElem xmlns:p16="http://schemas.microsoft.com/office/powerpoint/2015/main" val="1"/>
+              </p:ext>
+            </p:extLst>
+          </p:nvPr>
+        </p:nvSpPr>
+        <p:spPr>
+          <a:xfrm>
+            <a:off x="0" y="0"/>
+            <a:ext cx="3581400" cy="6858000"/>
+          </a:xfrm>
+          <a:custGeom>
+            <a:avLst/>
+            <a:gdLst>
+              <a:gd name="connsiteX0" fmla="*/ 0 w 3581400"/>
+              <a:gd name="connsiteY0" fmla="*/ 0 h 6858000"/>
+              <a:gd name="connsiteX1" fmla="*/ 405246 w 3581400"/>
+              <a:gd name="connsiteY1" fmla="*/ 0 h 6858000"/>
+              <a:gd name="connsiteX2" fmla="*/ 3581400 w 3581400"/>
+              <a:gd name="connsiteY2" fmla="*/ 6858000 h 6858000"/>
+              <a:gd name="connsiteX3" fmla="*/ 0 w 3581400"/>
+              <a:gd name="connsiteY3" fmla="*/ 6858000 h 6858000"/>
+            </a:gdLst>
+            <a:ahLst/>
+            <a:cxnLst>
+              <a:cxn ang="0">
+                <a:pos x="connsiteX0" y="connsiteY0"/>
+              </a:cxn>
+              <a:cxn ang="0">
+                <a:pos x="connsiteX1" y="connsiteY1"/>
+              </a:cxn>
+              <a:cxn ang="0">
+                <a:pos x="connsiteX2" y="connsiteY2"/>
+              </a:cxn>
+              <a:cxn ang="0">
+                <a:pos x="connsiteX3" y="connsiteY3"/>
+              </a:cxn>
+            </a:cxnLst>
+            <a:rect l="l" t="t" r="r" b="b"/>
+            <a:pathLst>
+              <a:path w="3581400" h="6858000">
+                <a:moveTo>
+                  <a:pt x="0" y="0"/>
+                </a:moveTo>
+                <a:lnTo>
+                  <a:pt x="405246" y="0"/>
+                </a:lnTo>
+                <a:lnTo>
+                  <a:pt x="3581400" y="6858000"/>
+                </a:lnTo>
+                <a:lnTo>
+                  <a:pt x="0" y="6858000"/>
+                </a:lnTo>
+                <a:close/>
+              </a:path>
+            </a:pathLst>
+          </a:custGeom>
+          <a:solidFill>
+            <a:schemeClr val="bg1">
+              <a:alpha val="30000"/>
+            </a:schemeClr>
+          </a:solidFill>
+          <a:ln>
+            <a:noFill/>
+          </a:ln>
+        </p:spPr>
+        <p:style>
+          <a:lnRef idx="2">
+            <a:schemeClr val="accent1">
+              <a:shade val="50000"/>
+            </a:schemeClr>
+          </a:lnRef>
+          <a:fillRef idx="1">
+            <a:schemeClr val="accent1"/>
+          </a:fillRef>
+          <a:effectRef idx="0">
+            <a:schemeClr val="accent1"/>
+          </a:effectRef>
+          <a:fontRef idx="minor">
+            <a:schemeClr val="lt1"/>
+          </a:fontRef>
+        </p:style>
+        <p:txBody>
+          <a:bodyPr wrap="square" rtlCol="0" anchor="ctr">
+            <a:noAutofit/>
+          </a:bodyPr>
+          <a:lstStyle/>
+          <a:p>
+            <a:pPr algn="ctr"/>
+            <a:endParaRPr lang="en-US"/>
+          </a:p>
+        </p:txBody>
+      </p:sp>
+      <p:sp>
+        <p:nvSpPr>
+          <p:cNvPr id="7" name="Título 6">
+            <a:extLst>
+              <a:ext uri="{FF2B5EF4-FFF2-40B4-BE49-F238E27FC236}">
+                <a16:creationId xmlns:a16="http://schemas.microsoft.com/office/drawing/2014/main" id="{9185C0B6-0A3F-44DF-AAE8-93CE431DD0F2}"/>
+              </a:ext>
+            </a:extLst>
+          </p:cNvPr>
+          <p:cNvSpPr>
+            <a:spLocks noGrp="1"/>
+          </p:cNvSpPr>
+          <p:nvPr>
+            <p:ph type="title"/>
+          </p:nvPr>
+        </p:nvSpPr>
+        <p:spPr/>
+        <p:txBody>
+          <a:bodyPr>
+            <a:normAutofit fontScale="90000"/>
+          </a:bodyPr>
+          <a:lstStyle/>
+          <a:p>
+            <a:r>
+              <a:rPr lang="pt-BR" dirty="0"/>
+              <a:t>Relatório 4: Topografia das Redes de Pesquisa Petrobras</a:t>
+            </a:r>
+            <a:br>
+              <a:rPr lang="pt-BR" dirty="0"/>
+            </a:br>
+            <a:endParaRPr lang="pt-BR" dirty="0"/>
+          </a:p>
+        </p:txBody>
+      </p:sp>
+      <mc:AlternateContent xmlns:mc="http://schemas.openxmlformats.org/markup-compatibility/2006" xmlns:a14="http://schemas.microsoft.com/office/drawing/2010/main">
+        <mc:Choice Requires="a14">
+          <p:sp>
+            <p:nvSpPr>
+              <p:cNvPr id="10" name="CaixaDeTexto 9">
+                <a:extLst>
+                  <a:ext uri="{FF2B5EF4-FFF2-40B4-BE49-F238E27FC236}">
+                    <a16:creationId xmlns:a16="http://schemas.microsoft.com/office/drawing/2014/main" id="{92BBEFE4-6343-4C98-B5CE-0C78808F705C}"/>
+                  </a:ext>
+                </a:extLst>
+              </p:cNvPr>
+              <p:cNvSpPr txBox="1"/>
+              <p:nvPr/>
+            </p:nvSpPr>
+            <p:spPr>
+              <a:xfrm>
+                <a:off x="1101489" y="5495786"/>
+                <a:ext cx="10191564" cy="430887"/>
+              </a:xfrm>
+              <a:prstGeom prst="rect">
+                <a:avLst/>
+              </a:prstGeom>
+              <a:noFill/>
+            </p:spPr>
+            <p:txBody>
+              <a:bodyPr wrap="square">
+                <a:spAutoFit/>
+              </a:bodyPr>
+              <a:lstStyle/>
+              <a:p>
+                <a:pPr/>
+                <a14:m>
+                  <m:oMathPara xmlns:m="http://schemas.openxmlformats.org/officeDocument/2006/math">
+                    <m:oMathParaPr>
+                      <m:jc m:val="centerGroup"/>
+                    </m:oMathParaPr>
+                    <m:oMath xmlns:m="http://schemas.openxmlformats.org/officeDocument/2006/math">
+                      <m:sSub>
+                        <m:sSubPr>
+                          <m:ctrlPr>
+                            <a:rPr lang="pt-BR" sz="2200" i="1" smtClean="0">
+                              <a:latin typeface="Cambria Math" panose="02040503050406030204" pitchFamily="18" charset="0"/>
+                            </a:rPr>
+                          </m:ctrlPr>
+                        </m:sSubPr>
+                        <m:e>
+                          <m:r>
+                            <a:rPr lang="pt-BR" sz="2200" b="0" i="1" smtClean="0">
+                              <a:latin typeface="Cambria Math" panose="02040503050406030204" pitchFamily="18" charset="0"/>
+                            </a:rPr>
+                            <m:t>𝑦</m:t>
+                          </m:r>
+                        </m:e>
+                        <m:sub>
+                          <m:r>
+                            <a:rPr lang="pt-BR" sz="2200" b="0" i="1" smtClean="0">
+                              <a:latin typeface="Cambria Math" panose="02040503050406030204" pitchFamily="18" charset="0"/>
+                            </a:rPr>
+                            <m:t>𝑖𝑡</m:t>
+                          </m:r>
+                        </m:sub>
+                      </m:sSub>
+                      <m:r>
+                        <a:rPr lang="pt-BR" sz="2200" b="0" i="1" smtClean="0">
+                          <a:latin typeface="Cambria Math" panose="02040503050406030204" pitchFamily="18" charset="0"/>
+                        </a:rPr>
+                        <m:t>=</m:t>
+                      </m:r>
+                      <m:sSub>
+                        <m:sSubPr>
+                          <m:ctrlPr>
+                            <a:rPr lang="pt-BR" sz="2200" b="0" i="1" smtClean="0">
+                              <a:latin typeface="Cambria Math" panose="02040503050406030204" pitchFamily="18" charset="0"/>
+                            </a:rPr>
+                          </m:ctrlPr>
+                        </m:sSubPr>
+                        <m:e>
+                          <m:r>
+                            <a:rPr lang="pt-BR" sz="2200" b="0" i="1" smtClean="0">
+                              <a:latin typeface="Cambria Math" panose="02040503050406030204" pitchFamily="18" charset="0"/>
+                              <a:ea typeface="Cambria Math" panose="02040503050406030204" pitchFamily="18" charset="0"/>
+                            </a:rPr>
+                            <m:t>𝛽</m:t>
+                          </m:r>
+                        </m:e>
+                        <m:sub>
+                          <m:r>
+                            <a:rPr lang="pt-BR" sz="2200" b="0" i="1" smtClean="0">
+                              <a:latin typeface="Cambria Math" panose="02040503050406030204" pitchFamily="18" charset="0"/>
+                            </a:rPr>
+                            <m:t>0</m:t>
+                          </m:r>
+                        </m:sub>
+                      </m:sSub>
+                      <m:r>
+                        <a:rPr lang="pt-BR" sz="2200" b="0" i="1" smtClean="0">
+                          <a:latin typeface="Cambria Math" panose="02040503050406030204" pitchFamily="18" charset="0"/>
+                        </a:rPr>
+                        <m:t>+</m:t>
+                      </m:r>
+                      <m:sSub>
+                        <m:sSubPr>
+                          <m:ctrlPr>
+                            <a:rPr lang="pt-BR" sz="2200" b="0" i="1" smtClean="0">
+                              <a:latin typeface="Cambria Math" panose="02040503050406030204" pitchFamily="18" charset="0"/>
+                            </a:rPr>
+                          </m:ctrlPr>
+                        </m:sSubPr>
+                        <m:e>
+                          <m:r>
+                            <a:rPr lang="pt-BR" sz="2200" i="1">
+                              <a:latin typeface="Cambria Math" panose="02040503050406030204" pitchFamily="18" charset="0"/>
+                              <a:ea typeface="Cambria Math" panose="02040503050406030204" pitchFamily="18" charset="0"/>
+                            </a:rPr>
+                            <m:t>𝛾</m:t>
+                          </m:r>
+                        </m:e>
+                        <m:sub>
+                          <m:r>
+                            <a:rPr lang="pt-BR" sz="2200" b="0" i="1" smtClean="0">
+                              <a:latin typeface="Cambria Math" panose="02040503050406030204" pitchFamily="18" charset="0"/>
+                            </a:rPr>
+                            <m:t>1</m:t>
+                          </m:r>
+                        </m:sub>
+                      </m:sSub>
+                      <m:r>
+                        <a:rPr lang="pt-BR" sz="2200" b="0" i="1" smtClean="0">
+                          <a:latin typeface="Cambria Math" panose="02040503050406030204" pitchFamily="18" charset="0"/>
+                        </a:rPr>
+                        <m:t>𝑆h𝑜𝑟𝑡𝑒𝑠𝑡</m:t>
+                      </m:r>
+                      <m:r>
+                        <a:rPr lang="pt-BR" sz="2200" b="0" i="1" smtClean="0">
+                          <a:latin typeface="Cambria Math" panose="02040503050406030204" pitchFamily="18" charset="0"/>
+                        </a:rPr>
+                        <m:t>(</m:t>
+                      </m:r>
+                      <m:r>
+                        <m:rPr>
+                          <m:nor/>
+                        </m:rPr>
+                        <a:rPr lang="pt-BR" sz="2200" dirty="0"/>
+                        <m:t>PETRO</m:t>
+                      </m:r>
+                      <m:r>
+                        <m:rPr>
+                          <m:nor/>
+                        </m:rPr>
+                        <a:rPr lang="pt-BR" sz="2200" dirty="0"/>
+                        <m:t>_</m:t>
+                      </m:r>
+                      <m:r>
+                        <m:rPr>
+                          <m:nor/>
+                        </m:rPr>
+                        <a:rPr lang="pt-BR" sz="2200" dirty="0"/>
+                        <m:t>PETRO</m:t>
+                      </m:r>
+                      <m:r>
+                        <m:rPr>
+                          <m:nor/>
+                        </m:rPr>
+                        <a:rPr lang="pt-BR" sz="2200" b="0" i="0" dirty="0" smtClean="0"/>
+                        <m:t>)+</m:t>
+                      </m:r>
+                      <m:r>
+                        <a:rPr lang="pt-BR" sz="2200" b="0" i="1" dirty="0" smtClean="0">
+                          <a:latin typeface="Cambria Math" panose="02040503050406030204" pitchFamily="18" charset="0"/>
+                        </a:rPr>
+                        <m:t> </m:t>
+                      </m:r>
+                      <m:sSub>
+                        <m:sSubPr>
+                          <m:ctrlPr>
+                            <a:rPr lang="pt-BR" sz="2200" i="1">
+                              <a:latin typeface="Cambria Math" panose="02040503050406030204" pitchFamily="18" charset="0"/>
+                            </a:rPr>
+                          </m:ctrlPr>
+                        </m:sSubPr>
+                        <m:e>
+                          <m:r>
+                            <a:rPr lang="pt-BR" sz="2200" i="1">
+                              <a:latin typeface="Cambria Math" panose="02040503050406030204" pitchFamily="18" charset="0"/>
+                              <a:ea typeface="Cambria Math" panose="02040503050406030204" pitchFamily="18" charset="0"/>
+                            </a:rPr>
+                            <m:t>𝛾</m:t>
+                          </m:r>
+                        </m:e>
+                        <m:sub>
+                          <m:r>
+                            <a:rPr lang="pt-BR" sz="2200" b="0" i="1" smtClean="0">
+                              <a:latin typeface="Cambria Math" panose="02040503050406030204" pitchFamily="18" charset="0"/>
+                            </a:rPr>
+                            <m:t>2</m:t>
+                          </m:r>
+                        </m:sub>
+                      </m:sSub>
+                      <m:r>
+                        <a:rPr lang="pt-BR" sz="2200" b="0" i="1" smtClean="0">
+                          <a:latin typeface="Cambria Math" panose="02040503050406030204" pitchFamily="18" charset="0"/>
+                        </a:rPr>
+                        <m:t>𝐵𝑒𝑡𝑤𝑒𝑒𝑛𝑒𝑠</m:t>
+                      </m:r>
+                      <m:r>
+                        <a:rPr lang="pt-BR" sz="2200" i="1" smtClean="0">
+                          <a:latin typeface="Cambria Math" panose="02040503050406030204" pitchFamily="18" charset="0"/>
+                        </a:rPr>
+                        <m:t> </m:t>
+                      </m:r>
+                      <m:r>
+                        <a:rPr lang="pt-BR" sz="2200" i="1">
+                          <a:latin typeface="Cambria Math" panose="02040503050406030204" pitchFamily="18" charset="0"/>
+                        </a:rPr>
+                        <m:t>(</m:t>
+                      </m:r>
+                      <m:r>
+                        <m:rPr>
+                          <m:nor/>
+                        </m:rPr>
+                        <a:rPr lang="pt-BR" sz="2200" dirty="0"/>
+                        <m:t>PETRO</m:t>
+                      </m:r>
+                      <m:r>
+                        <m:rPr>
+                          <m:nor/>
+                        </m:rPr>
+                        <a:rPr lang="pt-BR" sz="2200" dirty="0"/>
+                        <m:t>_</m:t>
+                      </m:r>
+                      <m:r>
+                        <m:rPr>
+                          <m:nor/>
+                        </m:rPr>
+                        <a:rPr lang="pt-BR" sz="2200" dirty="0"/>
+                        <m:t>PETRO</m:t>
+                      </m:r>
+                      <m:r>
+                        <m:rPr>
+                          <m:nor/>
+                        </m:rPr>
+                        <a:rPr lang="pt-BR" sz="2200" dirty="0"/>
+                        <m:t>)</m:t>
+                      </m:r>
+                      <m:r>
+                        <a:rPr lang="pt-BR" sz="2200" b="0" i="1" smtClean="0">
+                          <a:latin typeface="Cambria Math" panose="02040503050406030204" pitchFamily="18" charset="0"/>
+                          <a:ea typeface="Cambria Math" panose="02040503050406030204" pitchFamily="18" charset="0"/>
+                        </a:rPr>
+                        <m:t>+</m:t>
+                      </m:r>
+                      <m:sSub>
+                        <m:sSubPr>
+                          <m:ctrlPr>
+                            <a:rPr lang="pt-BR" sz="2200" i="1">
+                              <a:latin typeface="Cambria Math" panose="02040503050406030204" pitchFamily="18" charset="0"/>
+                              <a:ea typeface="Cambria Math" panose="02040503050406030204" pitchFamily="18" charset="0"/>
+                            </a:rPr>
+                          </m:ctrlPr>
+                        </m:sSubPr>
+                        <m:e>
+                          <m:r>
+                            <a:rPr lang="pt-BR" sz="2200" i="1">
+                              <a:latin typeface="Cambria Math" panose="02040503050406030204" pitchFamily="18" charset="0"/>
+                              <a:ea typeface="Cambria Math" panose="02040503050406030204" pitchFamily="18" charset="0"/>
+                            </a:rPr>
+                            <m:t>𝜀</m:t>
+                          </m:r>
+                        </m:e>
+                        <m:sub>
+                          <m:r>
+                            <a:rPr lang="pt-BR" sz="2200" b="0" i="1" smtClean="0">
+                              <a:latin typeface="Cambria Math" panose="02040503050406030204" pitchFamily="18" charset="0"/>
+                              <a:ea typeface="Cambria Math" panose="02040503050406030204" pitchFamily="18" charset="0"/>
+                            </a:rPr>
+                            <m:t>𝑖𝑡</m:t>
+                          </m:r>
+                        </m:sub>
+                      </m:sSub>
+                    </m:oMath>
+                  </m:oMathPara>
+                </a14:m>
+                <a:endParaRPr lang="pt-BR" sz="2200" dirty="0"/>
+              </a:p>
+            </p:txBody>
+          </p:sp>
+        </mc:Choice>
+        <mc:Fallback xmlns="">
+          <p:sp>
+            <p:nvSpPr>
+              <p:cNvPr id="10" name="CaixaDeTexto 9">
+                <a:extLst>
+                  <a:ext uri="{FF2B5EF4-FFF2-40B4-BE49-F238E27FC236}">
+                    <a16:creationId xmlns:a16="http://schemas.microsoft.com/office/drawing/2014/main" id="{92BBEFE4-6343-4C98-B5CE-0C78808F705C}"/>
+                  </a:ext>
+                </a:extLst>
+              </p:cNvPr>
+              <p:cNvSpPr txBox="1">
+                <a:spLocks noRot="1" noChangeAspect="1" noMove="1" noResize="1" noEditPoints="1" noAdjustHandles="1" noChangeArrowheads="1" noChangeShapeType="1" noTextEdit="1"/>
+              </p:cNvSpPr>
+              <p:nvPr/>
+            </p:nvSpPr>
+            <p:spPr>
+              <a:xfrm>
+                <a:off x="1101489" y="5495786"/>
+                <a:ext cx="10191564" cy="430887"/>
+              </a:xfrm>
+              <a:prstGeom prst="rect">
+                <a:avLst/>
+              </a:prstGeom>
+              <a:blipFill>
+                <a:blip r:embed="rId2"/>
+                <a:stretch>
+                  <a:fillRect b="-17143"/>
+                </a:stretch>
+              </a:blipFill>
+            </p:spPr>
+            <p:txBody>
+              <a:bodyPr/>
+              <a:lstStyle/>
+              <a:p>
+                <a:r>
+                  <a:rPr lang="pt-BR">
+                    <a:noFill/>
+                  </a:rPr>
+                  <a:t> </a:t>
+                </a:r>
+              </a:p>
+            </p:txBody>
+          </p:sp>
+        </mc:Fallback>
+      </mc:AlternateContent>
+      <p:pic>
+        <p:nvPicPr>
+          <p:cNvPr id="16" name="Imagem 15">
+            <a:extLst>
+              <a:ext uri="{FF2B5EF4-FFF2-40B4-BE49-F238E27FC236}">
+                <a16:creationId xmlns:a16="http://schemas.microsoft.com/office/drawing/2014/main" id="{26A64CBA-96A0-4D30-821C-EB03BED6B9E2}"/>
+              </a:ext>
+            </a:extLst>
+          </p:cNvPr>
+          <p:cNvPicPr>
+            <a:picLocks noChangeAspect="1"/>
+          </p:cNvPicPr>
+          <p:nvPr/>
+        </p:nvPicPr>
+        <p:blipFill>
+          <a:blip r:embed="rId3"/>
+          <a:stretch>
+            <a:fillRect/>
+          </a:stretch>
+        </p:blipFill>
+        <p:spPr>
+          <a:xfrm>
+            <a:off x="832659" y="1509382"/>
+            <a:ext cx="10623631" cy="2734144"/>
+          </a:xfrm>
+          <a:prstGeom prst="rect">
+            <a:avLst/>
+          </a:prstGeom>
+        </p:spPr>
+      </p:pic>
+      <p:sp>
+        <p:nvSpPr>
+          <p:cNvPr id="17" name="Espaço Reservado para Conteúdo 4">
+            <a:extLst>
+              <a:ext uri="{FF2B5EF4-FFF2-40B4-BE49-F238E27FC236}">
+                <a16:creationId xmlns:a16="http://schemas.microsoft.com/office/drawing/2014/main" id="{DFE42DE6-5929-4B64-8100-95C6A7C6E26A}"/>
+              </a:ext>
+            </a:extLst>
+          </p:cNvPr>
+          <p:cNvSpPr txBox="1">
+            <a:spLocks/>
+          </p:cNvSpPr>
+          <p:nvPr/>
+        </p:nvSpPr>
+        <p:spPr>
+          <a:xfrm>
+            <a:off x="1158452" y="4642092"/>
+            <a:ext cx="9875096" cy="455128"/>
+          </a:xfrm>
+          <a:prstGeom prst="rect">
+            <a:avLst/>
+          </a:prstGeom>
+        </p:spPr>
+        <p:txBody>
+          <a:bodyPr vert="horz" lIns="91440" tIns="45720" rIns="91440" bIns="45720" rtlCol="0">
+            <a:normAutofit/>
+          </a:bodyPr>
+          <a:lstStyle>
+            <a:lvl1pPr marL="228600" indent="-228600" algn="l" defTabSz="914400" rtl="0" eaLnBrk="1" latinLnBrk="0" hangingPunct="1">
+              <a:lnSpc>
+                <a:spcPct val="90000"/>
+              </a:lnSpc>
+              <a:spcBef>
+                <a:spcPts val="1000"/>
+              </a:spcBef>
+              <a:buFont typeface="Arial" panose="020B0604020202020204" pitchFamily="34" charset="0"/>
+              <a:buChar char="•"/>
+              <a:defRPr sz="2800" kern="1200">
+                <a:solidFill>
+                  <a:schemeClr val="tx1"/>
+                </a:solidFill>
+                <a:latin typeface="+mn-lt"/>
+                <a:ea typeface="+mn-ea"/>
+                <a:cs typeface="+mn-cs"/>
+              </a:defRPr>
+            </a:lvl1pPr>
+            <a:lvl2pPr marL="685800" indent="-228600" algn="l" defTabSz="914400" rtl="0" eaLnBrk="1" latinLnBrk="0" hangingPunct="1">
+              <a:lnSpc>
+                <a:spcPct val="90000"/>
+              </a:lnSpc>
+              <a:spcBef>
+                <a:spcPts val="500"/>
+              </a:spcBef>
+              <a:buFont typeface="Arial" panose="020B0604020202020204" pitchFamily="34" charset="0"/>
+              <a:buChar char="•"/>
+              <a:defRPr sz="2400" kern="1200">
+                <a:solidFill>
+                  <a:schemeClr val="tx1"/>
+                </a:solidFill>
+                <a:latin typeface="+mn-lt"/>
+                <a:ea typeface="+mn-ea"/>
+                <a:cs typeface="+mn-cs"/>
+              </a:defRPr>
+            </a:lvl2pPr>
+            <a:lvl3pPr marL="1143000" indent="-228600" algn="l" defTabSz="914400" rtl="0" eaLnBrk="1" latinLnBrk="0" hangingPunct="1">
+              <a:lnSpc>
+                <a:spcPct val="90000"/>
+              </a:lnSpc>
+              <a:spcBef>
+                <a:spcPts val="500"/>
+              </a:spcBef>
+              <a:buFont typeface="Arial" panose="020B0604020202020204" pitchFamily="34" charset="0"/>
+              <a:buChar char="•"/>
+              <a:defRPr sz="2000" kern="1200">
+                <a:solidFill>
+                  <a:schemeClr val="tx1"/>
+                </a:solidFill>
+                <a:latin typeface="+mn-lt"/>
+                <a:ea typeface="+mn-ea"/>
+                <a:cs typeface="+mn-cs"/>
+              </a:defRPr>
+            </a:lvl3pPr>
+            <a:lvl4pPr marL="1600200" indent="-228600" algn="l" defTabSz="914400" rtl="0" eaLnBrk="1" latinLnBrk="0" hangingPunct="1">
+              <a:lnSpc>
+                <a:spcPct val="90000"/>
+              </a:lnSpc>
+              <a:spcBef>
+                <a:spcPts val="500"/>
+              </a:spcBef>
+              <a:buFont typeface="Arial" panose="020B0604020202020204" pitchFamily="34" charset="0"/>
+              <a:buChar char="•"/>
+              <a:defRPr sz="1800" kern="1200">
+                <a:solidFill>
+                  <a:schemeClr val="tx1"/>
+                </a:solidFill>
+                <a:latin typeface="+mn-lt"/>
+                <a:ea typeface="+mn-ea"/>
+                <a:cs typeface="+mn-cs"/>
+              </a:defRPr>
+            </a:lvl4pPr>
+            <a:lvl5pPr marL="2057400" indent="-228600" algn="l" defTabSz="914400" rtl="0" eaLnBrk="1" latinLnBrk="0" hangingPunct="1">
+              <a:lnSpc>
+                <a:spcPct val="90000"/>
+              </a:lnSpc>
+              <a:spcBef>
+                <a:spcPts val="500"/>
+              </a:spcBef>
+              <a:buFont typeface="Arial" panose="020B0604020202020204" pitchFamily="34" charset="0"/>
+              <a:buChar char="•"/>
+              <a:defRPr sz="1800" kern="1200">
+                <a:solidFill>
+                  <a:schemeClr val="tx1"/>
+                </a:solidFill>
+                <a:latin typeface="+mn-lt"/>
+                <a:ea typeface="+mn-ea"/>
+                <a:cs typeface="+mn-cs"/>
+              </a:defRPr>
+            </a:lvl5pPr>
+            <a:lvl6pPr marL="2514600" indent="-228600" algn="l" defTabSz="914400" rtl="0" eaLnBrk="1" latinLnBrk="0" hangingPunct="1">
+              <a:lnSpc>
+                <a:spcPct val="90000"/>
+              </a:lnSpc>
+              <a:spcBef>
+                <a:spcPts val="500"/>
+              </a:spcBef>
+              <a:buFont typeface="Arial" panose="020B0604020202020204" pitchFamily="34" charset="0"/>
+              <a:buChar char="•"/>
+              <a:defRPr sz="1800" kern="1200">
+                <a:solidFill>
+                  <a:schemeClr val="tx1"/>
+                </a:solidFill>
+                <a:latin typeface="+mn-lt"/>
+                <a:ea typeface="+mn-ea"/>
+                <a:cs typeface="+mn-cs"/>
+              </a:defRPr>
+            </a:lvl6pPr>
+            <a:lvl7pPr marL="2971800" indent="-228600" algn="l" defTabSz="914400" rtl="0" eaLnBrk="1" latinLnBrk="0" hangingPunct="1">
+              <a:lnSpc>
+                <a:spcPct val="90000"/>
+              </a:lnSpc>
+              <a:spcBef>
+                <a:spcPts val="500"/>
+              </a:spcBef>
+              <a:buFont typeface="Arial" panose="020B0604020202020204" pitchFamily="34" charset="0"/>
+              <a:buChar char="•"/>
+              <a:defRPr sz="1800" kern="1200">
+                <a:solidFill>
+                  <a:schemeClr val="tx1"/>
+                </a:solidFill>
+                <a:latin typeface="+mn-lt"/>
+                <a:ea typeface="+mn-ea"/>
+                <a:cs typeface="+mn-cs"/>
+              </a:defRPr>
+            </a:lvl7pPr>
+            <a:lvl8pPr marL="3429000" indent="-228600" algn="l" defTabSz="914400" rtl="0" eaLnBrk="1" latinLnBrk="0" hangingPunct="1">
+              <a:lnSpc>
+                <a:spcPct val="90000"/>
+              </a:lnSpc>
+              <a:spcBef>
+                <a:spcPts val="500"/>
+              </a:spcBef>
+              <a:buFont typeface="Arial" panose="020B0604020202020204" pitchFamily="34" charset="0"/>
+              <a:buChar char="•"/>
+              <a:defRPr sz="1800" kern="1200">
+                <a:solidFill>
+                  <a:schemeClr val="tx1"/>
+                </a:solidFill>
+                <a:latin typeface="+mn-lt"/>
+                <a:ea typeface="+mn-ea"/>
+                <a:cs typeface="+mn-cs"/>
+              </a:defRPr>
+            </a:lvl8pPr>
+            <a:lvl9pPr marL="3886200" indent="-228600" algn="l" defTabSz="914400" rtl="0" eaLnBrk="1" latinLnBrk="0" hangingPunct="1">
+              <a:lnSpc>
+                <a:spcPct val="90000"/>
+              </a:lnSpc>
+              <a:spcBef>
+                <a:spcPts val="500"/>
+              </a:spcBef>
+              <a:buFont typeface="Arial" panose="020B0604020202020204" pitchFamily="34" charset="0"/>
+              <a:buChar char="•"/>
+              <a:defRPr sz="1800" kern="1200">
+                <a:solidFill>
+                  <a:schemeClr val="tx1"/>
+                </a:solidFill>
+                <a:latin typeface="+mn-lt"/>
+                <a:ea typeface="+mn-ea"/>
+                <a:cs typeface="+mn-cs"/>
+              </a:defRPr>
+            </a:lvl9pPr>
+          </a:lstStyle>
+          <a:p>
+            <a:pPr lvl="1"/>
+            <a:r>
+              <a:rPr lang="pt-BR" dirty="0"/>
+              <a:t>Efeito da topografia na produtividade acadêmica (algumas medidas)  </a:t>
+            </a:r>
+          </a:p>
+          <a:p>
+            <a:pPr marL="457200" lvl="1" indent="0">
+              <a:buNone/>
+            </a:pPr>
+            <a:endParaRPr lang="pt-BR" dirty="0"/>
+          </a:p>
+          <a:p>
+            <a:pPr marL="457200" lvl="1" indent="0">
+              <a:buNone/>
+            </a:pPr>
+            <a:endParaRPr lang="pt-BR" dirty="0"/>
+          </a:p>
+          <a:p>
+            <a:pPr marL="457200" lvl="1" indent="0">
+              <a:buNone/>
+            </a:pPr>
+            <a:endParaRPr lang="pt-BR" dirty="0"/>
+          </a:p>
+          <a:p>
+            <a:pPr marL="457200" lvl="1" indent="0">
+              <a:buNone/>
+            </a:pPr>
+            <a:endParaRPr lang="pt-BR" dirty="0"/>
+          </a:p>
+          <a:p>
+            <a:pPr marL="457200" lvl="1" indent="0">
+              <a:buNone/>
+            </a:pPr>
+            <a:endParaRPr lang="pt-BR" sz="2400" dirty="0"/>
+          </a:p>
+        </p:txBody>
+      </p:sp>
+    </p:spTree>
+    <p:extLst>
+      <p:ext uri="{BB962C8B-B14F-4D97-AF65-F5344CB8AC3E}">
+        <p14:creationId xmlns:p14="http://schemas.microsoft.com/office/powerpoint/2010/main" val="3181176519"/>
       </p:ext>
     </p:extLst>
   </p:cSld>
